--- a/Slide/SDAE.pptx
+++ b/Slide/SDAE.pptx
@@ -7,31 +7,32 @@
   <p:sldIdLst>
     <p:sldId id="256" r:id="rId2"/>
     <p:sldId id="257" r:id="rId3"/>
-    <p:sldId id="258" r:id="rId4"/>
-    <p:sldId id="259" r:id="rId5"/>
-    <p:sldId id="260" r:id="rId6"/>
-    <p:sldId id="261" r:id="rId7"/>
-    <p:sldId id="262" r:id="rId8"/>
-    <p:sldId id="279" r:id="rId9"/>
-    <p:sldId id="272" r:id="rId10"/>
-    <p:sldId id="273" r:id="rId11"/>
-    <p:sldId id="263" r:id="rId12"/>
-    <p:sldId id="264" r:id="rId13"/>
-    <p:sldId id="265" r:id="rId14"/>
-    <p:sldId id="266" r:id="rId15"/>
-    <p:sldId id="267" r:id="rId16"/>
-    <p:sldId id="268" r:id="rId17"/>
-    <p:sldId id="269" r:id="rId18"/>
-    <p:sldId id="270" r:id="rId19"/>
-    <p:sldId id="271" r:id="rId20"/>
-    <p:sldId id="280" r:id="rId21"/>
-    <p:sldId id="274" r:id="rId22"/>
-    <p:sldId id="275" r:id="rId23"/>
-    <p:sldId id="277" r:id="rId24"/>
-    <p:sldId id="276" r:id="rId25"/>
-    <p:sldId id="278" r:id="rId26"/>
-    <p:sldId id="281" r:id="rId27"/>
-    <p:sldId id="282" r:id="rId28"/>
+    <p:sldId id="283" r:id="rId4"/>
+    <p:sldId id="258" r:id="rId5"/>
+    <p:sldId id="259" r:id="rId6"/>
+    <p:sldId id="260" r:id="rId7"/>
+    <p:sldId id="261" r:id="rId8"/>
+    <p:sldId id="262" r:id="rId9"/>
+    <p:sldId id="279" r:id="rId10"/>
+    <p:sldId id="272" r:id="rId11"/>
+    <p:sldId id="273" r:id="rId12"/>
+    <p:sldId id="263" r:id="rId13"/>
+    <p:sldId id="264" r:id="rId14"/>
+    <p:sldId id="265" r:id="rId15"/>
+    <p:sldId id="266" r:id="rId16"/>
+    <p:sldId id="267" r:id="rId17"/>
+    <p:sldId id="268" r:id="rId18"/>
+    <p:sldId id="269" r:id="rId19"/>
+    <p:sldId id="270" r:id="rId20"/>
+    <p:sldId id="271" r:id="rId21"/>
+    <p:sldId id="280" r:id="rId22"/>
+    <p:sldId id="274" r:id="rId23"/>
+    <p:sldId id="275" r:id="rId24"/>
+    <p:sldId id="277" r:id="rId25"/>
+    <p:sldId id="276" r:id="rId26"/>
+    <p:sldId id="278" r:id="rId27"/>
+    <p:sldId id="281" r:id="rId28"/>
+    <p:sldId id="282" r:id="rId29"/>
   </p:sldIdLst>
   <p:sldSz cx="9144000" cy="6858000" type="screen4x3"/>
   <p:notesSz cx="6858000" cy="9144000"/>
@@ -314,7 +315,7 @@
           <a:p>
             <a:fld id="{5BBEAD13-0566-4C6C-97E7-55F17F24B09F}" type="datetimeFigureOut">
               <a:rPr lang="zh-TW" altLang="en-US" smtClean="0"/>
-              <a:t>2018/11/28</a:t>
+              <a:t>2018/12/6</a:t>
             </a:fld>
             <a:endParaRPr lang="zh-TW" altLang="en-US"/>
           </a:p>
@@ -479,7 +480,7 @@
           <a:p>
             <a:fld id="{5BBEAD13-0566-4C6C-97E7-55F17F24B09F}" type="datetimeFigureOut">
               <a:rPr lang="zh-TW" altLang="en-US" smtClean="0"/>
-              <a:t>2018/11/28</a:t>
+              <a:t>2018/12/6</a:t>
             </a:fld>
             <a:endParaRPr lang="zh-TW" altLang="en-US"/>
           </a:p>
@@ -654,7 +655,7 @@
           <a:p>
             <a:fld id="{5BBEAD13-0566-4C6C-97E7-55F17F24B09F}" type="datetimeFigureOut">
               <a:rPr lang="zh-TW" altLang="en-US" smtClean="0"/>
-              <a:t>2018/11/28</a:t>
+              <a:t>2018/12/6</a:t>
             </a:fld>
             <a:endParaRPr lang="zh-TW" altLang="en-US"/>
           </a:p>
@@ -819,7 +820,7 @@
           <a:p>
             <a:fld id="{5BBEAD13-0566-4C6C-97E7-55F17F24B09F}" type="datetimeFigureOut">
               <a:rPr lang="zh-TW" altLang="en-US" smtClean="0"/>
-              <a:t>2018/11/28</a:t>
+              <a:t>2018/12/6</a:t>
             </a:fld>
             <a:endParaRPr lang="zh-TW" altLang="en-US"/>
           </a:p>
@@ -1060,7 +1061,7 @@
           <a:p>
             <a:fld id="{5BBEAD13-0566-4C6C-97E7-55F17F24B09F}" type="datetimeFigureOut">
               <a:rPr lang="zh-TW" altLang="en-US" smtClean="0"/>
-              <a:t>2018/11/28</a:t>
+              <a:t>2018/12/6</a:t>
             </a:fld>
             <a:endParaRPr lang="zh-TW" altLang="en-US"/>
           </a:p>
@@ -1343,7 +1344,7 @@
           <a:p>
             <a:fld id="{5BBEAD13-0566-4C6C-97E7-55F17F24B09F}" type="datetimeFigureOut">
               <a:rPr lang="zh-TW" altLang="en-US" smtClean="0"/>
-              <a:t>2018/11/28</a:t>
+              <a:t>2018/12/6</a:t>
             </a:fld>
             <a:endParaRPr lang="zh-TW" altLang="en-US"/>
           </a:p>
@@ -1760,7 +1761,7 @@
           <a:p>
             <a:fld id="{5BBEAD13-0566-4C6C-97E7-55F17F24B09F}" type="datetimeFigureOut">
               <a:rPr lang="zh-TW" altLang="en-US" smtClean="0"/>
-              <a:t>2018/11/28</a:t>
+              <a:t>2018/12/6</a:t>
             </a:fld>
             <a:endParaRPr lang="zh-TW" altLang="en-US"/>
           </a:p>
@@ -1873,7 +1874,7 @@
           <a:p>
             <a:fld id="{5BBEAD13-0566-4C6C-97E7-55F17F24B09F}" type="datetimeFigureOut">
               <a:rPr lang="zh-TW" altLang="en-US" smtClean="0"/>
-              <a:t>2018/11/28</a:t>
+              <a:t>2018/12/6</a:t>
             </a:fld>
             <a:endParaRPr lang="zh-TW" altLang="en-US"/>
           </a:p>
@@ -1963,7 +1964,7 @@
           <a:p>
             <a:fld id="{5BBEAD13-0566-4C6C-97E7-55F17F24B09F}" type="datetimeFigureOut">
               <a:rPr lang="zh-TW" altLang="en-US" smtClean="0"/>
-              <a:t>2018/11/28</a:t>
+              <a:t>2018/12/6</a:t>
             </a:fld>
             <a:endParaRPr lang="zh-TW" altLang="en-US"/>
           </a:p>
@@ -2235,7 +2236,7 @@
           <a:p>
             <a:fld id="{5BBEAD13-0566-4C6C-97E7-55F17F24B09F}" type="datetimeFigureOut">
               <a:rPr lang="zh-TW" altLang="en-US" smtClean="0"/>
-              <a:t>2018/11/28</a:t>
+              <a:t>2018/12/6</a:t>
             </a:fld>
             <a:endParaRPr lang="zh-TW" altLang="en-US"/>
           </a:p>
@@ -2483,7 +2484,7 @@
           <a:p>
             <a:fld id="{5BBEAD13-0566-4C6C-97E7-55F17F24B09F}" type="datetimeFigureOut">
               <a:rPr lang="zh-TW" altLang="en-US" smtClean="0"/>
-              <a:t>2018/11/28</a:t>
+              <a:t>2018/12/6</a:t>
             </a:fld>
             <a:endParaRPr lang="zh-TW" altLang="en-US"/>
           </a:p>
@@ -2691,7 +2692,7 @@
           <a:p>
             <a:fld id="{5BBEAD13-0566-4C6C-97E7-55F17F24B09F}" type="datetimeFigureOut">
               <a:rPr lang="zh-TW" altLang="en-US" smtClean="0"/>
-              <a:t>2018/11/28</a:t>
+              <a:t>2018/12/6</a:t>
             </a:fld>
             <a:endParaRPr lang="zh-TW" altLang="en-US"/>
           </a:p>
@@ -3061,6 +3062,39 @@
           <a:chExt cx="0" cy="0"/>
         </a:xfrm>
       </p:grpSpPr>
+      <p:sp>
+        <p:nvSpPr>
+          <p:cNvPr id="2" name="矩形 1"/>
+          <p:cNvSpPr/>
+          <p:nvPr/>
+        </p:nvSpPr>
+        <p:spPr>
+          <a:xfrm>
+            <a:off x="3541333" y="2492896"/>
+            <a:ext cx="1829347" cy="646331"/>
+          </a:xfrm>
+          <a:prstGeom prst="rect">
+            <a:avLst/>
+          </a:prstGeom>
+        </p:spPr>
+        <p:txBody>
+          <a:bodyPr wrap="none">
+            <a:spAutoFit/>
+          </a:bodyPr>
+          <a:lstStyle/>
+          <a:p>
+            <a:r>
+              <a:rPr lang="en-US" altLang="zh-TW" sz="3600" dirty="0" smtClean="0"/>
+              <a:t>VIP </a:t>
+            </a:r>
+            <a:r>
+              <a:rPr lang="zh-TW" altLang="en-US" sz="3600" dirty="0" smtClean="0"/>
+              <a:t>新聞</a:t>
+            </a:r>
+            <a:endParaRPr lang="zh-TW" altLang="en-US" sz="3600" dirty="0"/>
+          </a:p>
+        </p:txBody>
+      </p:sp>
     </p:spTree>
     <p:extLst>
       <p:ext uri="{BB962C8B-B14F-4D97-AF65-F5344CB8AC3E}">
@@ -3108,7 +3142,7 @@
           <a:p>
             <a:r>
               <a:rPr lang="en-US" altLang="zh-TW" dirty="0" smtClean="0"/>
-              <a:t>Decoder</a:t>
+              <a:t>Encoder</a:t>
             </a:r>
             <a:endParaRPr lang="zh-TW" altLang="en-US" dirty="0"/>
           </a:p>
@@ -3116,7 +3150,7 @@
       </p:sp>
       <p:pic>
         <p:nvPicPr>
-          <p:cNvPr id="6" name="內容版面配置區 5"/>
+          <p:cNvPr id="4" name="內容版面配置區 3"/>
           <p:cNvPicPr>
             <a:picLocks noGrp="1" noChangeAspect="1"/>
           </p:cNvPicPr>
@@ -3138,14 +3172,14 @@
         </p:blipFill>
         <p:spPr>
           <a:xfrm>
-            <a:off x="971600" y="2529583"/>
-            <a:ext cx="1524000" cy="1495425"/>
+            <a:off x="1115616" y="2420888"/>
+            <a:ext cx="2181225" cy="2428875"/>
           </a:xfrm>
         </p:spPr>
       </p:pic>
       <p:pic>
         <p:nvPicPr>
-          <p:cNvPr id="7" name="圖片 6" descr="畫面剪輯"/>
+          <p:cNvPr id="5" name="圖片 4" descr="畫面剪輯"/>
           <p:cNvPicPr>
             <a:picLocks noChangeAspect="1"/>
           </p:cNvPicPr>
@@ -3165,8 +3199,8 @@
         </p:blipFill>
         <p:spPr>
           <a:xfrm>
-            <a:off x="3275856" y="2420888"/>
-            <a:ext cx="5134692" cy="1829055"/>
+            <a:off x="3563888" y="2492896"/>
+            <a:ext cx="5087060" cy="2038635"/>
           </a:xfrm>
           <a:prstGeom prst="rect">
             <a:avLst/>
@@ -3176,7 +3210,7 @@
     </p:spTree>
     <p:extLst>
       <p:ext uri="{BB962C8B-B14F-4D97-AF65-F5344CB8AC3E}">
-        <p14:creationId xmlns:p14="http://schemas.microsoft.com/office/powerpoint/2010/main" val="2366454564"/>
+        <p14:creationId xmlns:p14="http://schemas.microsoft.com/office/powerpoint/2010/main" val="1253809794"/>
       </p:ext>
     </p:extLst>
   </p:cSld>
@@ -3220,6 +3254,118 @@
           <a:p>
             <a:r>
               <a:rPr lang="en-US" altLang="zh-TW" dirty="0" smtClean="0"/>
+              <a:t>Decoder</a:t>
+            </a:r>
+            <a:endParaRPr lang="zh-TW" altLang="en-US" dirty="0"/>
+          </a:p>
+        </p:txBody>
+      </p:sp>
+      <p:pic>
+        <p:nvPicPr>
+          <p:cNvPr id="6" name="內容版面配置區 5"/>
+          <p:cNvPicPr>
+            <a:picLocks noGrp="1" noChangeAspect="1"/>
+          </p:cNvPicPr>
+          <p:nvPr>
+            <p:ph idx="1"/>
+          </p:nvPr>
+        </p:nvPicPr>
+        <p:blipFill>
+          <a:blip r:embed="rId2">
+            <a:extLst>
+              <a:ext uri="{28A0092B-C50C-407E-A947-70E740481C1C}">
+                <a14:useLocalDpi xmlns:a14="http://schemas.microsoft.com/office/drawing/2010/main" val="0"/>
+              </a:ext>
+            </a:extLst>
+          </a:blip>
+          <a:stretch>
+            <a:fillRect/>
+          </a:stretch>
+        </p:blipFill>
+        <p:spPr>
+          <a:xfrm>
+            <a:off x="971600" y="2529583"/>
+            <a:ext cx="1524000" cy="1495425"/>
+          </a:xfrm>
+        </p:spPr>
+      </p:pic>
+      <p:pic>
+        <p:nvPicPr>
+          <p:cNvPr id="7" name="圖片 6" descr="畫面剪輯"/>
+          <p:cNvPicPr>
+            <a:picLocks noChangeAspect="1"/>
+          </p:cNvPicPr>
+          <p:nvPr/>
+        </p:nvPicPr>
+        <p:blipFill>
+          <a:blip r:embed="rId3">
+            <a:extLst>
+              <a:ext uri="{28A0092B-C50C-407E-A947-70E740481C1C}">
+                <a14:useLocalDpi xmlns:a14="http://schemas.microsoft.com/office/drawing/2010/main" val="0"/>
+              </a:ext>
+            </a:extLst>
+          </a:blip>
+          <a:stretch>
+            <a:fillRect/>
+          </a:stretch>
+        </p:blipFill>
+        <p:spPr>
+          <a:xfrm>
+            <a:off x="3275856" y="2420888"/>
+            <a:ext cx="5134692" cy="1829055"/>
+          </a:xfrm>
+          <a:prstGeom prst="rect">
+            <a:avLst/>
+          </a:prstGeom>
+        </p:spPr>
+      </p:pic>
+    </p:spTree>
+    <p:extLst>
+      <p:ext uri="{BB962C8B-B14F-4D97-AF65-F5344CB8AC3E}">
+        <p14:creationId xmlns:p14="http://schemas.microsoft.com/office/powerpoint/2010/main" val="2366454564"/>
+      </p:ext>
+    </p:extLst>
+  </p:cSld>
+  <p:clrMapOvr>
+    <a:masterClrMapping/>
+  </p:clrMapOvr>
+</p:sld>
+</file>
+
+<file path=ppt/slides/slide12.xml><?xml version="1.0" encoding="utf-8"?>
+<p:sld xmlns:a="http://schemas.openxmlformats.org/drawingml/2006/main" xmlns:r="http://schemas.openxmlformats.org/officeDocument/2006/relationships" xmlns:p="http://schemas.openxmlformats.org/presentationml/2006/main">
+  <p:cSld>
+    <p:spTree>
+      <p:nvGrpSpPr>
+        <p:cNvPr id="1" name=""/>
+        <p:cNvGrpSpPr/>
+        <p:nvPr/>
+      </p:nvGrpSpPr>
+      <p:grpSpPr>
+        <a:xfrm>
+          <a:off x="0" y="0"/>
+          <a:ext cx="0" cy="0"/>
+          <a:chOff x="0" y="0"/>
+          <a:chExt cx="0" cy="0"/>
+        </a:xfrm>
+      </p:grpSpPr>
+      <p:sp>
+        <p:nvSpPr>
+          <p:cNvPr id="2" name="標題 1"/>
+          <p:cNvSpPr>
+            <a:spLocks noGrp="1"/>
+          </p:cNvSpPr>
+          <p:nvPr>
+            <p:ph type="title"/>
+          </p:nvPr>
+        </p:nvSpPr>
+        <p:spPr/>
+        <p:txBody>
+          <a:bodyPr/>
+          <a:lstStyle/>
+          <a:p>
+            <a:r>
+              <a:rPr lang="en-US" altLang="zh-TW" dirty="0" smtClean="0"/>
               <a:t>Tri-</a:t>
             </a:r>
             <a:r>
@@ -3272,7 +3418,7 @@
 </p:sld>
 </file>
 
-<file path=ppt/slides/slide12.xml><?xml version="1.0" encoding="utf-8"?>
+<file path=ppt/slides/slide13.xml><?xml version="1.0" encoding="utf-8"?>
 <p:sld xmlns:a="http://schemas.openxmlformats.org/drawingml/2006/main" xmlns:r="http://schemas.openxmlformats.org/officeDocument/2006/relationships" xmlns:p="http://schemas.openxmlformats.org/presentationml/2006/main">
   <p:cSld>
     <p:spTree>
@@ -3332,7 +3478,7 @@
 </p:sld>
 </file>
 
-<file path=ppt/slides/slide13.xml><?xml version="1.0" encoding="utf-8"?>
+<file path=ppt/slides/slide14.xml><?xml version="1.0" encoding="utf-8"?>
 <p:sld xmlns:a="http://schemas.openxmlformats.org/drawingml/2006/main" xmlns:r="http://schemas.openxmlformats.org/officeDocument/2006/relationships" xmlns:p="http://schemas.openxmlformats.org/presentationml/2006/main">
   <p:cSld>
     <p:spTree>
@@ -3420,88 +3566,6 @@
 </p:sld>
 </file>
 
-<file path=ppt/slides/slide14.xml><?xml version="1.0" encoding="utf-8"?>
-<p:sld xmlns:a="http://schemas.openxmlformats.org/drawingml/2006/main" xmlns:r="http://schemas.openxmlformats.org/officeDocument/2006/relationships" xmlns:p="http://schemas.openxmlformats.org/presentationml/2006/main">
-  <p:cSld>
-    <p:spTree>
-      <p:nvGrpSpPr>
-        <p:cNvPr id="1" name=""/>
-        <p:cNvGrpSpPr/>
-        <p:nvPr/>
-      </p:nvGrpSpPr>
-      <p:grpSpPr>
-        <a:xfrm>
-          <a:off x="0" y="0"/>
-          <a:ext cx="0" cy="0"/>
-          <a:chOff x="0" y="0"/>
-          <a:chExt cx="0" cy="0"/>
-        </a:xfrm>
-      </p:grpSpPr>
-      <p:sp>
-        <p:nvSpPr>
-          <p:cNvPr id="2" name="標題 1"/>
-          <p:cNvSpPr>
-            <a:spLocks noGrp="1"/>
-          </p:cNvSpPr>
-          <p:nvPr>
-            <p:ph type="title"/>
-          </p:nvPr>
-        </p:nvSpPr>
-        <p:spPr/>
-        <p:txBody>
-          <a:bodyPr/>
-          <a:lstStyle/>
-          <a:p>
-            <a:r>
-              <a:rPr lang="en-US" altLang="zh-TW" dirty="0" smtClean="0"/>
-              <a:t>Triplet loss</a:t>
-            </a:r>
-            <a:endParaRPr lang="zh-TW" altLang="en-US" dirty="0"/>
-          </a:p>
-        </p:txBody>
-      </p:sp>
-      <p:pic>
-        <p:nvPicPr>
-          <p:cNvPr id="4" name="內容版面配置區 3" descr="畫面剪輯"/>
-          <p:cNvPicPr>
-            <a:picLocks noGrp="1" noChangeAspect="1"/>
-          </p:cNvPicPr>
-          <p:nvPr>
-            <p:ph idx="1"/>
-          </p:nvPr>
-        </p:nvPicPr>
-        <p:blipFill>
-          <a:blip r:embed="rId2">
-            <a:extLst>
-              <a:ext uri="{28A0092B-C50C-407E-A947-70E740481C1C}">
-                <a14:useLocalDpi xmlns:a14="http://schemas.microsoft.com/office/drawing/2010/main" val="0"/>
-              </a:ext>
-            </a:extLst>
-          </a:blip>
-          <a:stretch>
-            <a:fillRect/>
-          </a:stretch>
-        </p:blipFill>
-        <p:spPr>
-          <a:xfrm>
-            <a:off x="1261600" y="2281810"/>
-            <a:ext cx="6620799" cy="3162742"/>
-          </a:xfrm>
-        </p:spPr>
-      </p:pic>
-    </p:spTree>
-    <p:extLst>
-      <p:ext uri="{BB962C8B-B14F-4D97-AF65-F5344CB8AC3E}">
-        <p14:creationId xmlns:p14="http://schemas.microsoft.com/office/powerpoint/2010/main" val="1986470718"/>
-      </p:ext>
-    </p:extLst>
-  </p:cSld>
-  <p:clrMapOvr>
-    <a:masterClrMapping/>
-  </p:clrMapOvr>
-</p:sld>
-</file>
-
 <file path=ppt/slides/slide15.xml><?xml version="1.0" encoding="utf-8"?>
 <p:sld xmlns:a="http://schemas.openxmlformats.org/drawingml/2006/main" xmlns:r="http://schemas.openxmlformats.org/officeDocument/2006/relationships" xmlns:p="http://schemas.openxmlformats.org/presentationml/2006/main">
   <p:cSld>
@@ -3536,7 +3600,7 @@
           <a:p>
             <a:r>
               <a:rPr lang="en-US" altLang="zh-TW" dirty="0" smtClean="0"/>
-              <a:t>Reconstruction loss</a:t>
+              <a:t>Triplet loss</a:t>
             </a:r>
             <a:endParaRPr lang="zh-TW" altLang="en-US" dirty="0"/>
           </a:p>
@@ -3544,11 +3608,13 @@
       </p:sp>
       <p:pic>
         <p:nvPicPr>
-          <p:cNvPr id="4" name="圖片 3" descr="畫面剪輯"/>
+          <p:cNvPr id="4" name="內容版面配置區 3" descr="畫面剪輯"/>
           <p:cNvPicPr>
-            <a:picLocks noChangeAspect="1"/>
+            <a:picLocks noGrp="1" noChangeAspect="1"/>
           </p:cNvPicPr>
-          <p:nvPr/>
+          <p:nvPr>
+            <p:ph idx="1"/>
+          </p:nvPr>
         </p:nvPicPr>
         <p:blipFill>
           <a:blip r:embed="rId2">
@@ -3564,48 +3630,15 @@
         </p:blipFill>
         <p:spPr>
           <a:xfrm>
-            <a:off x="0" y="1340768"/>
-            <a:ext cx="9144000" cy="2304255"/>
-          </a:xfrm>
-          <a:prstGeom prst="rect">
-            <a:avLst/>
-          </a:prstGeom>
-        </p:spPr>
-      </p:pic>
-      <p:pic>
-        <p:nvPicPr>
-          <p:cNvPr id="6" name="圖片 5" descr="畫面剪輯"/>
-          <p:cNvPicPr>
-            <a:picLocks noChangeAspect="1"/>
-          </p:cNvPicPr>
-          <p:nvPr/>
-        </p:nvPicPr>
-        <p:blipFill>
-          <a:blip r:embed="rId3">
-            <a:extLst>
-              <a:ext uri="{28A0092B-C50C-407E-A947-70E740481C1C}">
-                <a14:useLocalDpi xmlns:a14="http://schemas.microsoft.com/office/drawing/2010/main" val="0"/>
-              </a:ext>
-            </a:extLst>
-          </a:blip>
-          <a:stretch>
-            <a:fillRect/>
-          </a:stretch>
-        </p:blipFill>
-        <p:spPr>
-          <a:xfrm>
-            <a:off x="30805" y="3861049"/>
-            <a:ext cx="9144000" cy="2304255"/>
-          </a:xfrm>
-          <a:prstGeom prst="rect">
-            <a:avLst/>
-          </a:prstGeom>
+            <a:off x="1261600" y="2281810"/>
+            <a:ext cx="6620799" cy="3162742"/>
+          </a:xfrm>
         </p:spPr>
       </p:pic>
     </p:spTree>
     <p:extLst>
       <p:ext uri="{BB962C8B-B14F-4D97-AF65-F5344CB8AC3E}">
-        <p14:creationId xmlns:p14="http://schemas.microsoft.com/office/powerpoint/2010/main" val="2918896627"/>
+        <p14:creationId xmlns:p14="http://schemas.microsoft.com/office/powerpoint/2010/main" val="1986470718"/>
       </p:ext>
     </p:extLst>
   </p:cSld>
@@ -3649,89 +3682,82 @@
           <a:p>
             <a:r>
               <a:rPr lang="en-US" altLang="zh-TW" dirty="0" smtClean="0"/>
-              <a:t>Sampling</a:t>
+              <a:t>Reconstruction loss</a:t>
             </a:r>
             <a:endParaRPr lang="zh-TW" altLang="en-US" dirty="0"/>
           </a:p>
         </p:txBody>
       </p:sp>
-      <p:sp>
-        <p:nvSpPr>
-          <p:cNvPr id="3" name="內容版面配置區 2"/>
-          <p:cNvSpPr>
-            <a:spLocks noGrp="1"/>
-          </p:cNvSpPr>
-          <p:nvPr>
-            <p:ph idx="1"/>
-          </p:nvPr>
-        </p:nvSpPr>
-        <p:spPr/>
-        <p:txBody>
-          <a:bodyPr/>
-          <a:lstStyle/>
-          <a:p>
-            <a:r>
-              <a:rPr lang="en-US" altLang="zh-TW" dirty="0" smtClean="0"/>
-              <a:t>A1,A2,A3,A4</a:t>
-            </a:r>
-          </a:p>
-          <a:p>
-            <a:r>
-              <a:rPr lang="en-US" altLang="zh-TW" dirty="0" smtClean="0"/>
-              <a:t>B1,B2,B3,B4</a:t>
-            </a:r>
-          </a:p>
-          <a:p>
-            <a:r>
-              <a:rPr lang="en-US" altLang="zh-TW" dirty="0" smtClean="0"/>
-              <a:t>C1,C2,C3,C4</a:t>
-            </a:r>
-          </a:p>
-          <a:p>
-            <a:r>
-              <a:rPr lang="en-US" altLang="zh-TW" dirty="0" smtClean="0"/>
-              <a:t>D1,D2,D3,D4</a:t>
-            </a:r>
-            <a:endParaRPr lang="en-US" altLang="zh-TW" dirty="0"/>
-          </a:p>
-          <a:p>
-            <a:pPr marL="0" indent="0">
-              <a:buNone/>
-            </a:pPr>
-            <a:endParaRPr lang="en-US" altLang="zh-TW" dirty="0" smtClean="0"/>
-          </a:p>
-          <a:p>
-            <a:r>
-              <a:rPr lang="en-US" altLang="zh-TW" dirty="0" smtClean="0"/>
-              <a:t>(A1,A2,B1),(A2,A3,C1),(A3,A4,D1)</a:t>
-            </a:r>
-          </a:p>
-          <a:p>
-            <a:r>
-              <a:rPr lang="en-US" altLang="zh-TW" dirty="0" smtClean="0"/>
-              <a:t>(B1,B2,C1)</a:t>
-            </a:r>
-            <a:endParaRPr lang="zh-TW" altLang="en-US" dirty="0"/>
-          </a:p>
-        </p:txBody>
-      </p:sp>
+      <p:pic>
+        <p:nvPicPr>
+          <p:cNvPr id="4" name="圖片 3" descr="畫面剪輯"/>
+          <p:cNvPicPr>
+            <a:picLocks noChangeAspect="1"/>
+          </p:cNvPicPr>
+          <p:nvPr/>
+        </p:nvPicPr>
+        <p:blipFill>
+          <a:blip r:embed="rId2">
+            <a:extLst>
+              <a:ext uri="{28A0092B-C50C-407E-A947-70E740481C1C}">
+                <a14:useLocalDpi xmlns:a14="http://schemas.microsoft.com/office/drawing/2010/main" val="0"/>
+              </a:ext>
+            </a:extLst>
+          </a:blip>
+          <a:stretch>
+            <a:fillRect/>
+          </a:stretch>
+        </p:blipFill>
+        <p:spPr>
+          <a:xfrm>
+            <a:off x="0" y="1340768"/>
+            <a:ext cx="9144000" cy="2304255"/>
+          </a:xfrm>
+          <a:prstGeom prst="rect">
+            <a:avLst/>
+          </a:prstGeom>
+        </p:spPr>
+      </p:pic>
+      <p:pic>
+        <p:nvPicPr>
+          <p:cNvPr id="6" name="圖片 5" descr="畫面剪輯"/>
+          <p:cNvPicPr>
+            <a:picLocks noChangeAspect="1"/>
+          </p:cNvPicPr>
+          <p:nvPr/>
+        </p:nvPicPr>
+        <p:blipFill>
+          <a:blip r:embed="rId3">
+            <a:extLst>
+              <a:ext uri="{28A0092B-C50C-407E-A947-70E740481C1C}">
+                <a14:useLocalDpi xmlns:a14="http://schemas.microsoft.com/office/drawing/2010/main" val="0"/>
+              </a:ext>
+            </a:extLst>
+          </a:blip>
+          <a:stretch>
+            <a:fillRect/>
+          </a:stretch>
+        </p:blipFill>
+        <p:spPr>
+          <a:xfrm>
+            <a:off x="30805" y="3861049"/>
+            <a:ext cx="9144000" cy="2304255"/>
+          </a:xfrm>
+          <a:prstGeom prst="rect">
+            <a:avLst/>
+          </a:prstGeom>
+        </p:spPr>
+      </p:pic>
     </p:spTree>
     <p:extLst>
       <p:ext uri="{BB962C8B-B14F-4D97-AF65-F5344CB8AC3E}">
-        <p14:creationId xmlns:p14="http://schemas.microsoft.com/office/powerpoint/2010/main" val="1049880529"/>
+        <p14:creationId xmlns:p14="http://schemas.microsoft.com/office/powerpoint/2010/main" val="2918896627"/>
       </p:ext>
     </p:extLst>
   </p:cSld>
   <p:clrMapOvr>
     <a:masterClrMapping/>
   </p:clrMapOvr>
-  <p:timing>
-    <p:tnLst>
-      <p:par>
-        <p:cTn id="1" dur="indefinite" restart="never" nodeType="tmRoot"/>
-      </p:par>
-    </p:tnLst>
-  </p:timing>
 </p:sld>
 </file>
 
@@ -3754,7 +3780,7 @@
       </p:grpSpPr>
       <p:sp>
         <p:nvSpPr>
-          <p:cNvPr id="6" name="標題 1"/>
+          <p:cNvPr id="2" name="標題 1"/>
           <p:cNvSpPr>
             <a:spLocks noGrp="1"/>
           </p:cNvSpPr>
@@ -3762,58 +3788,83 @@
             <p:ph type="title"/>
           </p:nvPr>
         </p:nvSpPr>
-        <p:spPr>
-          <a:xfrm>
-            <a:off x="457200" y="274638"/>
-            <a:ext cx="8229600" cy="1143000"/>
-          </a:xfrm>
-        </p:spPr>
+        <p:spPr/>
         <p:txBody>
           <a:bodyPr/>
           <a:lstStyle/>
           <a:p>
             <a:r>
               <a:rPr lang="en-US" altLang="zh-TW" dirty="0" smtClean="0"/>
-              <a:t>loss</a:t>
+              <a:t>Sampling</a:t>
             </a:r>
             <a:endParaRPr lang="zh-TW" altLang="en-US" dirty="0"/>
           </a:p>
         </p:txBody>
       </p:sp>
-      <p:pic>
-        <p:nvPicPr>
-          <p:cNvPr id="2" name="圖片 1" descr="畫面剪輯"/>
-          <p:cNvPicPr>
-            <a:picLocks noChangeAspect="1"/>
-          </p:cNvPicPr>
-          <p:nvPr/>
-        </p:nvPicPr>
-        <p:blipFill>
-          <a:blip r:embed="rId2">
-            <a:extLst>
-              <a:ext uri="{28A0092B-C50C-407E-A947-70E740481C1C}">
-                <a14:useLocalDpi xmlns:a14="http://schemas.microsoft.com/office/drawing/2010/main" val="0"/>
-              </a:ext>
-            </a:extLst>
-          </a:blip>
-          <a:stretch>
-            <a:fillRect/>
-          </a:stretch>
-        </p:blipFill>
-        <p:spPr>
-          <a:xfrm>
-            <a:off x="1331639" y="1916832"/>
-            <a:ext cx="6725589" cy="3229426"/>
-          </a:xfrm>
-          <a:prstGeom prst="rect">
-            <a:avLst/>
-          </a:prstGeom>
-        </p:spPr>
-      </p:pic>
+      <p:sp>
+        <p:nvSpPr>
+          <p:cNvPr id="3" name="內容版面配置區 2"/>
+          <p:cNvSpPr>
+            <a:spLocks noGrp="1"/>
+          </p:cNvSpPr>
+          <p:nvPr>
+            <p:ph idx="1"/>
+          </p:nvPr>
+        </p:nvSpPr>
+        <p:spPr/>
+        <p:txBody>
+          <a:bodyPr/>
+          <a:lstStyle/>
+          <a:p>
+            <a:r>
+              <a:rPr lang="en-US" altLang="zh-TW" dirty="0" smtClean="0"/>
+              <a:t>A1,A2,A3,A4</a:t>
+            </a:r>
+          </a:p>
+          <a:p>
+            <a:r>
+              <a:rPr lang="en-US" altLang="zh-TW" dirty="0" smtClean="0"/>
+              <a:t>B1,B2,B3,B4</a:t>
+            </a:r>
+          </a:p>
+          <a:p>
+            <a:r>
+              <a:rPr lang="en-US" altLang="zh-TW" dirty="0" smtClean="0"/>
+              <a:t>C1,C2,C3,C4</a:t>
+            </a:r>
+          </a:p>
+          <a:p>
+            <a:r>
+              <a:rPr lang="en-US" altLang="zh-TW" dirty="0" smtClean="0"/>
+              <a:t>D1,D2,D3,D4</a:t>
+            </a:r>
+            <a:endParaRPr lang="en-US" altLang="zh-TW" dirty="0"/>
+          </a:p>
+          <a:p>
+            <a:pPr marL="0" indent="0">
+              <a:buNone/>
+            </a:pPr>
+            <a:endParaRPr lang="en-US" altLang="zh-TW" dirty="0" smtClean="0"/>
+          </a:p>
+          <a:p>
+            <a:r>
+              <a:rPr lang="en-US" altLang="zh-TW" dirty="0" smtClean="0"/>
+              <a:t>(A1,A2,B1),(A2,A3,C1),(A3,A4,D1)</a:t>
+            </a:r>
+          </a:p>
+          <a:p>
+            <a:r>
+              <a:rPr lang="en-US" altLang="zh-TW" dirty="0" smtClean="0"/>
+              <a:t>(B1,B2,C1)</a:t>
+            </a:r>
+            <a:endParaRPr lang="zh-TW" altLang="en-US" dirty="0"/>
+          </a:p>
+        </p:txBody>
+      </p:sp>
     </p:spTree>
     <p:extLst>
       <p:ext uri="{BB962C8B-B14F-4D97-AF65-F5344CB8AC3E}">
-        <p14:creationId xmlns:p14="http://schemas.microsoft.com/office/powerpoint/2010/main" val="2665228350"/>
+        <p14:creationId xmlns:p14="http://schemas.microsoft.com/office/powerpoint/2010/main" val="1049880529"/>
       </p:ext>
     </p:extLst>
   </p:cSld>
@@ -3849,7 +3900,7 @@
       </p:grpSpPr>
       <p:sp>
         <p:nvSpPr>
-          <p:cNvPr id="2" name="標題 1"/>
+          <p:cNvPr id="6" name="標題 1"/>
           <p:cNvSpPr>
             <a:spLocks noGrp="1"/>
           </p:cNvSpPr>
@@ -3857,14 +3908,19 @@
             <p:ph type="title"/>
           </p:nvPr>
         </p:nvSpPr>
-        <p:spPr/>
+        <p:spPr>
+          <a:xfrm>
+            <a:off x="457200" y="274638"/>
+            <a:ext cx="8229600" cy="1143000"/>
+          </a:xfrm>
+        </p:spPr>
         <p:txBody>
           <a:bodyPr/>
           <a:lstStyle/>
           <a:p>
             <a:r>
               <a:rPr lang="en-US" altLang="zh-TW" dirty="0" smtClean="0"/>
-              <a:t>Triplet loss</a:t>
+              <a:t>loss</a:t>
             </a:r>
             <a:endParaRPr lang="zh-TW" altLang="en-US" dirty="0"/>
           </a:p>
@@ -3872,7 +3928,7 @@
       </p:sp>
       <p:pic>
         <p:nvPicPr>
-          <p:cNvPr id="3" name="圖片 2" descr="畫面剪輯"/>
+          <p:cNvPr id="2" name="圖片 1" descr="畫面剪輯"/>
           <p:cNvPicPr>
             <a:picLocks noChangeAspect="1"/>
           </p:cNvPicPr>
@@ -3892,8 +3948,8 @@
         </p:blipFill>
         <p:spPr>
           <a:xfrm>
-            <a:off x="1147537" y="1988840"/>
-            <a:ext cx="6820852" cy="3162742"/>
+            <a:off x="1331639" y="1916832"/>
+            <a:ext cx="6725589" cy="3229426"/>
           </a:xfrm>
           <a:prstGeom prst="rect">
             <a:avLst/>
@@ -3903,7 +3959,7 @@
     </p:spTree>
     <p:extLst>
       <p:ext uri="{BB962C8B-B14F-4D97-AF65-F5344CB8AC3E}">
-        <p14:creationId xmlns:p14="http://schemas.microsoft.com/office/powerpoint/2010/main" val="221206423"/>
+        <p14:creationId xmlns:p14="http://schemas.microsoft.com/office/powerpoint/2010/main" val="2665228350"/>
       </p:ext>
     </p:extLst>
   </p:cSld>
@@ -3954,7 +4010,7 @@
           <a:p>
             <a:r>
               <a:rPr lang="en-US" altLang="zh-TW" dirty="0" smtClean="0"/>
-              <a:t>Reconstruction loss</a:t>
+              <a:t>Triplet loss</a:t>
             </a:r>
             <a:endParaRPr lang="zh-TW" altLang="en-US" dirty="0"/>
           </a:p>
@@ -3982,38 +4038,8 @@
         </p:blipFill>
         <p:spPr>
           <a:xfrm>
-            <a:off x="683568" y="1191044"/>
-            <a:ext cx="7560840" cy="2381972"/>
-          </a:xfrm>
-          <a:prstGeom prst="rect">
-            <a:avLst/>
-          </a:prstGeom>
-        </p:spPr>
-      </p:pic>
-      <p:pic>
-        <p:nvPicPr>
-          <p:cNvPr id="5" name="圖片 4" descr="畫面剪輯"/>
-          <p:cNvPicPr>
-            <a:picLocks noChangeAspect="1"/>
-          </p:cNvPicPr>
-          <p:nvPr/>
-        </p:nvPicPr>
-        <p:blipFill>
-          <a:blip r:embed="rId3">
-            <a:extLst>
-              <a:ext uri="{28A0092B-C50C-407E-A947-70E740481C1C}">
-                <a14:useLocalDpi xmlns:a14="http://schemas.microsoft.com/office/drawing/2010/main" val="0"/>
-              </a:ext>
-            </a:extLst>
-          </a:blip>
-          <a:stretch>
-            <a:fillRect/>
-          </a:stretch>
-        </p:blipFill>
-        <p:spPr>
-          <a:xfrm>
-            <a:off x="683568" y="3903969"/>
-            <a:ext cx="7560840" cy="2376264"/>
+            <a:off x="1147537" y="1988840"/>
+            <a:ext cx="6820852" cy="3162742"/>
           </a:xfrm>
           <a:prstGeom prst="rect">
             <a:avLst/>
@@ -4023,7 +4049,7 @@
     </p:spTree>
     <p:extLst>
       <p:ext uri="{BB962C8B-B14F-4D97-AF65-F5344CB8AC3E}">
-        <p14:creationId xmlns:p14="http://schemas.microsoft.com/office/powerpoint/2010/main" val="2264746599"/>
+        <p14:creationId xmlns:p14="http://schemas.microsoft.com/office/powerpoint/2010/main" val="221206423"/>
       </p:ext>
     </p:extLst>
   </p:cSld>
@@ -4318,153 +4344,76 @@
           <a:p>
             <a:r>
               <a:rPr lang="en-US" altLang="zh-TW" dirty="0" smtClean="0"/>
-              <a:t>Sampling</a:t>
+              <a:t>Reconstruction loss</a:t>
             </a:r>
             <a:endParaRPr lang="zh-TW" altLang="en-US" dirty="0"/>
           </a:p>
         </p:txBody>
       </p:sp>
-      <p:sp>
-        <p:nvSpPr>
-          <p:cNvPr id="3" name="內容版面配置區 2"/>
-          <p:cNvSpPr>
-            <a:spLocks noGrp="1"/>
-          </p:cNvSpPr>
-          <p:nvPr>
-            <p:ph idx="1"/>
-          </p:nvPr>
-        </p:nvSpPr>
-        <p:spPr/>
-        <p:txBody>
-          <a:bodyPr>
-            <a:normAutofit fontScale="85000" lnSpcReduction="20000"/>
-          </a:bodyPr>
-          <a:lstStyle/>
-          <a:p>
-            <a:r>
-              <a:rPr lang="en-US" altLang="zh-TW" dirty="0" smtClean="0"/>
-              <a:t>A1,A2,A3,A4</a:t>
-            </a:r>
-          </a:p>
-          <a:p>
-            <a:r>
-              <a:rPr lang="en-US" altLang="zh-TW" dirty="0" smtClean="0"/>
-              <a:t>B1,B2,B3,B4</a:t>
-            </a:r>
-          </a:p>
-          <a:p>
-            <a:r>
-              <a:rPr lang="en-US" altLang="zh-TW" dirty="0" smtClean="0"/>
-              <a:t>C1,C2,C3,C4</a:t>
-            </a:r>
-          </a:p>
-          <a:p>
-            <a:r>
-              <a:rPr lang="en-US" altLang="zh-TW" dirty="0" smtClean="0"/>
-              <a:t>D1,D2,D3,D4</a:t>
-            </a:r>
-            <a:endParaRPr lang="en-US" altLang="zh-TW" dirty="0"/>
-          </a:p>
-          <a:p>
-            <a:pPr marL="0" indent="0">
-              <a:buNone/>
-            </a:pPr>
-            <a:r>
-              <a:rPr lang="en-US" altLang="zh-TW" dirty="0" smtClean="0"/>
-              <a:t>Hyper parameter : P=2,K=2</a:t>
-            </a:r>
-          </a:p>
-          <a:p>
-            <a:pPr marL="0" indent="0">
-              <a:buNone/>
-            </a:pPr>
-            <a:r>
-              <a:rPr lang="en-US" altLang="zh-TW" dirty="0" smtClean="0"/>
-              <a:t>Random : P=(A,B) K=(A1,A2),(B1,B2)</a:t>
-            </a:r>
-          </a:p>
-          <a:p>
-            <a:pPr marL="0" indent="0">
-              <a:buNone/>
-            </a:pPr>
-            <a:r>
-              <a:rPr lang="en-US" altLang="zh-TW" dirty="0" smtClean="0"/>
-              <a:t>Sample=</a:t>
-            </a:r>
-          </a:p>
-          <a:p>
-            <a:pPr marL="0" indent="0">
-              <a:buNone/>
-            </a:pPr>
-            <a:r>
-              <a:rPr lang="en-US" altLang="zh-TW" dirty="0" smtClean="0"/>
-              <a:t>(A1,A2,B1),</a:t>
-            </a:r>
-            <a:r>
-              <a:rPr lang="en-US" altLang="zh-TW" dirty="0"/>
-              <a:t> (A1,A2,B1</a:t>
-            </a:r>
-            <a:r>
-              <a:rPr lang="en-US" altLang="zh-TW" dirty="0" smtClean="0"/>
-              <a:t>),(A2,A1,B1), </a:t>
-            </a:r>
-            <a:r>
-              <a:rPr lang="en-US" altLang="zh-TW" dirty="0"/>
-              <a:t>(</a:t>
-            </a:r>
-            <a:r>
-              <a:rPr lang="en-US" altLang="zh-TW" dirty="0" smtClean="0"/>
-              <a:t>A2,A1,B2)</a:t>
-            </a:r>
-          </a:p>
-          <a:p>
-            <a:pPr marL="0" indent="0">
-              <a:buNone/>
-            </a:pPr>
-            <a:r>
-              <a:rPr lang="en-US" altLang="zh-TW" dirty="0" smtClean="0"/>
-              <a:t>(B1,B2,A1</a:t>
-            </a:r>
-            <a:r>
-              <a:rPr lang="en-US" altLang="zh-TW" dirty="0"/>
-              <a:t>), </a:t>
-            </a:r>
-            <a:r>
-              <a:rPr lang="en-US" altLang="zh-TW" dirty="0" smtClean="0"/>
-              <a:t>(B1,B2,A1),(B2,B1,A1</a:t>
-            </a:r>
-            <a:r>
-              <a:rPr lang="en-US" altLang="zh-TW" dirty="0"/>
-              <a:t>), </a:t>
-            </a:r>
-            <a:r>
-              <a:rPr lang="en-US" altLang="zh-TW" dirty="0" smtClean="0"/>
-              <a:t>(B2,B1,A2)</a:t>
-            </a:r>
-          </a:p>
-          <a:p>
-            <a:pPr marL="0" indent="0">
-              <a:buNone/>
-            </a:pPr>
-            <a:r>
-              <a:rPr lang="en-US" altLang="zh-TW" dirty="0" smtClean="0"/>
-              <a:t>Size of </a:t>
-            </a:r>
-            <a:r>
-              <a:rPr lang="en-US" altLang="zh-TW" dirty="0" err="1" smtClean="0"/>
-              <a:t>Batch:PK</a:t>
-            </a:r>
-            <a:r>
-              <a:rPr lang="en-US" altLang="zh-TW" dirty="0" smtClean="0"/>
-              <a:t>(K-1)(PK-K)</a:t>
-            </a:r>
-          </a:p>
-        </p:txBody>
-      </p:sp>
+      <p:pic>
+        <p:nvPicPr>
+          <p:cNvPr id="3" name="圖片 2" descr="畫面剪輯"/>
+          <p:cNvPicPr>
+            <a:picLocks noChangeAspect="1"/>
+          </p:cNvPicPr>
+          <p:nvPr/>
+        </p:nvPicPr>
+        <p:blipFill>
+          <a:blip r:embed="rId2">
+            <a:extLst>
+              <a:ext uri="{28A0092B-C50C-407E-A947-70E740481C1C}">
+                <a14:useLocalDpi xmlns:a14="http://schemas.microsoft.com/office/drawing/2010/main" val="0"/>
+              </a:ext>
+            </a:extLst>
+          </a:blip>
+          <a:stretch>
+            <a:fillRect/>
+          </a:stretch>
+        </p:blipFill>
+        <p:spPr>
+          <a:xfrm>
+            <a:off x="683568" y="1191044"/>
+            <a:ext cx="7560840" cy="2381972"/>
+          </a:xfrm>
+          <a:prstGeom prst="rect">
+            <a:avLst/>
+          </a:prstGeom>
+        </p:spPr>
+      </p:pic>
+      <p:pic>
+        <p:nvPicPr>
+          <p:cNvPr id="5" name="圖片 4" descr="畫面剪輯"/>
+          <p:cNvPicPr>
+            <a:picLocks noChangeAspect="1"/>
+          </p:cNvPicPr>
+          <p:nvPr/>
+        </p:nvPicPr>
+        <p:blipFill>
+          <a:blip r:embed="rId3">
+            <a:extLst>
+              <a:ext uri="{28A0092B-C50C-407E-A947-70E740481C1C}">
+                <a14:useLocalDpi xmlns:a14="http://schemas.microsoft.com/office/drawing/2010/main" val="0"/>
+              </a:ext>
+            </a:extLst>
+          </a:blip>
+          <a:stretch>
+            <a:fillRect/>
+          </a:stretch>
+        </p:blipFill>
+        <p:spPr>
+          <a:xfrm>
+            <a:off x="683568" y="3903969"/>
+            <a:ext cx="7560840" cy="2376264"/>
+          </a:xfrm>
+          <a:prstGeom prst="rect">
+            <a:avLst/>
+          </a:prstGeom>
+        </p:spPr>
+      </p:pic>
     </p:spTree>
     <p:extLst>
       <p:ext uri="{BB962C8B-B14F-4D97-AF65-F5344CB8AC3E}">
-        <p14:creationId xmlns:p14="http://schemas.microsoft.com/office/powerpoint/2010/main" val="2383280399"/>
+        <p14:creationId xmlns:p14="http://schemas.microsoft.com/office/powerpoint/2010/main" val="2264746599"/>
       </p:ext>
     </p:extLst>
   </p:cSld>
@@ -4498,69 +4447,170 @@
           <a:chExt cx="0" cy="0"/>
         </a:xfrm>
       </p:grpSpPr>
-      <p:pic>
-        <p:nvPicPr>
-          <p:cNvPr id="4" name="內容版面配置區 3" descr="畫面剪輯"/>
-          <p:cNvPicPr>
-            <a:picLocks noGrp="1" noChangeAspect="1"/>
-          </p:cNvPicPr>
+      <p:sp>
+        <p:nvSpPr>
+          <p:cNvPr id="2" name="標題 1"/>
+          <p:cNvSpPr>
+            <a:spLocks noGrp="1"/>
+          </p:cNvSpPr>
+          <p:nvPr>
+            <p:ph type="title"/>
+          </p:nvPr>
+        </p:nvSpPr>
+        <p:spPr/>
+        <p:txBody>
+          <a:bodyPr/>
+          <a:lstStyle/>
+          <a:p>
+            <a:r>
+              <a:rPr lang="en-US" altLang="zh-TW" dirty="0" smtClean="0"/>
+              <a:t>Sampling</a:t>
+            </a:r>
+            <a:endParaRPr lang="zh-TW" altLang="en-US" dirty="0"/>
+          </a:p>
+        </p:txBody>
+      </p:sp>
+      <p:sp>
+        <p:nvSpPr>
+          <p:cNvPr id="3" name="內容版面配置區 2"/>
+          <p:cNvSpPr>
+            <a:spLocks noGrp="1"/>
+          </p:cNvSpPr>
           <p:nvPr>
             <p:ph idx="1"/>
           </p:nvPr>
-        </p:nvPicPr>
-        <p:blipFill>
-          <a:blip r:embed="rId2">
-            <a:extLst>
-              <a:ext uri="{28A0092B-C50C-407E-A947-70E740481C1C}">
-                <a14:useLocalDpi xmlns:a14="http://schemas.microsoft.com/office/drawing/2010/main" val="0"/>
-              </a:ext>
-            </a:extLst>
-          </a:blip>
-          <a:stretch>
-            <a:fillRect/>
-          </a:stretch>
-        </p:blipFill>
-        <p:spPr>
-          <a:xfrm>
-            <a:off x="2267744" y="1844824"/>
-            <a:ext cx="4887541" cy="4525963"/>
-          </a:xfrm>
-        </p:spPr>
-      </p:pic>
-      <p:pic>
-        <p:nvPicPr>
-          <p:cNvPr id="6" name="圖片 5" descr="畫面剪輯"/>
-          <p:cNvPicPr>
-            <a:picLocks noChangeAspect="1"/>
-          </p:cNvPicPr>
-          <p:nvPr/>
-        </p:nvPicPr>
-        <p:blipFill>
-          <a:blip r:embed="rId3">
-            <a:extLst>
-              <a:ext uri="{28A0092B-C50C-407E-A947-70E740481C1C}">
-                <a14:useLocalDpi xmlns:a14="http://schemas.microsoft.com/office/drawing/2010/main" val="0"/>
-              </a:ext>
-            </a:extLst>
-          </a:blip>
-          <a:stretch>
-            <a:fillRect/>
-          </a:stretch>
-        </p:blipFill>
-        <p:spPr>
-          <a:xfrm>
-            <a:off x="2987824" y="980728"/>
-            <a:ext cx="3381847" cy="362001"/>
-          </a:xfrm>
-          <a:prstGeom prst="rect">
-            <a:avLst/>
-          </a:prstGeom>
-        </p:spPr>
-      </p:pic>
+        </p:nvSpPr>
+        <p:spPr/>
+        <p:txBody>
+          <a:bodyPr>
+            <a:normAutofit fontScale="85000" lnSpcReduction="20000"/>
+          </a:bodyPr>
+          <a:lstStyle/>
+          <a:p>
+            <a:r>
+              <a:rPr lang="en-US" altLang="zh-TW" dirty="0" smtClean="0"/>
+              <a:t>A1,A2,A3,A4</a:t>
+            </a:r>
+          </a:p>
+          <a:p>
+            <a:r>
+              <a:rPr lang="en-US" altLang="zh-TW" dirty="0" smtClean="0"/>
+              <a:t>B1,B2,B3,B4</a:t>
+            </a:r>
+          </a:p>
+          <a:p>
+            <a:r>
+              <a:rPr lang="en-US" altLang="zh-TW" dirty="0" smtClean="0"/>
+              <a:t>C1,C2,C3,C4</a:t>
+            </a:r>
+          </a:p>
+          <a:p>
+            <a:r>
+              <a:rPr lang="en-US" altLang="zh-TW" dirty="0" smtClean="0"/>
+              <a:t>D1,D2,D3,D4</a:t>
+            </a:r>
+            <a:endParaRPr lang="en-US" altLang="zh-TW" dirty="0"/>
+          </a:p>
+          <a:p>
+            <a:pPr marL="0" indent="0">
+              <a:buNone/>
+            </a:pPr>
+            <a:r>
+              <a:rPr lang="en-US" altLang="zh-TW" dirty="0" smtClean="0"/>
+              <a:t>Hyper parameter : P=2,K=2</a:t>
+            </a:r>
+          </a:p>
+          <a:p>
+            <a:pPr marL="0" indent="0">
+              <a:buNone/>
+            </a:pPr>
+            <a:r>
+              <a:rPr lang="en-US" altLang="zh-TW" dirty="0" smtClean="0"/>
+              <a:t>Random : P=(A,B) K=(A1,A2),(B1,B2)</a:t>
+            </a:r>
+          </a:p>
+          <a:p>
+            <a:pPr marL="0" indent="0">
+              <a:buNone/>
+            </a:pPr>
+            <a:r>
+              <a:rPr lang="en-US" altLang="zh-TW" dirty="0" smtClean="0"/>
+              <a:t>Sample=</a:t>
+            </a:r>
+          </a:p>
+          <a:p>
+            <a:pPr marL="0" indent="0">
+              <a:buNone/>
+            </a:pPr>
+            <a:r>
+              <a:rPr lang="en-US" altLang="zh-TW" dirty="0" smtClean="0"/>
+              <a:t>(A1,A2,B1),</a:t>
+            </a:r>
+            <a:r>
+              <a:rPr lang="en-US" altLang="zh-TW" dirty="0"/>
+              <a:t> (A1,A2,B1</a:t>
+            </a:r>
+            <a:r>
+              <a:rPr lang="en-US" altLang="zh-TW" dirty="0" smtClean="0"/>
+              <a:t>),(A2,A1,B1), </a:t>
+            </a:r>
+            <a:r>
+              <a:rPr lang="en-US" altLang="zh-TW" dirty="0"/>
+              <a:t>(</a:t>
+            </a:r>
+            <a:r>
+              <a:rPr lang="en-US" altLang="zh-TW" dirty="0" smtClean="0"/>
+              <a:t>A2,A1,B2)</a:t>
+            </a:r>
+          </a:p>
+          <a:p>
+            <a:pPr marL="0" indent="0">
+              <a:buNone/>
+            </a:pPr>
+            <a:r>
+              <a:rPr lang="en-US" altLang="zh-TW" dirty="0" smtClean="0"/>
+              <a:t>(B1,B2,A1</a:t>
+            </a:r>
+            <a:r>
+              <a:rPr lang="en-US" altLang="zh-TW" dirty="0"/>
+              <a:t>), </a:t>
+            </a:r>
+            <a:r>
+              <a:rPr lang="en-US" altLang="zh-TW" dirty="0" smtClean="0"/>
+              <a:t>(B1,B2,A1),(B2,B1,A1</a:t>
+            </a:r>
+            <a:r>
+              <a:rPr lang="en-US" altLang="zh-TW" dirty="0"/>
+              <a:t>), </a:t>
+            </a:r>
+            <a:r>
+              <a:rPr lang="en-US" altLang="zh-TW" dirty="0" smtClean="0"/>
+              <a:t>(B2,B1,A2)</a:t>
+            </a:r>
+          </a:p>
+          <a:p>
+            <a:pPr marL="0" indent="0">
+              <a:buNone/>
+            </a:pPr>
+            <a:r>
+              <a:rPr lang="en-US" altLang="zh-TW" dirty="0" smtClean="0"/>
+              <a:t>Size of </a:t>
+            </a:r>
+            <a:r>
+              <a:rPr lang="en-US" altLang="zh-TW" dirty="0" err="1" smtClean="0"/>
+              <a:t>Batch:PK</a:t>
+            </a:r>
+            <a:r>
+              <a:rPr lang="en-US" altLang="zh-TW" dirty="0" smtClean="0"/>
+              <a:t>(K-1)(PK-K)</a:t>
+            </a:r>
+          </a:p>
+        </p:txBody>
+      </p:sp>
     </p:spTree>
     <p:extLst>
       <p:ext uri="{BB962C8B-B14F-4D97-AF65-F5344CB8AC3E}">
-        <p14:creationId xmlns:p14="http://schemas.microsoft.com/office/powerpoint/2010/main" val="3373913520"/>
+        <p14:creationId xmlns:p14="http://schemas.microsoft.com/office/powerpoint/2010/main" val="2383280399"/>
       </p:ext>
     </p:extLst>
   </p:cSld>
@@ -4594,41 +4644,15 @@
           <a:chExt cx="0" cy="0"/>
         </a:xfrm>
       </p:grpSpPr>
-      <p:sp>
-        <p:nvSpPr>
-          <p:cNvPr id="4" name="標題 1"/>
-          <p:cNvSpPr>
-            <a:spLocks noGrp="1"/>
-          </p:cNvSpPr>
-          <p:nvPr>
-            <p:ph type="title"/>
-          </p:nvPr>
-        </p:nvSpPr>
-        <p:spPr>
-          <a:xfrm>
-            <a:off x="457200" y="274638"/>
-            <a:ext cx="8229600" cy="1143000"/>
-          </a:xfrm>
-        </p:spPr>
-        <p:txBody>
-          <a:bodyPr/>
-          <a:lstStyle/>
-          <a:p>
-            <a:r>
-              <a:rPr lang="en-US" altLang="zh-TW" dirty="0" smtClean="0"/>
-              <a:t>loss</a:t>
-            </a:r>
-            <a:endParaRPr lang="zh-TW" altLang="en-US" dirty="0"/>
-          </a:p>
-        </p:txBody>
-      </p:sp>
       <p:pic>
         <p:nvPicPr>
-          <p:cNvPr id="6" name="圖片 5" descr="畫面剪輯"/>
+          <p:cNvPr id="4" name="內容版面配置區 3" descr="畫面剪輯"/>
           <p:cNvPicPr>
-            <a:picLocks noChangeAspect="1"/>
+            <a:picLocks noGrp="1" noChangeAspect="1"/>
           </p:cNvPicPr>
-          <p:nvPr/>
+          <p:nvPr>
+            <p:ph idx="1"/>
+          </p:nvPr>
         </p:nvPicPr>
         <p:blipFill>
           <a:blip r:embed="rId2">
@@ -4644,8 +4668,35 @@
         </p:blipFill>
         <p:spPr>
           <a:xfrm>
-            <a:off x="1285416" y="1843424"/>
-            <a:ext cx="6573168" cy="3200847"/>
+            <a:off x="2267744" y="1844824"/>
+            <a:ext cx="4887541" cy="4525963"/>
+          </a:xfrm>
+        </p:spPr>
+      </p:pic>
+      <p:pic>
+        <p:nvPicPr>
+          <p:cNvPr id="6" name="圖片 5" descr="畫面剪輯"/>
+          <p:cNvPicPr>
+            <a:picLocks noChangeAspect="1"/>
+          </p:cNvPicPr>
+          <p:nvPr/>
+        </p:nvPicPr>
+        <p:blipFill>
+          <a:blip r:embed="rId3">
+            <a:extLst>
+              <a:ext uri="{28A0092B-C50C-407E-A947-70E740481C1C}">
+                <a14:useLocalDpi xmlns:a14="http://schemas.microsoft.com/office/drawing/2010/main" val="0"/>
+              </a:ext>
+            </a:extLst>
+          </a:blip>
+          <a:stretch>
+            <a:fillRect/>
+          </a:stretch>
+        </p:blipFill>
+        <p:spPr>
+          <a:xfrm>
+            <a:off x="2987824" y="980728"/>
+            <a:ext cx="3381847" cy="362001"/>
           </a:xfrm>
           <a:prstGeom prst="rect">
             <a:avLst/>
@@ -4655,7 +4706,7 @@
     </p:spTree>
     <p:extLst>
       <p:ext uri="{BB962C8B-B14F-4D97-AF65-F5344CB8AC3E}">
-        <p14:creationId xmlns:p14="http://schemas.microsoft.com/office/powerpoint/2010/main" val="1974322127"/>
+        <p14:creationId xmlns:p14="http://schemas.microsoft.com/office/powerpoint/2010/main" val="3373913520"/>
       </p:ext>
     </p:extLst>
   </p:cSld>
@@ -4692,44 +4743,26 @@
       <p:sp>
         <p:nvSpPr>
           <p:cNvPr id="4" name="標題 1"/>
-          <p:cNvSpPr txBox="1">
-            <a:spLocks/>
-          </p:cNvSpPr>
-          <p:nvPr/>
-        </p:nvSpPr>
-        <p:spPr>
-          <a:xfrm>
-            <a:off x="609600" y="427038"/>
+          <p:cNvSpPr>
+            <a:spLocks noGrp="1"/>
+          </p:cNvSpPr>
+          <p:nvPr>
+            <p:ph type="title"/>
+          </p:nvPr>
+        </p:nvSpPr>
+        <p:spPr>
+          <a:xfrm>
+            <a:off x="457200" y="274638"/>
             <a:ext cx="8229600" cy="1143000"/>
           </a:xfrm>
-          <a:prstGeom prst="rect">
-            <a:avLst/>
-          </a:prstGeom>
-        </p:spPr>
-        <p:txBody>
-          <a:bodyPr vert="horz" lIns="91440" tIns="45720" rIns="91440" bIns="45720" rtlCol="0" anchor="ctr">
-            <a:normAutofit/>
-          </a:bodyPr>
-          <a:lstStyle>
-            <a:lvl1pPr algn="ctr" defTabSz="914400" rtl="0" eaLnBrk="1" latinLnBrk="0" hangingPunct="1">
-              <a:spcBef>
-                <a:spcPct val="0"/>
-              </a:spcBef>
-              <a:buNone/>
-              <a:defRPr sz="4400" kern="1200">
-                <a:solidFill>
-                  <a:schemeClr val="tx1"/>
-                </a:solidFill>
-                <a:latin typeface="+mj-lt"/>
-                <a:ea typeface="+mj-ea"/>
-                <a:cs typeface="+mj-cs"/>
-              </a:defRPr>
-            </a:lvl1pPr>
-          </a:lstStyle>
-          <a:p>
-            <a:r>
-              <a:rPr lang="en-US" altLang="zh-TW" smtClean="0"/>
-              <a:t>Triplet loss</a:t>
+        </p:spPr>
+        <p:txBody>
+          <a:bodyPr/>
+          <a:lstStyle/>
+          <a:p>
+            <a:r>
+              <a:rPr lang="en-US" altLang="zh-TW" dirty="0" smtClean="0"/>
+              <a:t>loss</a:t>
             </a:r>
             <a:endParaRPr lang="zh-TW" altLang="en-US" dirty="0"/>
           </a:p>
@@ -4757,8 +4790,8 @@
         </p:blipFill>
         <p:spPr>
           <a:xfrm>
-            <a:off x="1209205" y="1780945"/>
-            <a:ext cx="6725589" cy="3296110"/>
+            <a:off x="1285416" y="1843424"/>
+            <a:ext cx="6573168" cy="3200847"/>
           </a:xfrm>
           <a:prstGeom prst="rect">
             <a:avLst/>
@@ -4768,7 +4801,7 @@
     </p:spTree>
     <p:extLst>
       <p:ext uri="{BB962C8B-B14F-4D97-AF65-F5344CB8AC3E}">
-        <p14:creationId xmlns:p14="http://schemas.microsoft.com/office/powerpoint/2010/main" val="2891682036"/>
+        <p14:creationId xmlns:p14="http://schemas.microsoft.com/office/powerpoint/2010/main" val="1974322127"/>
       </p:ext>
     </p:extLst>
   </p:cSld>
@@ -4842,7 +4875,7 @@
           <a:p>
             <a:r>
               <a:rPr lang="en-US" altLang="zh-TW" smtClean="0"/>
-              <a:t>Reconstruction loss</a:t>
+              <a:t>Triplet loss</a:t>
             </a:r>
             <a:endParaRPr lang="zh-TW" altLang="en-US" dirty="0"/>
           </a:p>
@@ -4850,7 +4883,7 @@
       </p:sp>
       <p:pic>
         <p:nvPicPr>
-          <p:cNvPr id="8" name="圖片 7" descr="畫面剪輯"/>
+          <p:cNvPr id="6" name="圖片 5" descr="畫面剪輯"/>
           <p:cNvPicPr>
             <a:picLocks noChangeAspect="1"/>
           </p:cNvPicPr>
@@ -4870,38 +4903,8 @@
         </p:blipFill>
         <p:spPr>
           <a:xfrm>
-            <a:off x="710208" y="1340768"/>
-            <a:ext cx="8028384" cy="2676128"/>
-          </a:xfrm>
-          <a:prstGeom prst="rect">
-            <a:avLst/>
-          </a:prstGeom>
-        </p:spPr>
-      </p:pic>
-      <p:pic>
-        <p:nvPicPr>
-          <p:cNvPr id="9" name="圖片 8" descr="畫面剪輯"/>
-          <p:cNvPicPr>
-            <a:picLocks noChangeAspect="1"/>
-          </p:cNvPicPr>
-          <p:nvPr/>
-        </p:nvPicPr>
-        <p:blipFill>
-          <a:blip r:embed="rId3">
-            <a:extLst>
-              <a:ext uri="{28A0092B-C50C-407E-A947-70E740481C1C}">
-                <a14:useLocalDpi xmlns:a14="http://schemas.microsoft.com/office/drawing/2010/main" val="0"/>
-              </a:ext>
-            </a:extLst>
-          </a:blip>
-          <a:stretch>
-            <a:fillRect/>
-          </a:stretch>
-        </p:blipFill>
-        <p:spPr>
-          <a:xfrm>
-            <a:off x="710208" y="4005064"/>
-            <a:ext cx="7911008" cy="2650165"/>
+            <a:off x="1209205" y="1780945"/>
+            <a:ext cx="6725589" cy="3296110"/>
           </a:xfrm>
           <a:prstGeom prst="rect">
             <a:avLst/>
@@ -4911,7 +4914,7 @@
     </p:spTree>
     <p:extLst>
       <p:ext uri="{BB962C8B-B14F-4D97-AF65-F5344CB8AC3E}">
-        <p14:creationId xmlns:p14="http://schemas.microsoft.com/office/powerpoint/2010/main" val="513079372"/>
+        <p14:creationId xmlns:p14="http://schemas.microsoft.com/office/powerpoint/2010/main" val="2891682036"/>
       </p:ext>
     </p:extLst>
   </p:cSld>
@@ -4947,32 +4950,45 @@
       </p:grpSpPr>
       <p:sp>
         <p:nvSpPr>
-          <p:cNvPr id="2" name="標題 1"/>
-          <p:cNvSpPr>
-            <a:spLocks noGrp="1"/>
-          </p:cNvSpPr>
-          <p:nvPr>
-            <p:ph type="title"/>
-          </p:nvPr>
-        </p:nvSpPr>
-        <p:spPr/>
-        <p:txBody>
-          <a:bodyPr>
-            <a:normAutofit fontScale="90000"/>
+          <p:cNvPr id="4" name="標題 1"/>
+          <p:cNvSpPr txBox="1">
+            <a:spLocks/>
+          </p:cNvSpPr>
+          <p:nvPr/>
+        </p:nvSpPr>
+        <p:spPr>
+          <a:xfrm>
+            <a:off x="609600" y="427038"/>
+            <a:ext cx="8229600" cy="1143000"/>
+          </a:xfrm>
+          <a:prstGeom prst="rect">
+            <a:avLst/>
+          </a:prstGeom>
+        </p:spPr>
+        <p:txBody>
+          <a:bodyPr vert="horz" lIns="91440" tIns="45720" rIns="91440" bIns="45720" rtlCol="0" anchor="ctr">
+            <a:normAutofit/>
           </a:bodyPr>
-          <a:lstStyle/>
-          <a:p>
-            <a:r>
-              <a:rPr lang="en-US" altLang="zh-TW" dirty="0" smtClean="0"/>
-              <a:t>Similarity in R,UR,(R-UR)/</a:t>
-            </a:r>
-            <a:r>
-              <a:rPr lang="en-US" altLang="zh-TW" dirty="0" smtClean="0"/>
-              <a:t>2 on </a:t>
-            </a:r>
-            <a:r>
-              <a:rPr lang="en-US" altLang="zh-TW" dirty="0" err="1" smtClean="0"/>
-              <a:t>TrainSet</a:t>
+          <a:lstStyle>
+            <a:lvl1pPr algn="ctr" defTabSz="914400" rtl="0" eaLnBrk="1" latinLnBrk="0" hangingPunct="1">
+              <a:spcBef>
+                <a:spcPct val="0"/>
+              </a:spcBef>
+              <a:buNone/>
+              <a:defRPr sz="4400" kern="1200">
+                <a:solidFill>
+                  <a:schemeClr val="tx1"/>
+                </a:solidFill>
+                <a:latin typeface="+mj-lt"/>
+                <a:ea typeface="+mj-ea"/>
+                <a:cs typeface="+mj-cs"/>
+              </a:defRPr>
+            </a:lvl1pPr>
+          </a:lstStyle>
+          <a:p>
+            <a:r>
+              <a:rPr lang="en-US" altLang="zh-TW" smtClean="0"/>
+              <a:t>Reconstruction loss</a:t>
             </a:r>
             <a:endParaRPr lang="zh-TW" altLang="en-US" dirty="0"/>
           </a:p>
@@ -4980,7 +4996,7 @@
       </p:sp>
       <p:pic>
         <p:nvPicPr>
-          <p:cNvPr id="6" name="圖片 5" descr="畫面剪輯"/>
+          <p:cNvPr id="8" name="圖片 7" descr="畫面剪輯"/>
           <p:cNvPicPr>
             <a:picLocks noChangeAspect="1"/>
           </p:cNvPicPr>
@@ -5000,52 +5016,17 @@
         </p:blipFill>
         <p:spPr>
           <a:xfrm>
-            <a:off x="1475656" y="1805440"/>
-            <a:ext cx="2592288" cy="2160240"/>
+            <a:off x="710208" y="1340768"/>
+            <a:ext cx="8028384" cy="2676128"/>
           </a:xfrm>
           <a:prstGeom prst="rect">
             <a:avLst/>
           </a:prstGeom>
-          <a:ln>
-            <a:solidFill>
-              <a:srgbClr val="FF0000"/>
-            </a:solidFill>
-          </a:ln>
         </p:spPr>
       </p:pic>
-      <p:sp>
-        <p:nvSpPr>
-          <p:cNvPr id="7" name="文字方塊 6"/>
-          <p:cNvSpPr txBox="1"/>
-          <p:nvPr/>
-        </p:nvSpPr>
-        <p:spPr>
-          <a:xfrm>
-            <a:off x="2386709" y="1395024"/>
-            <a:ext cx="664669" cy="369332"/>
-          </a:xfrm>
-          <a:prstGeom prst="rect">
-            <a:avLst/>
-          </a:prstGeom>
-          <a:noFill/>
-        </p:spPr>
-        <p:txBody>
-          <a:bodyPr wrap="none" rtlCol="0">
-            <a:spAutoFit/>
-          </a:bodyPr>
-          <a:lstStyle/>
-          <a:p>
-            <a:r>
-              <a:rPr lang="en-US" altLang="zh-TW" dirty="0" smtClean="0"/>
-              <a:t>BOW</a:t>
-            </a:r>
-            <a:endParaRPr lang="zh-TW" altLang="en-US" dirty="0"/>
-          </a:p>
-        </p:txBody>
-      </p:sp>
       <p:pic>
         <p:nvPicPr>
-          <p:cNvPr id="10" name="圖片 9" descr="畫面剪輯"/>
+          <p:cNvPr id="9" name="圖片 8" descr="畫面剪輯"/>
           <p:cNvPicPr>
             <a:picLocks noChangeAspect="1"/>
           </p:cNvPicPr>
@@ -5065,237 +5046,18 @@
         </p:blipFill>
         <p:spPr>
           <a:xfrm>
-            <a:off x="4832692" y="1769436"/>
-            <a:ext cx="2363103" cy="2232248"/>
+            <a:off x="710208" y="4005064"/>
+            <a:ext cx="7911008" cy="2650165"/>
           </a:xfrm>
           <a:prstGeom prst="rect">
             <a:avLst/>
           </a:prstGeom>
-          <a:ln>
-            <a:solidFill>
-              <a:srgbClr val="FF0000"/>
-            </a:solidFill>
-          </a:ln>
         </p:spPr>
       </p:pic>
-      <p:sp>
-        <p:nvSpPr>
-          <p:cNvPr id="11" name="文字方塊 10"/>
-          <p:cNvSpPr txBox="1"/>
-          <p:nvPr/>
-        </p:nvSpPr>
-        <p:spPr>
-          <a:xfrm>
-            <a:off x="5289237" y="1268760"/>
-            <a:ext cx="1450012" cy="369332"/>
-          </a:xfrm>
-          <a:prstGeom prst="rect">
-            <a:avLst/>
-          </a:prstGeom>
-          <a:noFill/>
-        </p:spPr>
-        <p:txBody>
-          <a:bodyPr wrap="none" rtlCol="0">
-            <a:spAutoFit/>
-          </a:bodyPr>
-          <a:lstStyle/>
-          <a:p>
-            <a:r>
-              <a:rPr lang="en-US" altLang="zh-TW" dirty="0" smtClean="0"/>
-              <a:t>AE in </a:t>
-            </a:r>
-            <a:r>
-              <a:rPr lang="en-US" altLang="zh-TW" dirty="0" err="1" smtClean="0"/>
-              <a:t>Trainset</a:t>
-            </a:r>
-            <a:endParaRPr lang="zh-TW" altLang="en-US" dirty="0"/>
-          </a:p>
-        </p:txBody>
-      </p:sp>
-      <p:pic>
-        <p:nvPicPr>
-          <p:cNvPr id="3" name="圖片 2" descr="畫面剪輯"/>
-          <p:cNvPicPr>
-            <a:picLocks noChangeAspect="1"/>
-          </p:cNvPicPr>
-          <p:nvPr/>
-        </p:nvPicPr>
-        <p:blipFill>
-          <a:blip r:embed="rId4">
-            <a:extLst>
-              <a:ext uri="{28A0092B-C50C-407E-A947-70E740481C1C}">
-                <a14:useLocalDpi xmlns:a14="http://schemas.microsoft.com/office/drawing/2010/main" val="0"/>
-              </a:ext>
-            </a:extLst>
-          </a:blip>
-          <a:stretch>
-            <a:fillRect/>
-          </a:stretch>
-        </p:blipFill>
-        <p:spPr>
-          <a:xfrm>
-            <a:off x="4716016" y="4923776"/>
-            <a:ext cx="2943636" cy="1543265"/>
-          </a:xfrm>
-          <a:prstGeom prst="rect">
-            <a:avLst/>
-          </a:prstGeom>
-          <a:ln>
-            <a:solidFill>
-              <a:srgbClr val="FF0000"/>
-            </a:solidFill>
-          </a:ln>
-        </p:spPr>
-      </p:pic>
-      <p:sp>
-        <p:nvSpPr>
-          <p:cNvPr id="13" name="文字方塊 12"/>
-          <p:cNvSpPr txBox="1"/>
-          <p:nvPr/>
-        </p:nvSpPr>
-        <p:spPr>
-          <a:xfrm>
-            <a:off x="5842396" y="4553580"/>
-            <a:ext cx="889731" cy="369332"/>
-          </a:xfrm>
-          <a:prstGeom prst="rect">
-            <a:avLst/>
-          </a:prstGeom>
-          <a:noFill/>
-        </p:spPr>
-        <p:txBody>
-          <a:bodyPr wrap="none" rtlCol="0">
-            <a:spAutoFit/>
-          </a:bodyPr>
-          <a:lstStyle/>
-          <a:p>
-            <a:r>
-              <a:rPr lang="en-US" altLang="zh-TW" dirty="0" smtClean="0"/>
-              <a:t>Test </a:t>
-            </a:r>
-            <a:r>
-              <a:rPr lang="en-US" altLang="zh-TW" dirty="0" smtClean="0"/>
-              <a:t>set</a:t>
-            </a:r>
-            <a:endParaRPr lang="zh-TW" altLang="en-US" dirty="0"/>
-          </a:p>
-        </p:txBody>
-      </p:sp>
-      <p:sp>
-        <p:nvSpPr>
-          <p:cNvPr id="15" name="文字方塊 14"/>
-          <p:cNvSpPr txBox="1"/>
-          <p:nvPr/>
-        </p:nvSpPr>
-        <p:spPr>
-          <a:xfrm>
-            <a:off x="3203848" y="4234853"/>
-            <a:ext cx="2584875" cy="369332"/>
-          </a:xfrm>
-          <a:prstGeom prst="rect">
-            <a:avLst/>
-          </a:prstGeom>
-          <a:noFill/>
-        </p:spPr>
-        <p:txBody>
-          <a:bodyPr wrap="none" rtlCol="0">
-            <a:spAutoFit/>
-          </a:bodyPr>
-          <a:lstStyle/>
-          <a:p>
-            <a:r>
-              <a:rPr lang="en-US" altLang="zh-TW" dirty="0" smtClean="0"/>
-              <a:t>Supervised </a:t>
-            </a:r>
-            <a:r>
-              <a:rPr lang="en-US" altLang="zh-TW" dirty="0" err="1" smtClean="0"/>
-              <a:t>Denosising</a:t>
-            </a:r>
-            <a:r>
-              <a:rPr lang="en-US" altLang="zh-TW" dirty="0" smtClean="0"/>
-              <a:t> </a:t>
-            </a:r>
-            <a:r>
-              <a:rPr lang="en-US" altLang="zh-TW" dirty="0" smtClean="0"/>
-              <a:t>AE</a:t>
-            </a:r>
-            <a:endParaRPr lang="zh-TW" altLang="en-US" dirty="0"/>
-          </a:p>
-        </p:txBody>
-      </p:sp>
-      <p:pic>
-        <p:nvPicPr>
-          <p:cNvPr id="4" name="圖片 3" descr="畫面剪輯"/>
-          <p:cNvPicPr>
-            <a:picLocks noChangeAspect="1"/>
-          </p:cNvPicPr>
-          <p:nvPr/>
-        </p:nvPicPr>
-        <p:blipFill>
-          <a:blip r:embed="rId5">
-            <a:extLst>
-              <a:ext uri="{28A0092B-C50C-407E-A947-70E740481C1C}">
-                <a14:useLocalDpi xmlns:a14="http://schemas.microsoft.com/office/drawing/2010/main" val="0"/>
-              </a:ext>
-            </a:extLst>
-          </a:blip>
-          <a:stretch>
-            <a:fillRect/>
-          </a:stretch>
-        </p:blipFill>
-        <p:spPr>
-          <a:xfrm>
-            <a:off x="1069233" y="4933329"/>
-            <a:ext cx="2953162" cy="1533739"/>
-          </a:xfrm>
-          <a:prstGeom prst="rect">
-            <a:avLst/>
-          </a:prstGeom>
-          <a:ln>
-            <a:solidFill>
-              <a:srgbClr val="FF0000"/>
-            </a:solidFill>
-          </a:ln>
-        </p:spPr>
-      </p:pic>
-      <p:sp>
-        <p:nvSpPr>
-          <p:cNvPr id="16" name="文字方塊 15"/>
-          <p:cNvSpPr txBox="1"/>
-          <p:nvPr/>
-        </p:nvSpPr>
-        <p:spPr>
-          <a:xfrm>
-            <a:off x="2270931" y="4521314"/>
-            <a:ext cx="889731" cy="369332"/>
-          </a:xfrm>
-          <a:prstGeom prst="rect">
-            <a:avLst/>
-          </a:prstGeom>
-          <a:noFill/>
-        </p:spPr>
-        <p:txBody>
-          <a:bodyPr wrap="none" rtlCol="0">
-            <a:spAutoFit/>
-          </a:bodyPr>
-          <a:lstStyle/>
-          <a:p>
-            <a:r>
-              <a:rPr lang="en-US" altLang="zh-TW" dirty="0" smtClean="0"/>
-              <a:t>Test </a:t>
-            </a:r>
-            <a:r>
-              <a:rPr lang="en-US" altLang="zh-TW" dirty="0" smtClean="0"/>
-              <a:t>set</a:t>
-            </a:r>
-            <a:endParaRPr lang="zh-TW" altLang="en-US" dirty="0"/>
-          </a:p>
-        </p:txBody>
-      </p:sp>
     </p:spTree>
     <p:extLst>
       <p:ext uri="{BB962C8B-B14F-4D97-AF65-F5344CB8AC3E}">
-        <p14:creationId xmlns:p14="http://schemas.microsoft.com/office/powerpoint/2010/main" val="4101299992"/>
+        <p14:creationId xmlns:p14="http://schemas.microsoft.com/office/powerpoint/2010/main" val="513079372"/>
       </p:ext>
     </p:extLst>
   </p:cSld>
@@ -5341,6 +5103,374 @@
         </p:nvSpPr>
         <p:spPr/>
         <p:txBody>
+          <a:bodyPr>
+            <a:normAutofit fontScale="90000"/>
+          </a:bodyPr>
+          <a:lstStyle/>
+          <a:p>
+            <a:r>
+              <a:rPr lang="en-US" altLang="zh-TW" dirty="0" smtClean="0"/>
+              <a:t>Similarity in R,UR,(R-UR)/2 on </a:t>
+            </a:r>
+            <a:r>
+              <a:rPr lang="en-US" altLang="zh-TW" dirty="0" err="1" smtClean="0"/>
+              <a:t>TrainSet</a:t>
+            </a:r>
+            <a:endParaRPr lang="zh-TW" altLang="en-US" dirty="0"/>
+          </a:p>
+        </p:txBody>
+      </p:sp>
+      <p:pic>
+        <p:nvPicPr>
+          <p:cNvPr id="6" name="圖片 5" descr="畫面剪輯"/>
+          <p:cNvPicPr>
+            <a:picLocks noChangeAspect="1"/>
+          </p:cNvPicPr>
+          <p:nvPr/>
+        </p:nvPicPr>
+        <p:blipFill>
+          <a:blip r:embed="rId2">
+            <a:extLst>
+              <a:ext uri="{28A0092B-C50C-407E-A947-70E740481C1C}">
+                <a14:useLocalDpi xmlns:a14="http://schemas.microsoft.com/office/drawing/2010/main" val="0"/>
+              </a:ext>
+            </a:extLst>
+          </a:blip>
+          <a:stretch>
+            <a:fillRect/>
+          </a:stretch>
+        </p:blipFill>
+        <p:spPr>
+          <a:xfrm>
+            <a:off x="1475656" y="1805440"/>
+            <a:ext cx="2592288" cy="2160240"/>
+          </a:xfrm>
+          <a:prstGeom prst="rect">
+            <a:avLst/>
+          </a:prstGeom>
+          <a:ln>
+            <a:solidFill>
+              <a:srgbClr val="FF0000"/>
+            </a:solidFill>
+          </a:ln>
+        </p:spPr>
+      </p:pic>
+      <p:sp>
+        <p:nvSpPr>
+          <p:cNvPr id="7" name="文字方塊 6"/>
+          <p:cNvSpPr txBox="1"/>
+          <p:nvPr/>
+        </p:nvSpPr>
+        <p:spPr>
+          <a:xfrm>
+            <a:off x="2386709" y="1395024"/>
+            <a:ext cx="664669" cy="369332"/>
+          </a:xfrm>
+          <a:prstGeom prst="rect">
+            <a:avLst/>
+          </a:prstGeom>
+          <a:noFill/>
+        </p:spPr>
+        <p:txBody>
+          <a:bodyPr wrap="none" rtlCol="0">
+            <a:spAutoFit/>
+          </a:bodyPr>
+          <a:lstStyle/>
+          <a:p>
+            <a:r>
+              <a:rPr lang="en-US" altLang="zh-TW" dirty="0" smtClean="0"/>
+              <a:t>BOW</a:t>
+            </a:r>
+            <a:endParaRPr lang="zh-TW" altLang="en-US" dirty="0"/>
+          </a:p>
+        </p:txBody>
+      </p:sp>
+      <p:pic>
+        <p:nvPicPr>
+          <p:cNvPr id="10" name="圖片 9" descr="畫面剪輯"/>
+          <p:cNvPicPr>
+            <a:picLocks noChangeAspect="1"/>
+          </p:cNvPicPr>
+          <p:nvPr/>
+        </p:nvPicPr>
+        <p:blipFill>
+          <a:blip r:embed="rId3">
+            <a:extLst>
+              <a:ext uri="{28A0092B-C50C-407E-A947-70E740481C1C}">
+                <a14:useLocalDpi xmlns:a14="http://schemas.microsoft.com/office/drawing/2010/main" val="0"/>
+              </a:ext>
+            </a:extLst>
+          </a:blip>
+          <a:stretch>
+            <a:fillRect/>
+          </a:stretch>
+        </p:blipFill>
+        <p:spPr>
+          <a:xfrm>
+            <a:off x="4832692" y="1769436"/>
+            <a:ext cx="2363103" cy="2232248"/>
+          </a:xfrm>
+          <a:prstGeom prst="rect">
+            <a:avLst/>
+          </a:prstGeom>
+          <a:ln>
+            <a:solidFill>
+              <a:srgbClr val="FF0000"/>
+            </a:solidFill>
+          </a:ln>
+        </p:spPr>
+      </p:pic>
+      <p:sp>
+        <p:nvSpPr>
+          <p:cNvPr id="11" name="文字方塊 10"/>
+          <p:cNvSpPr txBox="1"/>
+          <p:nvPr/>
+        </p:nvSpPr>
+        <p:spPr>
+          <a:xfrm>
+            <a:off x="5289237" y="1268760"/>
+            <a:ext cx="1450012" cy="369332"/>
+          </a:xfrm>
+          <a:prstGeom prst="rect">
+            <a:avLst/>
+          </a:prstGeom>
+          <a:noFill/>
+        </p:spPr>
+        <p:txBody>
+          <a:bodyPr wrap="none" rtlCol="0">
+            <a:spAutoFit/>
+          </a:bodyPr>
+          <a:lstStyle/>
+          <a:p>
+            <a:r>
+              <a:rPr lang="en-US" altLang="zh-TW" dirty="0" smtClean="0"/>
+              <a:t>AE in </a:t>
+            </a:r>
+            <a:r>
+              <a:rPr lang="en-US" altLang="zh-TW" dirty="0" err="1" smtClean="0"/>
+              <a:t>Trainset</a:t>
+            </a:r>
+            <a:endParaRPr lang="zh-TW" altLang="en-US" dirty="0"/>
+          </a:p>
+        </p:txBody>
+      </p:sp>
+      <p:pic>
+        <p:nvPicPr>
+          <p:cNvPr id="3" name="圖片 2" descr="畫面剪輯"/>
+          <p:cNvPicPr>
+            <a:picLocks noChangeAspect="1"/>
+          </p:cNvPicPr>
+          <p:nvPr/>
+        </p:nvPicPr>
+        <p:blipFill>
+          <a:blip r:embed="rId4">
+            <a:extLst>
+              <a:ext uri="{28A0092B-C50C-407E-A947-70E740481C1C}">
+                <a14:useLocalDpi xmlns:a14="http://schemas.microsoft.com/office/drawing/2010/main" val="0"/>
+              </a:ext>
+            </a:extLst>
+          </a:blip>
+          <a:stretch>
+            <a:fillRect/>
+          </a:stretch>
+        </p:blipFill>
+        <p:spPr>
+          <a:xfrm>
+            <a:off x="4716016" y="4923776"/>
+            <a:ext cx="2943636" cy="1543265"/>
+          </a:xfrm>
+          <a:prstGeom prst="rect">
+            <a:avLst/>
+          </a:prstGeom>
+          <a:ln>
+            <a:solidFill>
+              <a:srgbClr val="FF0000"/>
+            </a:solidFill>
+          </a:ln>
+        </p:spPr>
+      </p:pic>
+      <p:sp>
+        <p:nvSpPr>
+          <p:cNvPr id="13" name="文字方塊 12"/>
+          <p:cNvSpPr txBox="1"/>
+          <p:nvPr/>
+        </p:nvSpPr>
+        <p:spPr>
+          <a:xfrm>
+            <a:off x="5842396" y="4553580"/>
+            <a:ext cx="889731" cy="369332"/>
+          </a:xfrm>
+          <a:prstGeom prst="rect">
+            <a:avLst/>
+          </a:prstGeom>
+          <a:noFill/>
+        </p:spPr>
+        <p:txBody>
+          <a:bodyPr wrap="none" rtlCol="0">
+            <a:spAutoFit/>
+          </a:bodyPr>
+          <a:lstStyle/>
+          <a:p>
+            <a:r>
+              <a:rPr lang="en-US" altLang="zh-TW" dirty="0" smtClean="0"/>
+              <a:t>Test set</a:t>
+            </a:r>
+            <a:endParaRPr lang="zh-TW" altLang="en-US" dirty="0"/>
+          </a:p>
+        </p:txBody>
+      </p:sp>
+      <p:sp>
+        <p:nvSpPr>
+          <p:cNvPr id="15" name="文字方塊 14"/>
+          <p:cNvSpPr txBox="1"/>
+          <p:nvPr/>
+        </p:nvSpPr>
+        <p:spPr>
+          <a:xfrm>
+            <a:off x="3203848" y="4234853"/>
+            <a:ext cx="2584875" cy="369332"/>
+          </a:xfrm>
+          <a:prstGeom prst="rect">
+            <a:avLst/>
+          </a:prstGeom>
+          <a:noFill/>
+        </p:spPr>
+        <p:txBody>
+          <a:bodyPr wrap="none" rtlCol="0">
+            <a:spAutoFit/>
+          </a:bodyPr>
+          <a:lstStyle/>
+          <a:p>
+            <a:r>
+              <a:rPr lang="en-US" altLang="zh-TW" dirty="0" smtClean="0"/>
+              <a:t>Supervised </a:t>
+            </a:r>
+            <a:r>
+              <a:rPr lang="en-US" altLang="zh-TW" dirty="0" err="1" smtClean="0"/>
+              <a:t>Denosising</a:t>
+            </a:r>
+            <a:r>
+              <a:rPr lang="en-US" altLang="zh-TW" dirty="0" smtClean="0"/>
+              <a:t> AE</a:t>
+            </a:r>
+            <a:endParaRPr lang="zh-TW" altLang="en-US" dirty="0"/>
+          </a:p>
+        </p:txBody>
+      </p:sp>
+      <p:pic>
+        <p:nvPicPr>
+          <p:cNvPr id="4" name="圖片 3" descr="畫面剪輯"/>
+          <p:cNvPicPr>
+            <a:picLocks noChangeAspect="1"/>
+          </p:cNvPicPr>
+          <p:nvPr/>
+        </p:nvPicPr>
+        <p:blipFill>
+          <a:blip r:embed="rId5">
+            <a:extLst>
+              <a:ext uri="{28A0092B-C50C-407E-A947-70E740481C1C}">
+                <a14:useLocalDpi xmlns:a14="http://schemas.microsoft.com/office/drawing/2010/main" val="0"/>
+              </a:ext>
+            </a:extLst>
+          </a:blip>
+          <a:stretch>
+            <a:fillRect/>
+          </a:stretch>
+        </p:blipFill>
+        <p:spPr>
+          <a:xfrm>
+            <a:off x="1069233" y="4933329"/>
+            <a:ext cx="2953162" cy="1533739"/>
+          </a:xfrm>
+          <a:prstGeom prst="rect">
+            <a:avLst/>
+          </a:prstGeom>
+          <a:ln>
+            <a:solidFill>
+              <a:srgbClr val="FF0000"/>
+            </a:solidFill>
+          </a:ln>
+        </p:spPr>
+      </p:pic>
+      <p:sp>
+        <p:nvSpPr>
+          <p:cNvPr id="16" name="文字方塊 15"/>
+          <p:cNvSpPr txBox="1"/>
+          <p:nvPr/>
+        </p:nvSpPr>
+        <p:spPr>
+          <a:xfrm>
+            <a:off x="2270931" y="4521314"/>
+            <a:ext cx="889731" cy="369332"/>
+          </a:xfrm>
+          <a:prstGeom prst="rect">
+            <a:avLst/>
+          </a:prstGeom>
+          <a:noFill/>
+        </p:spPr>
+        <p:txBody>
+          <a:bodyPr wrap="none" rtlCol="0">
+            <a:spAutoFit/>
+          </a:bodyPr>
+          <a:lstStyle/>
+          <a:p>
+            <a:r>
+              <a:rPr lang="en-US" altLang="zh-TW" dirty="0" smtClean="0"/>
+              <a:t>Test set</a:t>
+            </a:r>
+            <a:endParaRPr lang="zh-TW" altLang="en-US" dirty="0"/>
+          </a:p>
+        </p:txBody>
+      </p:sp>
+    </p:spTree>
+    <p:extLst>
+      <p:ext uri="{BB962C8B-B14F-4D97-AF65-F5344CB8AC3E}">
+        <p14:creationId xmlns:p14="http://schemas.microsoft.com/office/powerpoint/2010/main" val="4101299992"/>
+      </p:ext>
+    </p:extLst>
+  </p:cSld>
+  <p:clrMapOvr>
+    <a:masterClrMapping/>
+  </p:clrMapOvr>
+  <p:timing>
+    <p:tnLst>
+      <p:par>
+        <p:cTn id="1" dur="indefinite" restart="never" nodeType="tmRoot"/>
+      </p:par>
+    </p:tnLst>
+  </p:timing>
+</p:sld>
+</file>
+
+<file path=ppt/slides/slide27.xml><?xml version="1.0" encoding="utf-8"?>
+<p:sld xmlns:a="http://schemas.openxmlformats.org/drawingml/2006/main" xmlns:r="http://schemas.openxmlformats.org/officeDocument/2006/relationships" xmlns:p="http://schemas.openxmlformats.org/presentationml/2006/main">
+  <p:cSld>
+    <p:spTree>
+      <p:nvGrpSpPr>
+        <p:cNvPr id="1" name=""/>
+        <p:cNvGrpSpPr/>
+        <p:nvPr/>
+      </p:nvGrpSpPr>
+      <p:grpSpPr>
+        <a:xfrm>
+          <a:off x="0" y="0"/>
+          <a:ext cx="0" cy="0"/>
+          <a:chOff x="0" y="0"/>
+          <a:chExt cx="0" cy="0"/>
+        </a:xfrm>
+      </p:grpSpPr>
+      <p:sp>
+        <p:nvSpPr>
+          <p:cNvPr id="2" name="標題 1"/>
+          <p:cNvSpPr>
+            <a:spLocks noGrp="1"/>
+          </p:cNvSpPr>
+          <p:nvPr>
+            <p:ph type="title"/>
+          </p:nvPr>
+        </p:nvSpPr>
+        <p:spPr/>
+        <p:txBody>
           <a:bodyPr/>
           <a:lstStyle/>
           <a:p>
@@ -5399,7 +5529,7 @@
 </p:sld>
 </file>
 
-<file path=ppt/slides/slide27.xml><?xml version="1.0" encoding="utf-8"?>
+<file path=ppt/slides/slide28.xml><?xml version="1.0" encoding="utf-8"?>
 <p:sld xmlns:a="http://schemas.openxmlformats.org/drawingml/2006/main" xmlns:r="http://schemas.openxmlformats.org/officeDocument/2006/relationships" xmlns:p="http://schemas.openxmlformats.org/presentationml/2006/main">
   <p:cSld>
     <p:spTree>
@@ -5585,6 +5715,96 @@
 </file>
 
 <file path=ppt/slides/slide3.xml><?xml version="1.0" encoding="utf-8"?>
+<p:sld xmlns:a="http://schemas.openxmlformats.org/drawingml/2006/main" xmlns:r="http://schemas.openxmlformats.org/officeDocument/2006/relationships" xmlns:p="http://schemas.openxmlformats.org/presentationml/2006/main">
+  <p:cSld>
+    <p:spTree>
+      <p:nvGrpSpPr>
+        <p:cNvPr id="1" name=""/>
+        <p:cNvGrpSpPr/>
+        <p:nvPr/>
+      </p:nvGrpSpPr>
+      <p:grpSpPr>
+        <a:xfrm>
+          <a:off x="0" y="0"/>
+          <a:ext cx="0" cy="0"/>
+          <a:chOff x="0" y="0"/>
+          <a:chExt cx="0" cy="0"/>
+        </a:xfrm>
+      </p:grpSpPr>
+      <p:sp>
+        <p:nvSpPr>
+          <p:cNvPr id="2" name="標題 1"/>
+          <p:cNvSpPr>
+            <a:spLocks noGrp="1"/>
+          </p:cNvSpPr>
+          <p:nvPr>
+            <p:ph type="title"/>
+          </p:nvPr>
+        </p:nvSpPr>
+        <p:spPr/>
+        <p:txBody>
+          <a:bodyPr/>
+          <a:lstStyle/>
+          <a:p>
+            <a:r>
+              <a:rPr lang="en-US" altLang="zh-TW" dirty="0" smtClean="0"/>
+              <a:t>VIP</a:t>
+            </a:r>
+            <a:r>
+              <a:rPr lang="zh-TW" altLang="en-US" dirty="0" smtClean="0"/>
+              <a:t> </a:t>
+            </a:r>
+            <a:r>
+              <a:rPr lang="en-US" altLang="zh-TW" dirty="0" smtClean="0"/>
+              <a:t>with only one industry</a:t>
+            </a:r>
+            <a:endParaRPr lang="zh-TW" altLang="en-US" dirty="0"/>
+          </a:p>
+        </p:txBody>
+      </p:sp>
+      <p:pic>
+        <p:nvPicPr>
+          <p:cNvPr id="4" name="內容版面配置區 3" descr="畫面剪輯"/>
+          <p:cNvPicPr>
+            <a:picLocks noGrp="1" noChangeAspect="1"/>
+          </p:cNvPicPr>
+          <p:nvPr>
+            <p:ph idx="1"/>
+          </p:nvPr>
+        </p:nvPicPr>
+        <p:blipFill>
+          <a:blip r:embed="rId2">
+            <a:extLst>
+              <a:ext uri="{28A0092B-C50C-407E-A947-70E740481C1C}">
+                <a14:useLocalDpi xmlns:a14="http://schemas.microsoft.com/office/drawing/2010/main" val="0"/>
+              </a:ext>
+            </a:extLst>
+          </a:blip>
+          <a:stretch>
+            <a:fillRect/>
+          </a:stretch>
+        </p:blipFill>
+        <p:spPr>
+          <a:xfrm>
+            <a:off x="1847469" y="2386600"/>
+            <a:ext cx="5449061" cy="2953162"/>
+          </a:xfrm>
+        </p:spPr>
+      </p:pic>
+    </p:spTree>
+    <p:extLst>
+      <p:ext uri="{BB962C8B-B14F-4D97-AF65-F5344CB8AC3E}">
+        <p14:creationId xmlns:p14="http://schemas.microsoft.com/office/powerpoint/2010/main" val="2531281622"/>
+      </p:ext>
+    </p:extLst>
+  </p:cSld>
+  <p:clrMapOvr>
+    <a:masterClrMapping/>
+  </p:clrMapOvr>
+</p:sld>
+</file>
+
+<file path=ppt/slides/slide4.xml><?xml version="1.0" encoding="utf-8"?>
 <p:sld xmlns:a="http://schemas.openxmlformats.org/drawingml/2006/main" xmlns:r="http://schemas.openxmlformats.org/officeDocument/2006/relationships" xmlns:p="http://schemas.openxmlformats.org/presentationml/2006/main">
   <p:cSld>
     <p:spTree>
@@ -5666,6 +5886,221 @@
           </a:p>
         </p:txBody>
       </p:sp>
+      <p:pic>
+        <p:nvPicPr>
+          <p:cNvPr id="3" name="圖片 2" descr="畫面剪輯"/>
+          <p:cNvPicPr>
+            <a:picLocks noChangeAspect="1"/>
+          </p:cNvPicPr>
+          <p:nvPr/>
+        </p:nvPicPr>
+        <p:blipFill>
+          <a:blip r:embed="rId3">
+            <a:extLst>
+              <a:ext uri="{28A0092B-C50C-407E-A947-70E740481C1C}">
+                <a14:useLocalDpi xmlns:a14="http://schemas.microsoft.com/office/drawing/2010/main" val="0"/>
+              </a:ext>
+            </a:extLst>
+          </a:blip>
+          <a:stretch>
+            <a:fillRect/>
+          </a:stretch>
+        </p:blipFill>
+        <p:spPr>
+          <a:xfrm>
+            <a:off x="3794052" y="1203581"/>
+            <a:ext cx="1581371" cy="4544060"/>
+          </a:xfrm>
+          <a:prstGeom prst="rect">
+            <a:avLst/>
+          </a:prstGeom>
+        </p:spPr>
+      </p:pic>
+      <p:sp>
+        <p:nvSpPr>
+          <p:cNvPr id="5" name="文字方塊 4"/>
+          <p:cNvSpPr txBox="1"/>
+          <p:nvPr/>
+        </p:nvSpPr>
+        <p:spPr>
+          <a:xfrm>
+            <a:off x="3823693" y="609222"/>
+            <a:ext cx="1338828" cy="369332"/>
+          </a:xfrm>
+          <a:prstGeom prst="rect">
+            <a:avLst/>
+          </a:prstGeom>
+          <a:noFill/>
+          <a:ln>
+            <a:solidFill>
+              <a:schemeClr val="accent1"/>
+            </a:solidFill>
+          </a:ln>
+        </p:spPr>
+        <p:txBody>
+          <a:bodyPr wrap="none" rtlCol="0">
+            <a:spAutoFit/>
+          </a:bodyPr>
+          <a:lstStyle/>
+          <a:p>
+            <a:r>
+              <a:rPr lang="zh-TW" altLang="en-US" dirty="0" smtClean="0"/>
+              <a:t>隨機</a:t>
+            </a:r>
+            <a:r>
+              <a:rPr lang="zh-TW" altLang="en-US" dirty="0"/>
+              <a:t>五</a:t>
+            </a:r>
+            <a:r>
+              <a:rPr lang="zh-TW" altLang="en-US" dirty="0" smtClean="0"/>
+              <a:t>萬</a:t>
+            </a:r>
+            <a:r>
+              <a:rPr lang="zh-TW" altLang="en-US" dirty="0" smtClean="0"/>
+              <a:t>篇</a:t>
+            </a:r>
+            <a:endParaRPr lang="zh-TW" altLang="en-US" dirty="0"/>
+          </a:p>
+        </p:txBody>
+      </p:sp>
+      <p:pic>
+        <p:nvPicPr>
+          <p:cNvPr id="4" name="圖片 3" descr="畫面剪輯"/>
+          <p:cNvPicPr>
+            <a:picLocks noChangeAspect="1"/>
+          </p:cNvPicPr>
+          <p:nvPr/>
+        </p:nvPicPr>
+        <p:blipFill>
+          <a:blip r:embed="rId4">
+            <a:extLst>
+              <a:ext uri="{28A0092B-C50C-407E-A947-70E740481C1C}">
+                <a14:useLocalDpi xmlns:a14="http://schemas.microsoft.com/office/drawing/2010/main" val="0"/>
+              </a:ext>
+            </a:extLst>
+          </a:blip>
+          <a:stretch>
+            <a:fillRect/>
+          </a:stretch>
+        </p:blipFill>
+        <p:spPr>
+          <a:xfrm>
+            <a:off x="5652120" y="1226488"/>
+            <a:ext cx="1571844" cy="4239217"/>
+          </a:xfrm>
+          <a:prstGeom prst="rect">
+            <a:avLst/>
+          </a:prstGeom>
+        </p:spPr>
+      </p:pic>
+      <p:sp>
+        <p:nvSpPr>
+          <p:cNvPr id="7" name="文字方塊 6"/>
+          <p:cNvSpPr txBox="1"/>
+          <p:nvPr/>
+        </p:nvSpPr>
+        <p:spPr>
+          <a:xfrm>
+            <a:off x="5940152" y="609222"/>
+            <a:ext cx="1389098" cy="369332"/>
+          </a:xfrm>
+          <a:prstGeom prst="rect">
+            <a:avLst/>
+          </a:prstGeom>
+          <a:noFill/>
+          <a:ln>
+            <a:solidFill>
+              <a:schemeClr val="accent1"/>
+            </a:solidFill>
+          </a:ln>
+        </p:spPr>
+        <p:txBody>
+          <a:bodyPr wrap="none" rtlCol="0">
+            <a:spAutoFit/>
+          </a:bodyPr>
+          <a:lstStyle/>
+          <a:p>
+            <a:r>
+              <a:rPr lang="en-US" altLang="zh-TW" dirty="0" err="1" smtClean="0"/>
+              <a:t>Trainset</a:t>
+            </a:r>
+            <a:r>
+              <a:rPr lang="en-US" altLang="zh-TW" dirty="0" smtClean="0"/>
+              <a:t>(3/4)</a:t>
+            </a:r>
+            <a:endParaRPr lang="zh-TW" altLang="en-US" dirty="0"/>
+          </a:p>
+        </p:txBody>
+      </p:sp>
+      <p:pic>
+        <p:nvPicPr>
+          <p:cNvPr id="8" name="圖片 7" descr="畫面剪輯"/>
+          <p:cNvPicPr>
+            <a:picLocks noChangeAspect="1"/>
+          </p:cNvPicPr>
+          <p:nvPr/>
+        </p:nvPicPr>
+        <p:blipFill>
+          <a:blip r:embed="rId5">
+            <a:extLst>
+              <a:ext uri="{28A0092B-C50C-407E-A947-70E740481C1C}">
+                <a14:useLocalDpi xmlns:a14="http://schemas.microsoft.com/office/drawing/2010/main" val="0"/>
+              </a:ext>
+            </a:extLst>
+          </a:blip>
+          <a:stretch>
+            <a:fillRect/>
+          </a:stretch>
+        </p:blipFill>
+        <p:spPr>
+          <a:xfrm>
+            <a:off x="7308304" y="1196752"/>
+            <a:ext cx="1514687" cy="4258270"/>
+          </a:xfrm>
+          <a:prstGeom prst="rect">
+            <a:avLst/>
+          </a:prstGeom>
+        </p:spPr>
+      </p:pic>
+      <p:sp>
+        <p:nvSpPr>
+          <p:cNvPr id="9" name="文字方塊 8"/>
+          <p:cNvSpPr txBox="1"/>
+          <p:nvPr/>
+        </p:nvSpPr>
+        <p:spPr>
+          <a:xfrm>
+            <a:off x="7614016" y="609222"/>
+            <a:ext cx="1301703" cy="369332"/>
+          </a:xfrm>
+          <a:prstGeom prst="rect">
+            <a:avLst/>
+          </a:prstGeom>
+          <a:noFill/>
+          <a:ln>
+            <a:solidFill>
+              <a:schemeClr val="accent1"/>
+            </a:solidFill>
+          </a:ln>
+        </p:spPr>
+        <p:txBody>
+          <a:bodyPr wrap="none" rtlCol="0">
+            <a:spAutoFit/>
+          </a:bodyPr>
+          <a:lstStyle/>
+          <a:p>
+            <a:r>
+              <a:rPr lang="en-US" altLang="zh-TW" dirty="0" err="1" smtClean="0"/>
+              <a:t>Testset</a:t>
+            </a:r>
+            <a:r>
+              <a:rPr lang="en-US" altLang="zh-TW" dirty="0" smtClean="0"/>
+              <a:t>(1/4)</a:t>
+            </a:r>
+            <a:endParaRPr lang="zh-TW" altLang="en-US" dirty="0"/>
+          </a:p>
+        </p:txBody>
+      </p:sp>
     </p:spTree>
     <p:extLst>
       <p:ext uri="{BB962C8B-B14F-4D97-AF65-F5344CB8AC3E}">
@@ -5679,7 +6114,7 @@
 </p:sld>
 </file>
 
-<file path=ppt/slides/slide4.xml><?xml version="1.0" encoding="utf-8"?>
+<file path=ppt/slides/slide5.xml><?xml version="1.0" encoding="utf-8"?>
 <p:sld xmlns:a="http://schemas.openxmlformats.org/drawingml/2006/main" xmlns:r="http://schemas.openxmlformats.org/officeDocument/2006/relationships" xmlns:p="http://schemas.openxmlformats.org/presentationml/2006/main">
   <p:cSld>
     <p:spTree>
@@ -5839,200 +6274,6 @@
     <p:extLst>
       <p:ext uri="{BB962C8B-B14F-4D97-AF65-F5344CB8AC3E}">
         <p14:creationId xmlns:p14="http://schemas.microsoft.com/office/powerpoint/2010/main" val="1461470059"/>
-      </p:ext>
-    </p:extLst>
-  </p:cSld>
-  <p:clrMapOvr>
-    <a:masterClrMapping/>
-  </p:clrMapOvr>
-  <p:timing>
-    <p:tnLst>
-      <p:par>
-        <p:cTn id="1" dur="indefinite" restart="never" nodeType="tmRoot"/>
-      </p:par>
-    </p:tnLst>
-  </p:timing>
-</p:sld>
-</file>
-
-<file path=ppt/slides/slide5.xml><?xml version="1.0" encoding="utf-8"?>
-<p:sld xmlns:a="http://schemas.openxmlformats.org/drawingml/2006/main" xmlns:r="http://schemas.openxmlformats.org/officeDocument/2006/relationships" xmlns:p="http://schemas.openxmlformats.org/presentationml/2006/main">
-  <p:cSld>
-    <p:spTree>
-      <p:nvGrpSpPr>
-        <p:cNvPr id="1" name=""/>
-        <p:cNvGrpSpPr/>
-        <p:nvPr/>
-      </p:nvGrpSpPr>
-      <p:grpSpPr>
-        <a:xfrm>
-          <a:off x="0" y="0"/>
-          <a:ext cx="0" cy="0"/>
-          <a:chOff x="0" y="0"/>
-          <a:chExt cx="0" cy="0"/>
-        </a:xfrm>
-      </p:grpSpPr>
-      <p:sp>
-        <p:nvSpPr>
-          <p:cNvPr id="2" name="標題 1"/>
-          <p:cNvSpPr>
-            <a:spLocks noGrp="1"/>
-          </p:cNvSpPr>
-          <p:nvPr>
-            <p:ph type="title"/>
-          </p:nvPr>
-        </p:nvSpPr>
-        <p:spPr/>
-        <p:txBody>
-          <a:bodyPr>
-            <a:normAutofit fontScale="90000"/>
-          </a:bodyPr>
-          <a:lstStyle/>
-          <a:p>
-            <a:r>
-              <a:rPr lang="en-US" altLang="zh-TW" dirty="0" smtClean="0"/>
-              <a:t>Similarity between 2 industry-</a:t>
-            </a:r>
-            <a:r>
-              <a:rPr lang="en-US" altLang="zh-TW" dirty="0" err="1" smtClean="0"/>
-              <a:t>Bow,unAE,AE</a:t>
-            </a:r>
-            <a:endParaRPr lang="zh-TW" altLang="en-US" dirty="0"/>
-          </a:p>
-        </p:txBody>
-      </p:sp>
-      <p:sp>
-        <p:nvSpPr>
-          <p:cNvPr id="5" name="矩形 4"/>
-          <p:cNvSpPr/>
-          <p:nvPr/>
-        </p:nvSpPr>
-        <p:spPr>
-          <a:xfrm>
-            <a:off x="5004048" y="2042889"/>
-            <a:ext cx="1405193" cy="369332"/>
-          </a:xfrm>
-          <a:prstGeom prst="rect">
-            <a:avLst/>
-          </a:prstGeom>
-        </p:spPr>
-        <p:txBody>
-          <a:bodyPr wrap="none">
-            <a:spAutoFit/>
-          </a:bodyPr>
-          <a:lstStyle/>
-          <a:p>
-            <a:r>
-              <a:rPr lang="en-US" altLang="zh-TW" dirty="0" err="1" smtClean="0"/>
-              <a:t>AutoEncoder</a:t>
-            </a:r>
-            <a:endParaRPr lang="zh-TW" altLang="en-US" dirty="0"/>
-          </a:p>
-        </p:txBody>
-      </p:sp>
-      <p:sp>
-        <p:nvSpPr>
-          <p:cNvPr id="7" name="矩形 6"/>
-          <p:cNvSpPr/>
-          <p:nvPr/>
-        </p:nvSpPr>
-        <p:spPr>
-          <a:xfrm>
-            <a:off x="323527" y="2047270"/>
-            <a:ext cx="595741" cy="369332"/>
-          </a:xfrm>
-          <a:prstGeom prst="rect">
-            <a:avLst/>
-          </a:prstGeom>
-        </p:spPr>
-        <p:txBody>
-          <a:bodyPr wrap="none">
-            <a:spAutoFit/>
-          </a:bodyPr>
-          <a:lstStyle/>
-          <a:p>
-            <a:r>
-              <a:rPr lang="en-US" altLang="zh-TW" dirty="0" smtClean="0"/>
-              <a:t>Bow</a:t>
-            </a:r>
-            <a:endParaRPr lang="zh-TW" altLang="en-US" dirty="0"/>
-          </a:p>
-        </p:txBody>
-      </p:sp>
-      <p:pic>
-        <p:nvPicPr>
-          <p:cNvPr id="9" name="圖片 8" descr="畫面剪輯"/>
-          <p:cNvPicPr>
-            <a:picLocks noChangeAspect="1"/>
-          </p:cNvPicPr>
-          <p:nvPr/>
-        </p:nvPicPr>
-        <p:blipFill>
-          <a:blip r:embed="rId2">
-            <a:extLst>
-              <a:ext uri="{28A0092B-C50C-407E-A947-70E740481C1C}">
-                <a14:useLocalDpi xmlns:a14="http://schemas.microsoft.com/office/drawing/2010/main" val="0"/>
-              </a:ext>
-            </a:extLst>
-          </a:blip>
-          <a:stretch>
-            <a:fillRect/>
-          </a:stretch>
-        </p:blipFill>
-        <p:spPr>
-          <a:xfrm>
-            <a:off x="179512" y="2783172"/>
-            <a:ext cx="4032448" cy="2866439"/>
-          </a:xfrm>
-          <a:prstGeom prst="rect">
-            <a:avLst/>
-          </a:prstGeom>
-          <a:ln>
-            <a:solidFill>
-              <a:srgbClr val="FF0000"/>
-            </a:solidFill>
-          </a:ln>
-        </p:spPr>
-      </p:pic>
-      <p:pic>
-        <p:nvPicPr>
-          <p:cNvPr id="10" name="圖片 9" descr="畫面剪輯"/>
-          <p:cNvPicPr>
-            <a:picLocks noChangeAspect="1"/>
-          </p:cNvPicPr>
-          <p:nvPr/>
-        </p:nvPicPr>
-        <p:blipFill>
-          <a:blip r:embed="rId3">
-            <a:extLst>
-              <a:ext uri="{28A0092B-C50C-407E-A947-70E740481C1C}">
-                <a14:useLocalDpi xmlns:a14="http://schemas.microsoft.com/office/drawing/2010/main" val="0"/>
-              </a:ext>
-            </a:extLst>
-          </a:blip>
-          <a:stretch>
-            <a:fillRect/>
-          </a:stretch>
-        </p:blipFill>
-        <p:spPr>
-          <a:xfrm>
-            <a:off x="4499993" y="2783173"/>
-            <a:ext cx="4032448" cy="2859372"/>
-          </a:xfrm>
-          <a:prstGeom prst="rect">
-            <a:avLst/>
-          </a:prstGeom>
-          <a:ln>
-            <a:solidFill>
-              <a:srgbClr val="FF0000"/>
-            </a:solidFill>
-          </a:ln>
-        </p:spPr>
-      </p:pic>
-    </p:spTree>
-    <p:extLst>
-      <p:ext uri="{BB962C8B-B14F-4D97-AF65-F5344CB8AC3E}">
-        <p14:creationId xmlns:p14="http://schemas.microsoft.com/office/powerpoint/2010/main" val="1014578427"/>
       </p:ext>
     </p:extLst>
   </p:cSld>
@@ -6079,7 +6320,7 @@
         <p:spPr/>
         <p:txBody>
           <a:bodyPr>
-            <a:normAutofit/>
+            <a:normAutofit fontScale="90000"/>
           </a:bodyPr>
           <a:lstStyle/>
           <a:p>
@@ -6089,7 +6330,65 @@
             </a:r>
             <a:r>
               <a:rPr lang="en-US" altLang="zh-TW" dirty="0" err="1" smtClean="0"/>
-              <a:t>unAE</a:t>
+              <a:t>Bow,unAE,AE</a:t>
+            </a:r>
+            <a:endParaRPr lang="zh-TW" altLang="en-US" dirty="0"/>
+          </a:p>
+        </p:txBody>
+      </p:sp>
+      <p:sp>
+        <p:nvSpPr>
+          <p:cNvPr id="5" name="矩形 4"/>
+          <p:cNvSpPr/>
+          <p:nvPr/>
+        </p:nvSpPr>
+        <p:spPr>
+          <a:xfrm>
+            <a:off x="5004048" y="2042889"/>
+            <a:ext cx="1405193" cy="369332"/>
+          </a:xfrm>
+          <a:prstGeom prst="rect">
+            <a:avLst/>
+          </a:prstGeom>
+        </p:spPr>
+        <p:txBody>
+          <a:bodyPr wrap="none">
+            <a:spAutoFit/>
+          </a:bodyPr>
+          <a:lstStyle/>
+          <a:p>
+            <a:r>
+              <a:rPr lang="en-US" altLang="zh-TW" dirty="0" err="1" smtClean="0"/>
+              <a:t>AutoEncoder</a:t>
+            </a:r>
+            <a:endParaRPr lang="zh-TW" altLang="en-US" dirty="0"/>
+          </a:p>
+        </p:txBody>
+      </p:sp>
+      <p:sp>
+        <p:nvSpPr>
+          <p:cNvPr id="7" name="矩形 6"/>
+          <p:cNvSpPr/>
+          <p:nvPr/>
+        </p:nvSpPr>
+        <p:spPr>
+          <a:xfrm>
+            <a:off x="323527" y="2047270"/>
+            <a:ext cx="595741" cy="369332"/>
+          </a:xfrm>
+          <a:prstGeom prst="rect">
+            <a:avLst/>
+          </a:prstGeom>
+        </p:spPr>
+        <p:txBody>
+          <a:bodyPr wrap="none">
+            <a:spAutoFit/>
+          </a:bodyPr>
+          <a:lstStyle/>
+          <a:p>
+            <a:r>
+              <a:rPr lang="en-US" altLang="zh-TW" dirty="0" smtClean="0"/>
+              <a:t>Bow</a:t>
             </a:r>
             <a:endParaRPr lang="zh-TW" altLang="en-US" dirty="0"/>
           </a:p>
@@ -6117,8 +6416,8 @@
         </p:blipFill>
         <p:spPr>
           <a:xfrm>
-            <a:off x="1979712" y="1772816"/>
-            <a:ext cx="4680520" cy="3342217"/>
+            <a:off x="179512" y="2783172"/>
+            <a:ext cx="4032448" cy="2866439"/>
           </a:xfrm>
           <a:prstGeom prst="rect">
             <a:avLst/>
@@ -6130,10 +6429,45 @@
           </a:ln>
         </p:spPr>
       </p:pic>
+      <p:pic>
+        <p:nvPicPr>
+          <p:cNvPr id="10" name="圖片 9" descr="畫面剪輯"/>
+          <p:cNvPicPr>
+            <a:picLocks noChangeAspect="1"/>
+          </p:cNvPicPr>
+          <p:nvPr/>
+        </p:nvPicPr>
+        <p:blipFill>
+          <a:blip r:embed="rId3">
+            <a:extLst>
+              <a:ext uri="{28A0092B-C50C-407E-A947-70E740481C1C}">
+                <a14:useLocalDpi xmlns:a14="http://schemas.microsoft.com/office/drawing/2010/main" val="0"/>
+              </a:ext>
+            </a:extLst>
+          </a:blip>
+          <a:stretch>
+            <a:fillRect/>
+          </a:stretch>
+        </p:blipFill>
+        <p:spPr>
+          <a:xfrm>
+            <a:off x="4499993" y="2783173"/>
+            <a:ext cx="4032448" cy="2859372"/>
+          </a:xfrm>
+          <a:prstGeom prst="rect">
+            <a:avLst/>
+          </a:prstGeom>
+          <a:ln>
+            <a:solidFill>
+              <a:srgbClr val="FF0000"/>
+            </a:solidFill>
+          </a:ln>
+        </p:spPr>
+      </p:pic>
     </p:spTree>
     <p:extLst>
       <p:ext uri="{BB962C8B-B14F-4D97-AF65-F5344CB8AC3E}">
-        <p14:creationId xmlns:p14="http://schemas.microsoft.com/office/powerpoint/2010/main" val="2938989692"/>
+        <p14:creationId xmlns:p14="http://schemas.microsoft.com/office/powerpoint/2010/main" val="1014578427"/>
       </p:ext>
     </p:extLst>
   </p:cSld>
@@ -6179,6 +6513,107 @@
         </p:nvSpPr>
         <p:spPr/>
         <p:txBody>
+          <a:bodyPr>
+            <a:normAutofit/>
+          </a:bodyPr>
+          <a:lstStyle/>
+          <a:p>
+            <a:r>
+              <a:rPr lang="en-US" altLang="zh-TW" dirty="0" smtClean="0"/>
+              <a:t>Similarity between 2 industry-</a:t>
+            </a:r>
+            <a:r>
+              <a:rPr lang="en-US" altLang="zh-TW" dirty="0" err="1" smtClean="0"/>
+              <a:t>unAE</a:t>
+            </a:r>
+            <a:endParaRPr lang="zh-TW" altLang="en-US" dirty="0"/>
+          </a:p>
+        </p:txBody>
+      </p:sp>
+      <p:pic>
+        <p:nvPicPr>
+          <p:cNvPr id="9" name="圖片 8" descr="畫面剪輯"/>
+          <p:cNvPicPr>
+            <a:picLocks noChangeAspect="1"/>
+          </p:cNvPicPr>
+          <p:nvPr/>
+        </p:nvPicPr>
+        <p:blipFill>
+          <a:blip r:embed="rId2">
+            <a:extLst>
+              <a:ext uri="{28A0092B-C50C-407E-A947-70E740481C1C}">
+                <a14:useLocalDpi xmlns:a14="http://schemas.microsoft.com/office/drawing/2010/main" val="0"/>
+              </a:ext>
+            </a:extLst>
+          </a:blip>
+          <a:stretch>
+            <a:fillRect/>
+          </a:stretch>
+        </p:blipFill>
+        <p:spPr>
+          <a:xfrm>
+            <a:off x="1979712" y="1772816"/>
+            <a:ext cx="4680520" cy="3342217"/>
+          </a:xfrm>
+          <a:prstGeom prst="rect">
+            <a:avLst/>
+          </a:prstGeom>
+          <a:ln>
+            <a:solidFill>
+              <a:srgbClr val="FF0000"/>
+            </a:solidFill>
+          </a:ln>
+        </p:spPr>
+      </p:pic>
+    </p:spTree>
+    <p:extLst>
+      <p:ext uri="{BB962C8B-B14F-4D97-AF65-F5344CB8AC3E}">
+        <p14:creationId xmlns:p14="http://schemas.microsoft.com/office/powerpoint/2010/main" val="2938989692"/>
+      </p:ext>
+    </p:extLst>
+  </p:cSld>
+  <p:clrMapOvr>
+    <a:masterClrMapping/>
+  </p:clrMapOvr>
+  <p:timing>
+    <p:tnLst>
+      <p:par>
+        <p:cTn id="1" dur="indefinite" restart="never" nodeType="tmRoot"/>
+      </p:par>
+    </p:tnLst>
+  </p:timing>
+</p:sld>
+</file>
+
+<file path=ppt/slides/slide8.xml><?xml version="1.0" encoding="utf-8"?>
+<p:sld xmlns:a="http://schemas.openxmlformats.org/drawingml/2006/main" xmlns:r="http://schemas.openxmlformats.org/officeDocument/2006/relationships" xmlns:p="http://schemas.openxmlformats.org/presentationml/2006/main">
+  <p:cSld>
+    <p:spTree>
+      <p:nvGrpSpPr>
+        <p:cNvPr id="1" name=""/>
+        <p:cNvGrpSpPr/>
+        <p:nvPr/>
+      </p:nvGrpSpPr>
+      <p:grpSpPr>
+        <a:xfrm>
+          <a:off x="0" y="0"/>
+          <a:ext cx="0" cy="0"/>
+          <a:chOff x="0" y="0"/>
+          <a:chExt cx="0" cy="0"/>
+        </a:xfrm>
+      </p:grpSpPr>
+      <p:sp>
+        <p:nvSpPr>
+          <p:cNvPr id="2" name="標題 1"/>
+          <p:cNvSpPr>
+            <a:spLocks noGrp="1"/>
+          </p:cNvSpPr>
+          <p:nvPr>
+            <p:ph type="title"/>
+          </p:nvPr>
+        </p:nvSpPr>
+        <p:spPr/>
+        <p:txBody>
           <a:bodyPr/>
           <a:lstStyle/>
           <a:p>
@@ -6423,181 +6858,6 @@
     <p:extLst>
       <p:ext uri="{BB962C8B-B14F-4D97-AF65-F5344CB8AC3E}">
         <p14:creationId xmlns:p14="http://schemas.microsoft.com/office/powerpoint/2010/main" val="2907309338"/>
-      </p:ext>
-    </p:extLst>
-  </p:cSld>
-  <p:clrMapOvr>
-    <a:masterClrMapping/>
-  </p:clrMapOvr>
-</p:sld>
-</file>
-
-<file path=ppt/slides/slide8.xml><?xml version="1.0" encoding="utf-8"?>
-<p:sld xmlns:a="http://schemas.openxmlformats.org/drawingml/2006/main" xmlns:r="http://schemas.openxmlformats.org/officeDocument/2006/relationships" xmlns:p="http://schemas.openxmlformats.org/presentationml/2006/main">
-  <p:cSld>
-    <p:spTree>
-      <p:nvGrpSpPr>
-        <p:cNvPr id="1" name=""/>
-        <p:cNvGrpSpPr/>
-        <p:nvPr/>
-      </p:nvGrpSpPr>
-      <p:grpSpPr>
-        <a:xfrm>
-          <a:off x="0" y="0"/>
-          <a:ext cx="0" cy="0"/>
-          <a:chOff x="0" y="0"/>
-          <a:chExt cx="0" cy="0"/>
-        </a:xfrm>
-      </p:grpSpPr>
-      <p:sp>
-        <p:nvSpPr>
-          <p:cNvPr id="2" name="標題 1"/>
-          <p:cNvSpPr>
-            <a:spLocks noGrp="1"/>
-          </p:cNvSpPr>
-          <p:nvPr>
-            <p:ph type="title"/>
-          </p:nvPr>
-        </p:nvSpPr>
-        <p:spPr/>
-        <p:txBody>
-          <a:bodyPr/>
-          <a:lstStyle/>
-          <a:p>
-            <a:r>
-              <a:rPr lang="en-US" altLang="zh-TW" dirty="0" smtClean="0"/>
-              <a:t>Supervised </a:t>
-            </a:r>
-            <a:r>
-              <a:rPr lang="en-US" altLang="zh-TW" dirty="0" err="1" smtClean="0"/>
-              <a:t>Denoising</a:t>
-            </a:r>
-            <a:r>
-              <a:rPr lang="en-US" altLang="zh-TW" dirty="0" smtClean="0"/>
-              <a:t> AE</a:t>
-            </a:r>
-            <a:endParaRPr lang="zh-TW" altLang="en-US" dirty="0"/>
-          </a:p>
-        </p:txBody>
-      </p:sp>
-      <p:sp>
-        <p:nvSpPr>
-          <p:cNvPr id="3" name="內容版面配置區 2"/>
-          <p:cNvSpPr>
-            <a:spLocks noGrp="1"/>
-          </p:cNvSpPr>
-          <p:nvPr>
-            <p:ph idx="1"/>
-          </p:nvPr>
-        </p:nvSpPr>
-        <p:spPr/>
-        <p:txBody>
-          <a:bodyPr/>
-          <a:lstStyle/>
-          <a:p>
-            <a:r>
-              <a:rPr lang="en-US" altLang="zh-TW" dirty="0" smtClean="0"/>
-              <a:t>Dataset(from 10000 random)</a:t>
-            </a:r>
-          </a:p>
-          <a:p>
-            <a:r>
-              <a:rPr lang="en-US" altLang="zh-TW" dirty="0" smtClean="0"/>
-              <a:t>Train set (80%)</a:t>
-            </a:r>
-          </a:p>
-          <a:p>
-            <a:r>
-              <a:rPr lang="en-US" altLang="zh-TW" dirty="0" smtClean="0"/>
-              <a:t>Test set(20%)</a:t>
-            </a:r>
-          </a:p>
-          <a:p>
-            <a:pPr lvl="1"/>
-            <a:endParaRPr lang="en-US" altLang="zh-TW" dirty="0" smtClean="0"/>
-          </a:p>
-        </p:txBody>
-      </p:sp>
-      <p:pic>
-        <p:nvPicPr>
-          <p:cNvPr id="4" name="圖片 3" descr="畫面剪輯"/>
-          <p:cNvPicPr>
-            <a:picLocks noChangeAspect="1"/>
-          </p:cNvPicPr>
-          <p:nvPr/>
-        </p:nvPicPr>
-        <p:blipFill>
-          <a:blip r:embed="rId2">
-            <a:extLst>
-              <a:ext uri="{28A0092B-C50C-407E-A947-70E740481C1C}">
-                <a14:useLocalDpi xmlns:a14="http://schemas.microsoft.com/office/drawing/2010/main" val="0"/>
-              </a:ext>
-            </a:extLst>
-          </a:blip>
-          <a:stretch>
-            <a:fillRect/>
-          </a:stretch>
-        </p:blipFill>
-        <p:spPr>
-          <a:xfrm>
-            <a:off x="6516216" y="1412776"/>
-            <a:ext cx="1562318" cy="4734586"/>
-          </a:xfrm>
-          <a:prstGeom prst="rect">
-            <a:avLst/>
-          </a:prstGeom>
-        </p:spPr>
-      </p:pic>
-      <p:sp>
-        <p:nvSpPr>
-          <p:cNvPr id="5" name="圓角矩形 4"/>
-          <p:cNvSpPr/>
-          <p:nvPr/>
-        </p:nvSpPr>
-        <p:spPr>
-          <a:xfrm>
-            <a:off x="6372200" y="1844824"/>
-            <a:ext cx="1706334" cy="864096"/>
-          </a:xfrm>
-          <a:prstGeom prst="roundRect">
-            <a:avLst/>
-          </a:prstGeom>
-          <a:noFill/>
-          <a:ln>
-            <a:solidFill>
-              <a:srgbClr val="FF0000"/>
-            </a:solidFill>
-          </a:ln>
-        </p:spPr>
-        <p:style>
-          <a:lnRef idx="2">
-            <a:schemeClr val="accent1">
-              <a:shade val="50000"/>
-            </a:schemeClr>
-          </a:lnRef>
-          <a:fillRef idx="1">
-            <a:schemeClr val="accent1"/>
-          </a:fillRef>
-          <a:effectRef idx="0">
-            <a:schemeClr val="accent1"/>
-          </a:effectRef>
-          <a:fontRef idx="minor">
-            <a:schemeClr val="lt1"/>
-          </a:fontRef>
-        </p:style>
-        <p:txBody>
-          <a:bodyPr rtlCol="0" anchor="ctr"/>
-          <a:lstStyle/>
-          <a:p>
-            <a:pPr algn="ctr"/>
-            <a:endParaRPr lang="zh-TW" altLang="en-US"/>
-          </a:p>
-        </p:txBody>
-      </p:sp>
-    </p:spTree>
-    <p:extLst>
-      <p:ext uri="{BB962C8B-B14F-4D97-AF65-F5344CB8AC3E}">
-        <p14:creationId xmlns:p14="http://schemas.microsoft.com/office/powerpoint/2010/main" val="550522465"/>
       </p:ext>
     </p:extLst>
   </p:cSld>
@@ -6641,21 +6901,65 @@
           <a:p>
             <a:r>
               <a:rPr lang="en-US" altLang="zh-TW" dirty="0" smtClean="0"/>
-              <a:t>Encoder</a:t>
+              <a:t>Supervised </a:t>
+            </a:r>
+            <a:r>
+              <a:rPr lang="en-US" altLang="zh-TW" dirty="0" err="1" smtClean="0"/>
+              <a:t>Denoising</a:t>
+            </a:r>
+            <a:r>
+              <a:rPr lang="en-US" altLang="zh-TW" dirty="0" smtClean="0"/>
+              <a:t> AE</a:t>
             </a:r>
             <a:endParaRPr lang="zh-TW" altLang="en-US" dirty="0"/>
+          </a:p>
+        </p:txBody>
+      </p:sp>
+      <p:sp>
+        <p:nvSpPr>
+          <p:cNvPr id="3" name="內容版面配置區 2"/>
+          <p:cNvSpPr>
+            <a:spLocks noGrp="1"/>
+          </p:cNvSpPr>
+          <p:nvPr>
+            <p:ph idx="1"/>
+          </p:nvPr>
+        </p:nvSpPr>
+        <p:spPr/>
+        <p:txBody>
+          <a:bodyPr/>
+          <a:lstStyle/>
+          <a:p>
+            <a:r>
+              <a:rPr lang="en-US" altLang="zh-TW" dirty="0" smtClean="0"/>
+              <a:t>Dataset(from 10000 random)</a:t>
+            </a:r>
+          </a:p>
+          <a:p>
+            <a:r>
+              <a:rPr lang="en-US" altLang="zh-TW" dirty="0" smtClean="0"/>
+              <a:t>Train set (80%)</a:t>
+            </a:r>
+          </a:p>
+          <a:p>
+            <a:r>
+              <a:rPr lang="en-US" altLang="zh-TW" dirty="0" smtClean="0"/>
+              <a:t>Test set(20%)</a:t>
+            </a:r>
+          </a:p>
+          <a:p>
+            <a:pPr lvl="1"/>
+            <a:endParaRPr lang="en-US" altLang="zh-TW" dirty="0" smtClean="0"/>
           </a:p>
         </p:txBody>
       </p:sp>
       <p:pic>
         <p:nvPicPr>
-          <p:cNvPr id="4" name="內容版面配置區 3"/>
+          <p:cNvPr id="4" name="圖片 3" descr="畫面剪輯"/>
           <p:cNvPicPr>
-            <a:picLocks noGrp="1" noChangeAspect="1"/>
+            <a:picLocks noChangeAspect="1"/>
           </p:cNvPicPr>
-          <p:nvPr>
-            <p:ph idx="1"/>
-          </p:nvPr>
+          <p:nvPr/>
         </p:nvPicPr>
         <p:blipFill>
           <a:blip r:embed="rId2">
@@ -6671,45 +6975,64 @@
         </p:blipFill>
         <p:spPr>
           <a:xfrm>
-            <a:off x="1115616" y="2420888"/>
-            <a:ext cx="2181225" cy="2428875"/>
-          </a:xfrm>
-        </p:spPr>
-      </p:pic>
-      <p:pic>
-        <p:nvPicPr>
-          <p:cNvPr id="5" name="圖片 4" descr="畫面剪輯"/>
-          <p:cNvPicPr>
-            <a:picLocks noChangeAspect="1"/>
-          </p:cNvPicPr>
-          <p:nvPr/>
-        </p:nvPicPr>
-        <p:blipFill>
-          <a:blip r:embed="rId3">
-            <a:extLst>
-              <a:ext uri="{28A0092B-C50C-407E-A947-70E740481C1C}">
-                <a14:useLocalDpi xmlns:a14="http://schemas.microsoft.com/office/drawing/2010/main" val="0"/>
-              </a:ext>
-            </a:extLst>
-          </a:blip>
-          <a:stretch>
-            <a:fillRect/>
-          </a:stretch>
-        </p:blipFill>
-        <p:spPr>
-          <a:xfrm>
-            <a:off x="3563888" y="2492896"/>
-            <a:ext cx="5087060" cy="2038635"/>
+            <a:off x="6516216" y="1412776"/>
+            <a:ext cx="1562318" cy="4734586"/>
           </a:xfrm>
           <a:prstGeom prst="rect">
             <a:avLst/>
           </a:prstGeom>
         </p:spPr>
       </p:pic>
+      <p:sp>
+        <p:nvSpPr>
+          <p:cNvPr id="5" name="圓角矩形 4"/>
+          <p:cNvSpPr/>
+          <p:nvPr/>
+        </p:nvSpPr>
+        <p:spPr>
+          <a:xfrm>
+            <a:off x="6372200" y="1844824"/>
+            <a:ext cx="1706334" cy="864096"/>
+          </a:xfrm>
+          <a:prstGeom prst="roundRect">
+            <a:avLst/>
+          </a:prstGeom>
+          <a:noFill/>
+          <a:ln>
+            <a:solidFill>
+              <a:srgbClr val="FF0000"/>
+            </a:solidFill>
+          </a:ln>
+        </p:spPr>
+        <p:style>
+          <a:lnRef idx="2">
+            <a:schemeClr val="accent1">
+              <a:shade val="50000"/>
+            </a:schemeClr>
+          </a:lnRef>
+          <a:fillRef idx="1">
+            <a:schemeClr val="accent1"/>
+          </a:fillRef>
+          <a:effectRef idx="0">
+            <a:schemeClr val="accent1"/>
+          </a:effectRef>
+          <a:fontRef idx="minor">
+            <a:schemeClr val="lt1"/>
+          </a:fontRef>
+        </p:style>
+        <p:txBody>
+          <a:bodyPr rtlCol="0" anchor="ctr"/>
+          <a:lstStyle/>
+          <a:p>
+            <a:pPr algn="ctr"/>
+            <a:endParaRPr lang="zh-TW" altLang="en-US"/>
+          </a:p>
+        </p:txBody>
+      </p:sp>
     </p:spTree>
     <p:extLst>
       <p:ext uri="{BB962C8B-B14F-4D97-AF65-F5344CB8AC3E}">
-        <p14:creationId xmlns:p14="http://schemas.microsoft.com/office/powerpoint/2010/main" val="1253809794"/>
+        <p14:creationId xmlns:p14="http://schemas.microsoft.com/office/powerpoint/2010/main" val="550522465"/>
       </p:ext>
     </p:extLst>
   </p:cSld>

--- a/Slide/SDAE.pptx
+++ b/Slide/SDAE.pptx
@@ -33,6 +33,10 @@
     <p:sldId id="278" r:id="rId27"/>
     <p:sldId id="281" r:id="rId28"/>
     <p:sldId id="282" r:id="rId29"/>
+    <p:sldId id="286" r:id="rId30"/>
+    <p:sldId id="288" r:id="rId31"/>
+    <p:sldId id="287" r:id="rId32"/>
+    <p:sldId id="289" r:id="rId33"/>
   </p:sldIdLst>
   <p:sldSz cx="9144000" cy="6858000" type="screen4x3"/>
   <p:notesSz cx="6858000" cy="9144000"/>
@@ -315,7 +319,7 @@
           <a:p>
             <a:fld id="{5BBEAD13-0566-4C6C-97E7-55F17F24B09F}" type="datetimeFigureOut">
               <a:rPr lang="zh-TW" altLang="en-US" smtClean="0"/>
-              <a:t>2018/12/6</a:t>
+              <a:t>2018/12/10</a:t>
             </a:fld>
             <a:endParaRPr lang="zh-TW" altLang="en-US"/>
           </a:p>
@@ -480,7 +484,7 @@
           <a:p>
             <a:fld id="{5BBEAD13-0566-4C6C-97E7-55F17F24B09F}" type="datetimeFigureOut">
               <a:rPr lang="zh-TW" altLang="en-US" smtClean="0"/>
-              <a:t>2018/12/6</a:t>
+              <a:t>2018/12/10</a:t>
             </a:fld>
             <a:endParaRPr lang="zh-TW" altLang="en-US"/>
           </a:p>
@@ -655,7 +659,7 @@
           <a:p>
             <a:fld id="{5BBEAD13-0566-4C6C-97E7-55F17F24B09F}" type="datetimeFigureOut">
               <a:rPr lang="zh-TW" altLang="en-US" smtClean="0"/>
-              <a:t>2018/12/6</a:t>
+              <a:t>2018/12/10</a:t>
             </a:fld>
             <a:endParaRPr lang="zh-TW" altLang="en-US"/>
           </a:p>
@@ -820,7 +824,7 @@
           <a:p>
             <a:fld id="{5BBEAD13-0566-4C6C-97E7-55F17F24B09F}" type="datetimeFigureOut">
               <a:rPr lang="zh-TW" altLang="en-US" smtClean="0"/>
-              <a:t>2018/12/6</a:t>
+              <a:t>2018/12/10</a:t>
             </a:fld>
             <a:endParaRPr lang="zh-TW" altLang="en-US"/>
           </a:p>
@@ -1061,7 +1065,7 @@
           <a:p>
             <a:fld id="{5BBEAD13-0566-4C6C-97E7-55F17F24B09F}" type="datetimeFigureOut">
               <a:rPr lang="zh-TW" altLang="en-US" smtClean="0"/>
-              <a:t>2018/12/6</a:t>
+              <a:t>2018/12/10</a:t>
             </a:fld>
             <a:endParaRPr lang="zh-TW" altLang="en-US"/>
           </a:p>
@@ -1344,7 +1348,7 @@
           <a:p>
             <a:fld id="{5BBEAD13-0566-4C6C-97E7-55F17F24B09F}" type="datetimeFigureOut">
               <a:rPr lang="zh-TW" altLang="en-US" smtClean="0"/>
-              <a:t>2018/12/6</a:t>
+              <a:t>2018/12/10</a:t>
             </a:fld>
             <a:endParaRPr lang="zh-TW" altLang="en-US"/>
           </a:p>
@@ -1761,7 +1765,7 @@
           <a:p>
             <a:fld id="{5BBEAD13-0566-4C6C-97E7-55F17F24B09F}" type="datetimeFigureOut">
               <a:rPr lang="zh-TW" altLang="en-US" smtClean="0"/>
-              <a:t>2018/12/6</a:t>
+              <a:t>2018/12/10</a:t>
             </a:fld>
             <a:endParaRPr lang="zh-TW" altLang="en-US"/>
           </a:p>
@@ -1874,7 +1878,7 @@
           <a:p>
             <a:fld id="{5BBEAD13-0566-4C6C-97E7-55F17F24B09F}" type="datetimeFigureOut">
               <a:rPr lang="zh-TW" altLang="en-US" smtClean="0"/>
-              <a:t>2018/12/6</a:t>
+              <a:t>2018/12/10</a:t>
             </a:fld>
             <a:endParaRPr lang="zh-TW" altLang="en-US"/>
           </a:p>
@@ -1964,7 +1968,7 @@
           <a:p>
             <a:fld id="{5BBEAD13-0566-4C6C-97E7-55F17F24B09F}" type="datetimeFigureOut">
               <a:rPr lang="zh-TW" altLang="en-US" smtClean="0"/>
-              <a:t>2018/12/6</a:t>
+              <a:t>2018/12/10</a:t>
             </a:fld>
             <a:endParaRPr lang="zh-TW" altLang="en-US"/>
           </a:p>
@@ -2236,7 +2240,7 @@
           <a:p>
             <a:fld id="{5BBEAD13-0566-4C6C-97E7-55F17F24B09F}" type="datetimeFigureOut">
               <a:rPr lang="zh-TW" altLang="en-US" smtClean="0"/>
-              <a:t>2018/12/6</a:t>
+              <a:t>2018/12/10</a:t>
             </a:fld>
             <a:endParaRPr lang="zh-TW" altLang="en-US"/>
           </a:p>
@@ -2484,7 +2488,7 @@
           <a:p>
             <a:fld id="{5BBEAD13-0566-4C6C-97E7-55F17F24B09F}" type="datetimeFigureOut">
               <a:rPr lang="zh-TW" altLang="en-US" smtClean="0"/>
-              <a:t>2018/12/6</a:t>
+              <a:t>2018/12/10</a:t>
             </a:fld>
             <a:endParaRPr lang="zh-TW" altLang="en-US"/>
           </a:p>
@@ -2692,7 +2696,7 @@
           <a:p>
             <a:fld id="{5BBEAD13-0566-4C6C-97E7-55F17F24B09F}" type="datetimeFigureOut">
               <a:rPr lang="zh-TW" altLang="en-US" smtClean="0"/>
-              <a:t>2018/12/6</a:t>
+              <a:t>2018/12/10</a:t>
             </a:fld>
             <a:endParaRPr lang="zh-TW" altLang="en-US"/>
           </a:p>
@@ -5104,17 +5108,17 @@
         <p:spPr/>
         <p:txBody>
           <a:bodyPr>
-            <a:normAutofit fontScale="90000"/>
+            <a:normAutofit/>
           </a:bodyPr>
           <a:lstStyle/>
           <a:p>
             <a:r>
               <a:rPr lang="en-US" altLang="zh-TW" dirty="0" smtClean="0"/>
-              <a:t>Similarity in R,UR,(R-UR)/2 on </a:t>
-            </a:r>
-            <a:r>
-              <a:rPr lang="en-US" altLang="zh-TW" dirty="0" err="1" smtClean="0"/>
-              <a:t>TrainSet</a:t>
+              <a:t>Similarity in R,UR,(R-UR)/</a:t>
+            </a:r>
+            <a:r>
+              <a:rPr lang="en-US" altLang="zh-TW" dirty="0" smtClean="0"/>
+              <a:t>2</a:t>
             </a:r>
             <a:endParaRPr lang="zh-TW" altLang="en-US" dirty="0"/>
           </a:p>
@@ -5714,6 +5718,363 @@
 </p:sld>
 </file>
 
+<file path=ppt/slides/slide29.xml><?xml version="1.0" encoding="utf-8"?>
+<p:sld xmlns:a="http://schemas.openxmlformats.org/drawingml/2006/main" xmlns:r="http://schemas.openxmlformats.org/officeDocument/2006/relationships" xmlns:p="http://schemas.openxmlformats.org/presentationml/2006/main">
+  <p:cSld>
+    <p:spTree>
+      <p:nvGrpSpPr>
+        <p:cNvPr id="1" name=""/>
+        <p:cNvGrpSpPr/>
+        <p:nvPr/>
+      </p:nvGrpSpPr>
+      <p:grpSpPr>
+        <a:xfrm>
+          <a:off x="0" y="0"/>
+          <a:ext cx="0" cy="0"/>
+          <a:chOff x="0" y="0"/>
+          <a:chExt cx="0" cy="0"/>
+        </a:xfrm>
+      </p:grpSpPr>
+      <p:pic>
+        <p:nvPicPr>
+          <p:cNvPr id="6" name="圖片 5" descr="畫面剪輯"/>
+          <p:cNvPicPr>
+            <a:picLocks noChangeAspect="1"/>
+          </p:cNvPicPr>
+          <p:nvPr/>
+        </p:nvPicPr>
+        <p:blipFill>
+          <a:blip r:embed="rId2">
+            <a:extLst>
+              <a:ext uri="{28A0092B-C50C-407E-A947-70E740481C1C}">
+                <a14:useLocalDpi xmlns:a14="http://schemas.microsoft.com/office/drawing/2010/main" val="0"/>
+              </a:ext>
+            </a:extLst>
+          </a:blip>
+          <a:stretch>
+            <a:fillRect/>
+          </a:stretch>
+        </p:blipFill>
+        <p:spPr>
+          <a:xfrm>
+            <a:off x="906475" y="2000306"/>
+            <a:ext cx="1562318" cy="4734586"/>
+          </a:xfrm>
+          <a:prstGeom prst="rect">
+            <a:avLst/>
+          </a:prstGeom>
+        </p:spPr>
+      </p:pic>
+      <p:sp>
+        <p:nvSpPr>
+          <p:cNvPr id="2" name="文字方塊 1"/>
+          <p:cNvSpPr txBox="1"/>
+          <p:nvPr/>
+        </p:nvSpPr>
+        <p:spPr>
+          <a:xfrm>
+            <a:off x="899592" y="1424242"/>
+            <a:ext cx="1338828" cy="369332"/>
+          </a:xfrm>
+          <a:prstGeom prst="rect">
+            <a:avLst/>
+          </a:prstGeom>
+          <a:noFill/>
+          <a:ln>
+            <a:solidFill>
+              <a:schemeClr val="accent1"/>
+            </a:solidFill>
+          </a:ln>
+        </p:spPr>
+        <p:txBody>
+          <a:bodyPr wrap="none" rtlCol="0">
+            <a:spAutoFit/>
+          </a:bodyPr>
+          <a:lstStyle/>
+          <a:p>
+            <a:r>
+              <a:rPr lang="zh-TW" altLang="en-US" dirty="0" smtClean="0"/>
+              <a:t>隨機一萬篇</a:t>
+            </a:r>
+            <a:endParaRPr lang="zh-TW" altLang="en-US" dirty="0"/>
+          </a:p>
+        </p:txBody>
+      </p:sp>
+      <p:pic>
+        <p:nvPicPr>
+          <p:cNvPr id="3" name="圖片 2" descr="畫面剪輯"/>
+          <p:cNvPicPr>
+            <a:picLocks noChangeAspect="1"/>
+          </p:cNvPicPr>
+          <p:nvPr/>
+        </p:nvPicPr>
+        <p:blipFill>
+          <a:blip r:embed="rId3">
+            <a:extLst>
+              <a:ext uri="{28A0092B-C50C-407E-A947-70E740481C1C}">
+                <a14:useLocalDpi xmlns:a14="http://schemas.microsoft.com/office/drawing/2010/main" val="0"/>
+              </a:ext>
+            </a:extLst>
+          </a:blip>
+          <a:stretch>
+            <a:fillRect/>
+          </a:stretch>
+        </p:blipFill>
+        <p:spPr>
+          <a:xfrm>
+            <a:off x="3386510" y="1998425"/>
+            <a:ext cx="1581371" cy="4544060"/>
+          </a:xfrm>
+          <a:prstGeom prst="rect">
+            <a:avLst/>
+          </a:prstGeom>
+        </p:spPr>
+      </p:pic>
+      <p:sp>
+        <p:nvSpPr>
+          <p:cNvPr id="5" name="文字方塊 4"/>
+          <p:cNvSpPr txBox="1"/>
+          <p:nvPr/>
+        </p:nvSpPr>
+        <p:spPr>
+          <a:xfrm>
+            <a:off x="3406061" y="1412776"/>
+            <a:ext cx="1338828" cy="369332"/>
+          </a:xfrm>
+          <a:prstGeom prst="rect">
+            <a:avLst/>
+          </a:prstGeom>
+          <a:noFill/>
+          <a:ln>
+            <a:solidFill>
+              <a:schemeClr val="accent1"/>
+            </a:solidFill>
+          </a:ln>
+        </p:spPr>
+        <p:txBody>
+          <a:bodyPr wrap="none" rtlCol="0">
+            <a:spAutoFit/>
+          </a:bodyPr>
+          <a:lstStyle/>
+          <a:p>
+            <a:r>
+              <a:rPr lang="zh-TW" altLang="en-US" dirty="0" smtClean="0"/>
+              <a:t>隨機</a:t>
+            </a:r>
+            <a:r>
+              <a:rPr lang="zh-TW" altLang="en-US" dirty="0"/>
+              <a:t>五</a:t>
+            </a:r>
+            <a:r>
+              <a:rPr lang="zh-TW" altLang="en-US" dirty="0" smtClean="0"/>
+              <a:t>萬篇</a:t>
+            </a:r>
+            <a:endParaRPr lang="zh-TW" altLang="en-US" dirty="0"/>
+          </a:p>
+        </p:txBody>
+      </p:sp>
+      <p:pic>
+        <p:nvPicPr>
+          <p:cNvPr id="4" name="圖片 3" descr="畫面剪輯"/>
+          <p:cNvPicPr>
+            <a:picLocks noChangeAspect="1"/>
+          </p:cNvPicPr>
+          <p:nvPr/>
+        </p:nvPicPr>
+        <p:blipFill>
+          <a:blip r:embed="rId4">
+            <a:extLst>
+              <a:ext uri="{28A0092B-C50C-407E-A947-70E740481C1C}">
+                <a14:useLocalDpi xmlns:a14="http://schemas.microsoft.com/office/drawing/2010/main" val="0"/>
+              </a:ext>
+            </a:extLst>
+          </a:blip>
+          <a:stretch>
+            <a:fillRect/>
+          </a:stretch>
+        </p:blipFill>
+        <p:spPr>
+          <a:xfrm>
+            <a:off x="5234488" y="2030042"/>
+            <a:ext cx="1571844" cy="4239217"/>
+          </a:xfrm>
+          <a:prstGeom prst="rect">
+            <a:avLst/>
+          </a:prstGeom>
+        </p:spPr>
+      </p:pic>
+      <p:sp>
+        <p:nvSpPr>
+          <p:cNvPr id="7" name="文字方塊 6"/>
+          <p:cNvSpPr txBox="1"/>
+          <p:nvPr/>
+        </p:nvSpPr>
+        <p:spPr>
+          <a:xfrm>
+            <a:off x="5234488" y="1285742"/>
+            <a:ext cx="1389098" cy="646331"/>
+          </a:xfrm>
+          <a:prstGeom prst="rect">
+            <a:avLst/>
+          </a:prstGeom>
+          <a:noFill/>
+          <a:ln>
+            <a:solidFill>
+              <a:schemeClr val="accent1"/>
+            </a:solidFill>
+          </a:ln>
+        </p:spPr>
+        <p:txBody>
+          <a:bodyPr wrap="none" rtlCol="0">
+            <a:spAutoFit/>
+          </a:bodyPr>
+          <a:lstStyle/>
+          <a:p>
+            <a:r>
+              <a:rPr lang="en-US" altLang="zh-TW" dirty="0" err="1" smtClean="0"/>
+              <a:t>Trainset</a:t>
+            </a:r>
+            <a:r>
+              <a:rPr lang="en-US" altLang="zh-TW" dirty="0" smtClean="0"/>
+              <a:t>(3/4</a:t>
+            </a:r>
+            <a:r>
+              <a:rPr lang="en-US" altLang="zh-TW" dirty="0" smtClean="0"/>
+              <a:t>)</a:t>
+            </a:r>
+          </a:p>
+          <a:p>
+            <a:r>
+              <a:rPr lang="en-US" altLang="zh-TW" dirty="0" smtClean="0"/>
+              <a:t>(37509)</a:t>
+            </a:r>
+            <a:endParaRPr lang="zh-TW" altLang="en-US" dirty="0"/>
+          </a:p>
+        </p:txBody>
+      </p:sp>
+      <p:pic>
+        <p:nvPicPr>
+          <p:cNvPr id="8" name="圖片 7" descr="畫面剪輯"/>
+          <p:cNvPicPr>
+            <a:picLocks noChangeAspect="1"/>
+          </p:cNvPicPr>
+          <p:nvPr/>
+        </p:nvPicPr>
+        <p:blipFill>
+          <a:blip r:embed="rId5">
+            <a:extLst>
+              <a:ext uri="{28A0092B-C50C-407E-A947-70E740481C1C}">
+                <a14:useLocalDpi xmlns:a14="http://schemas.microsoft.com/office/drawing/2010/main" val="0"/>
+              </a:ext>
+            </a:extLst>
+          </a:blip>
+          <a:stretch>
+            <a:fillRect/>
+          </a:stretch>
+        </p:blipFill>
+        <p:spPr>
+          <a:xfrm>
+            <a:off x="6890672" y="2000306"/>
+            <a:ext cx="1514687" cy="4258270"/>
+          </a:xfrm>
+          <a:prstGeom prst="rect">
+            <a:avLst/>
+          </a:prstGeom>
+        </p:spPr>
+      </p:pic>
+      <p:sp>
+        <p:nvSpPr>
+          <p:cNvPr id="9" name="文字方塊 8"/>
+          <p:cNvSpPr txBox="1"/>
+          <p:nvPr/>
+        </p:nvSpPr>
+        <p:spPr>
+          <a:xfrm>
+            <a:off x="6964743" y="1353975"/>
+            <a:ext cx="1301703" cy="646331"/>
+          </a:xfrm>
+          <a:prstGeom prst="rect">
+            <a:avLst/>
+          </a:prstGeom>
+          <a:noFill/>
+          <a:ln>
+            <a:solidFill>
+              <a:schemeClr val="accent1"/>
+            </a:solidFill>
+          </a:ln>
+        </p:spPr>
+        <p:txBody>
+          <a:bodyPr wrap="none" rtlCol="0">
+            <a:spAutoFit/>
+          </a:bodyPr>
+          <a:lstStyle/>
+          <a:p>
+            <a:r>
+              <a:rPr lang="en-US" altLang="zh-TW" dirty="0" err="1" smtClean="0"/>
+              <a:t>Testset</a:t>
+            </a:r>
+            <a:r>
+              <a:rPr lang="en-US" altLang="zh-TW" dirty="0" smtClean="0"/>
+              <a:t>(1/4)</a:t>
+            </a:r>
+          </a:p>
+          <a:p>
+            <a:r>
+              <a:rPr lang="en-US" altLang="zh-TW" dirty="0" smtClean="0"/>
+              <a:t>(12491)</a:t>
+            </a:r>
+            <a:endParaRPr lang="zh-TW" altLang="en-US" dirty="0"/>
+          </a:p>
+        </p:txBody>
+      </p:sp>
+      <p:sp>
+        <p:nvSpPr>
+          <p:cNvPr id="10" name="標題 1"/>
+          <p:cNvSpPr>
+            <a:spLocks noGrp="1"/>
+          </p:cNvSpPr>
+          <p:nvPr>
+            <p:ph type="title"/>
+          </p:nvPr>
+        </p:nvSpPr>
+        <p:spPr>
+          <a:xfrm>
+            <a:off x="467544" y="116632"/>
+            <a:ext cx="8229600" cy="1143000"/>
+          </a:xfrm>
+        </p:spPr>
+        <p:txBody>
+          <a:bodyPr/>
+          <a:lstStyle/>
+          <a:p>
+            <a:r>
+              <a:rPr lang="en-US" altLang="zh-TW" dirty="0" smtClean="0"/>
+              <a:t>50,000 news in all industry</a:t>
+            </a:r>
+            <a:endParaRPr lang="zh-TW" altLang="en-US" dirty="0"/>
+          </a:p>
+        </p:txBody>
+      </p:sp>
+    </p:spTree>
+    <p:extLst>
+      <p:ext uri="{BB962C8B-B14F-4D97-AF65-F5344CB8AC3E}">
+        <p14:creationId xmlns:p14="http://schemas.microsoft.com/office/powerpoint/2010/main" val="202286264"/>
+      </p:ext>
+    </p:extLst>
+  </p:cSld>
+  <p:clrMapOvr>
+    <a:masterClrMapping/>
+  </p:clrMapOvr>
+  <p:timing>
+    <p:tnLst>
+      <p:par>
+        <p:cTn id="1" dur="indefinite" restart="never" nodeType="tmRoot"/>
+      </p:par>
+    </p:tnLst>
+  </p:timing>
+</p:sld>
+</file>
+
 <file path=ppt/slides/slide3.xml><?xml version="1.0" encoding="utf-8"?>
 <p:sld xmlns:a="http://schemas.openxmlformats.org/drawingml/2006/main" xmlns:r="http://schemas.openxmlformats.org/officeDocument/2006/relationships" xmlns:p="http://schemas.openxmlformats.org/presentationml/2006/main">
   <p:cSld>
@@ -5801,6 +6162,2293 @@
   <p:clrMapOvr>
     <a:masterClrMapping/>
   </p:clrMapOvr>
+</p:sld>
+</file>
+
+<file path=ppt/slides/slide30.xml><?xml version="1.0" encoding="utf-8"?>
+<p:sld xmlns:a="http://schemas.openxmlformats.org/drawingml/2006/main" xmlns:r="http://schemas.openxmlformats.org/officeDocument/2006/relationships" xmlns:p="http://schemas.openxmlformats.org/presentationml/2006/main">
+  <p:cSld>
+    <p:spTree>
+      <p:nvGrpSpPr>
+        <p:cNvPr id="1" name=""/>
+        <p:cNvGrpSpPr/>
+        <p:nvPr/>
+      </p:nvGrpSpPr>
+      <p:grpSpPr>
+        <a:xfrm>
+          <a:off x="0" y="0"/>
+          <a:ext cx="0" cy="0"/>
+          <a:chOff x="0" y="0"/>
+          <a:chExt cx="0" cy="0"/>
+        </a:xfrm>
+      </p:grpSpPr>
+      <p:pic>
+        <p:nvPicPr>
+          <p:cNvPr id="4" name="圖片 3" descr="畫面剪輯"/>
+          <p:cNvPicPr>
+            <a:picLocks noChangeAspect="1"/>
+          </p:cNvPicPr>
+          <p:nvPr/>
+        </p:nvPicPr>
+        <p:blipFill>
+          <a:blip r:embed="rId2">
+            <a:extLst>
+              <a:ext uri="{28A0092B-C50C-407E-A947-70E740481C1C}">
+                <a14:useLocalDpi xmlns:a14="http://schemas.microsoft.com/office/drawing/2010/main" val="0"/>
+              </a:ext>
+            </a:extLst>
+          </a:blip>
+          <a:stretch>
+            <a:fillRect/>
+          </a:stretch>
+        </p:blipFill>
+        <p:spPr>
+          <a:xfrm>
+            <a:off x="5940152" y="0"/>
+            <a:ext cx="3038899" cy="6668431"/>
+          </a:xfrm>
+          <a:prstGeom prst="rect">
+            <a:avLst/>
+          </a:prstGeom>
+        </p:spPr>
+      </p:pic>
+      <p:pic>
+        <p:nvPicPr>
+          <p:cNvPr id="5" name="圖片 4" descr="畫面剪輯"/>
+          <p:cNvPicPr>
+            <a:picLocks noChangeAspect="1"/>
+          </p:cNvPicPr>
+          <p:nvPr/>
+        </p:nvPicPr>
+        <p:blipFill>
+          <a:blip r:embed="rId3">
+            <a:extLst>
+              <a:ext uri="{28A0092B-C50C-407E-A947-70E740481C1C}">
+                <a14:useLocalDpi xmlns:a14="http://schemas.microsoft.com/office/drawing/2010/main" val="0"/>
+              </a:ext>
+            </a:extLst>
+          </a:blip>
+          <a:stretch>
+            <a:fillRect/>
+          </a:stretch>
+        </p:blipFill>
+        <p:spPr>
+          <a:xfrm>
+            <a:off x="2962235" y="44624"/>
+            <a:ext cx="2953162" cy="6668431"/>
+          </a:xfrm>
+          <a:prstGeom prst="rect">
+            <a:avLst/>
+          </a:prstGeom>
+        </p:spPr>
+      </p:pic>
+      <p:pic>
+        <p:nvPicPr>
+          <p:cNvPr id="6" name="圖片 5" descr="畫面剪輯"/>
+          <p:cNvPicPr>
+            <a:picLocks noChangeAspect="1"/>
+          </p:cNvPicPr>
+          <p:nvPr/>
+        </p:nvPicPr>
+        <p:blipFill>
+          <a:blip r:embed="rId4">
+            <a:extLst>
+              <a:ext uri="{28A0092B-C50C-407E-A947-70E740481C1C}">
+                <a14:useLocalDpi xmlns:a14="http://schemas.microsoft.com/office/drawing/2010/main" val="0"/>
+              </a:ext>
+            </a:extLst>
+          </a:blip>
+          <a:stretch>
+            <a:fillRect/>
+          </a:stretch>
+        </p:blipFill>
+        <p:spPr>
+          <a:xfrm>
+            <a:off x="395536" y="426317"/>
+            <a:ext cx="2160240" cy="6207437"/>
+          </a:xfrm>
+          <a:prstGeom prst="rect">
+            <a:avLst/>
+          </a:prstGeom>
+        </p:spPr>
+      </p:pic>
+    </p:spTree>
+    <p:extLst>
+      <p:ext uri="{BB962C8B-B14F-4D97-AF65-F5344CB8AC3E}">
+        <p14:creationId xmlns:p14="http://schemas.microsoft.com/office/powerpoint/2010/main" val="3284564310"/>
+      </p:ext>
+    </p:extLst>
+  </p:cSld>
+  <p:clrMapOvr>
+    <a:masterClrMapping/>
+  </p:clrMapOvr>
+  <p:timing>
+    <p:tnLst>
+      <p:par>
+        <p:cTn id="1" dur="indefinite" restart="never" nodeType="tmRoot"/>
+      </p:par>
+    </p:tnLst>
+  </p:timing>
+</p:sld>
+</file>
+
+<file path=ppt/slides/slide31.xml><?xml version="1.0" encoding="utf-8"?>
+<p:sld xmlns:a="http://schemas.openxmlformats.org/drawingml/2006/main" xmlns:r="http://schemas.openxmlformats.org/officeDocument/2006/relationships" xmlns:p="http://schemas.openxmlformats.org/presentationml/2006/main">
+  <p:cSld>
+    <p:spTree>
+      <p:nvGrpSpPr>
+        <p:cNvPr id="1" name=""/>
+        <p:cNvGrpSpPr/>
+        <p:nvPr/>
+      </p:nvGrpSpPr>
+      <p:grpSpPr>
+        <a:xfrm>
+          <a:off x="0" y="0"/>
+          <a:ext cx="0" cy="0"/>
+          <a:chOff x="0" y="0"/>
+          <a:chExt cx="0" cy="0"/>
+        </a:xfrm>
+      </p:grpSpPr>
+      <p:grpSp>
+        <p:nvGrpSpPr>
+          <p:cNvPr id="67" name="群組 66"/>
+          <p:cNvGrpSpPr/>
+          <p:nvPr/>
+        </p:nvGrpSpPr>
+        <p:grpSpPr>
+          <a:xfrm>
+            <a:off x="894159" y="17190"/>
+            <a:ext cx="7632848" cy="7632848"/>
+            <a:chOff x="750987" y="-99392"/>
+            <a:chExt cx="7632848" cy="7632848"/>
+          </a:xfrm>
+        </p:grpSpPr>
+        <p:pic>
+          <p:nvPicPr>
+            <p:cNvPr id="4" name="圖片 3"/>
+            <p:cNvPicPr>
+              <a:picLocks noChangeAspect="1"/>
+            </p:cNvPicPr>
+            <p:nvPr/>
+          </p:nvPicPr>
+          <p:blipFill>
+            <a:blip r:embed="rId2">
+              <a:extLst>
+                <a:ext uri="{28A0092B-C50C-407E-A947-70E740481C1C}">
+                  <a14:useLocalDpi xmlns:a14="http://schemas.microsoft.com/office/drawing/2010/main" val="0"/>
+                </a:ext>
+              </a:extLst>
+            </a:blip>
+            <a:stretch>
+              <a:fillRect/>
+            </a:stretch>
+          </p:blipFill>
+          <p:spPr>
+            <a:xfrm>
+              <a:off x="750987" y="-99392"/>
+              <a:ext cx="7632848" cy="7632848"/>
+            </a:xfrm>
+            <a:prstGeom prst="rect">
+              <a:avLst/>
+            </a:prstGeom>
+          </p:spPr>
+        </p:pic>
+        <p:sp>
+          <p:nvSpPr>
+            <p:cNvPr id="5" name="橢圓 4"/>
+            <p:cNvSpPr/>
+            <p:nvPr/>
+          </p:nvSpPr>
+          <p:spPr>
+            <a:xfrm>
+              <a:off x="2051720" y="3465004"/>
+              <a:ext cx="504056" cy="504056"/>
+            </a:xfrm>
+            <a:prstGeom prst="ellipse">
+              <a:avLst/>
+            </a:prstGeom>
+            <a:noFill/>
+            <a:ln w="6350">
+              <a:solidFill>
+                <a:srgbClr val="FF0000"/>
+              </a:solidFill>
+            </a:ln>
+          </p:spPr>
+          <p:style>
+            <a:lnRef idx="2">
+              <a:schemeClr val="accent1">
+                <a:shade val="50000"/>
+              </a:schemeClr>
+            </a:lnRef>
+            <a:fillRef idx="1">
+              <a:schemeClr val="accent1"/>
+            </a:fillRef>
+            <a:effectRef idx="0">
+              <a:schemeClr val="accent1"/>
+            </a:effectRef>
+            <a:fontRef idx="minor">
+              <a:schemeClr val="lt1"/>
+            </a:fontRef>
+          </p:style>
+          <p:txBody>
+            <a:bodyPr rtlCol="0" anchor="ctr"/>
+            <a:lstStyle/>
+            <a:p>
+              <a:pPr algn="ctr"/>
+              <a:endParaRPr lang="zh-TW" altLang="en-US" sz="800" dirty="0"/>
+            </a:p>
+          </p:txBody>
+        </p:sp>
+        <p:sp>
+          <p:nvSpPr>
+            <p:cNvPr id="6" name="文字方塊 5"/>
+            <p:cNvSpPr txBox="1"/>
+            <p:nvPr/>
+          </p:nvSpPr>
+          <p:spPr>
+            <a:xfrm>
+              <a:off x="1965293" y="3212976"/>
+              <a:ext cx="646331" cy="230832"/>
+            </a:xfrm>
+            <a:prstGeom prst="rect">
+              <a:avLst/>
+            </a:prstGeom>
+            <a:noFill/>
+          </p:spPr>
+          <p:txBody>
+            <a:bodyPr wrap="none" rtlCol="0">
+              <a:spAutoFit/>
+            </a:bodyPr>
+            <a:lstStyle/>
+            <a:p>
+              <a:r>
+                <a:rPr lang="zh-TW" altLang="en-US" sz="900" dirty="0"/>
+                <a:t>傳播出版</a:t>
+              </a:r>
+            </a:p>
+          </p:txBody>
+        </p:sp>
+        <p:sp>
+          <p:nvSpPr>
+            <p:cNvPr id="7" name="橢圓 6"/>
+            <p:cNvSpPr/>
+            <p:nvPr/>
+          </p:nvSpPr>
+          <p:spPr>
+            <a:xfrm>
+              <a:off x="2776624" y="2887030"/>
+              <a:ext cx="931279" cy="577974"/>
+            </a:xfrm>
+            <a:prstGeom prst="ellipse">
+              <a:avLst/>
+            </a:prstGeom>
+            <a:noFill/>
+            <a:ln w="6350">
+              <a:solidFill>
+                <a:srgbClr val="FF0000"/>
+              </a:solidFill>
+            </a:ln>
+          </p:spPr>
+          <p:style>
+            <a:lnRef idx="2">
+              <a:schemeClr val="accent1">
+                <a:shade val="50000"/>
+              </a:schemeClr>
+            </a:lnRef>
+            <a:fillRef idx="1">
+              <a:schemeClr val="accent1"/>
+            </a:fillRef>
+            <a:effectRef idx="0">
+              <a:schemeClr val="accent1"/>
+            </a:effectRef>
+            <a:fontRef idx="minor">
+              <a:schemeClr val="lt1"/>
+            </a:fontRef>
+          </p:style>
+          <p:txBody>
+            <a:bodyPr rtlCol="0" anchor="ctr"/>
+            <a:lstStyle/>
+            <a:p>
+              <a:pPr algn="ctr"/>
+              <a:endParaRPr lang="zh-TW" altLang="en-US" sz="800" dirty="0"/>
+            </a:p>
+          </p:txBody>
+        </p:sp>
+        <p:sp>
+          <p:nvSpPr>
+            <p:cNvPr id="8" name="文字方塊 7"/>
+            <p:cNvSpPr txBox="1"/>
+            <p:nvPr/>
+          </p:nvSpPr>
+          <p:spPr>
+            <a:xfrm>
+              <a:off x="2751125" y="2771614"/>
+              <a:ext cx="646331" cy="230832"/>
+            </a:xfrm>
+            <a:prstGeom prst="rect">
+              <a:avLst/>
+            </a:prstGeom>
+            <a:noFill/>
+          </p:spPr>
+          <p:txBody>
+            <a:bodyPr wrap="none" rtlCol="0">
+              <a:spAutoFit/>
+            </a:bodyPr>
+            <a:lstStyle/>
+            <a:p>
+              <a:r>
+                <a:rPr lang="zh-TW" altLang="en-US" sz="900" dirty="0"/>
+                <a:t>生技醫療</a:t>
+              </a:r>
+            </a:p>
+          </p:txBody>
+        </p:sp>
+        <p:sp>
+          <p:nvSpPr>
+            <p:cNvPr id="9" name="橢圓 8"/>
+            <p:cNvSpPr/>
+            <p:nvPr/>
+          </p:nvSpPr>
+          <p:spPr>
+            <a:xfrm>
+              <a:off x="5220072" y="1700808"/>
+              <a:ext cx="931279" cy="864096"/>
+            </a:xfrm>
+            <a:prstGeom prst="ellipse">
+              <a:avLst/>
+            </a:prstGeom>
+            <a:noFill/>
+            <a:ln w="6350">
+              <a:solidFill>
+                <a:srgbClr val="FF0000"/>
+              </a:solidFill>
+            </a:ln>
+          </p:spPr>
+          <p:style>
+            <a:lnRef idx="2">
+              <a:schemeClr val="accent1">
+                <a:shade val="50000"/>
+              </a:schemeClr>
+            </a:lnRef>
+            <a:fillRef idx="1">
+              <a:schemeClr val="accent1"/>
+            </a:fillRef>
+            <a:effectRef idx="0">
+              <a:schemeClr val="accent1"/>
+            </a:effectRef>
+            <a:fontRef idx="minor">
+              <a:schemeClr val="lt1"/>
+            </a:fontRef>
+          </p:style>
+          <p:txBody>
+            <a:bodyPr rtlCol="0" anchor="ctr"/>
+            <a:lstStyle/>
+            <a:p>
+              <a:pPr algn="ctr"/>
+              <a:endParaRPr lang="zh-TW" altLang="en-US" sz="800" dirty="0"/>
+            </a:p>
+          </p:txBody>
+        </p:sp>
+        <p:sp>
+          <p:nvSpPr>
+            <p:cNvPr id="10" name="文字方塊 9"/>
+            <p:cNvSpPr txBox="1"/>
+            <p:nvPr/>
+          </p:nvSpPr>
+          <p:spPr>
+            <a:xfrm>
+              <a:off x="6012160" y="1791891"/>
+              <a:ext cx="646331" cy="230832"/>
+            </a:xfrm>
+            <a:prstGeom prst="rect">
+              <a:avLst/>
+            </a:prstGeom>
+            <a:noFill/>
+          </p:spPr>
+          <p:txBody>
+            <a:bodyPr wrap="none" rtlCol="0">
+              <a:spAutoFit/>
+            </a:bodyPr>
+            <a:lstStyle/>
+            <a:p>
+              <a:r>
+                <a:rPr lang="zh-TW" altLang="en-US" sz="900" dirty="0" smtClean="0"/>
+                <a:t>鋼鐵金屬</a:t>
+              </a:r>
+              <a:endParaRPr lang="zh-TW" altLang="en-US" sz="900" dirty="0"/>
+            </a:p>
+          </p:txBody>
+        </p:sp>
+        <p:sp>
+          <p:nvSpPr>
+            <p:cNvPr id="11" name="橢圓 10"/>
+            <p:cNvSpPr/>
+            <p:nvPr/>
+          </p:nvSpPr>
+          <p:spPr>
+            <a:xfrm>
+              <a:off x="4499992" y="2257915"/>
+              <a:ext cx="216024" cy="162973"/>
+            </a:xfrm>
+            <a:prstGeom prst="ellipse">
+              <a:avLst/>
+            </a:prstGeom>
+            <a:noFill/>
+            <a:ln w="6350">
+              <a:solidFill>
+                <a:srgbClr val="FF0000"/>
+              </a:solidFill>
+            </a:ln>
+          </p:spPr>
+          <p:style>
+            <a:lnRef idx="2">
+              <a:schemeClr val="accent1">
+                <a:shade val="50000"/>
+              </a:schemeClr>
+            </a:lnRef>
+            <a:fillRef idx="1">
+              <a:schemeClr val="accent1"/>
+            </a:fillRef>
+            <a:effectRef idx="0">
+              <a:schemeClr val="accent1"/>
+            </a:effectRef>
+            <a:fontRef idx="minor">
+              <a:schemeClr val="lt1"/>
+            </a:fontRef>
+          </p:style>
+          <p:txBody>
+            <a:bodyPr rtlCol="0" anchor="ctr"/>
+            <a:lstStyle/>
+            <a:p>
+              <a:pPr algn="ctr"/>
+              <a:endParaRPr lang="zh-TW" altLang="en-US" sz="800" dirty="0"/>
+            </a:p>
+          </p:txBody>
+        </p:sp>
+        <p:sp>
+          <p:nvSpPr>
+            <p:cNvPr id="12" name="文字方塊 11"/>
+            <p:cNvSpPr txBox="1"/>
+            <p:nvPr/>
+          </p:nvSpPr>
+          <p:spPr>
+            <a:xfrm>
+              <a:off x="4400255" y="2339401"/>
+              <a:ext cx="415498" cy="230832"/>
+            </a:xfrm>
+            <a:prstGeom prst="rect">
+              <a:avLst/>
+            </a:prstGeom>
+            <a:noFill/>
+          </p:spPr>
+          <p:txBody>
+            <a:bodyPr wrap="none" rtlCol="0">
+              <a:spAutoFit/>
+            </a:bodyPr>
+            <a:lstStyle/>
+            <a:p>
+              <a:r>
+                <a:rPr lang="zh-TW" altLang="en-US" sz="900" dirty="0" smtClean="0"/>
+                <a:t>綜合</a:t>
+              </a:r>
+              <a:endParaRPr lang="zh-TW" altLang="en-US" sz="900" dirty="0"/>
+            </a:p>
+          </p:txBody>
+        </p:sp>
+        <p:sp>
+          <p:nvSpPr>
+            <p:cNvPr id="14" name="橢圓 13"/>
+            <p:cNvSpPr/>
+            <p:nvPr/>
+          </p:nvSpPr>
+          <p:spPr>
+            <a:xfrm>
+              <a:off x="6948264" y="2771613"/>
+              <a:ext cx="504056" cy="519819"/>
+            </a:xfrm>
+            <a:prstGeom prst="ellipse">
+              <a:avLst/>
+            </a:prstGeom>
+            <a:noFill/>
+            <a:ln w="6350">
+              <a:solidFill>
+                <a:srgbClr val="FF0000"/>
+              </a:solidFill>
+            </a:ln>
+          </p:spPr>
+          <p:style>
+            <a:lnRef idx="2">
+              <a:schemeClr val="accent1">
+                <a:shade val="50000"/>
+              </a:schemeClr>
+            </a:lnRef>
+            <a:fillRef idx="1">
+              <a:schemeClr val="accent1"/>
+            </a:fillRef>
+            <a:effectRef idx="0">
+              <a:schemeClr val="accent1"/>
+            </a:effectRef>
+            <a:fontRef idx="minor">
+              <a:schemeClr val="lt1"/>
+            </a:fontRef>
+          </p:style>
+          <p:txBody>
+            <a:bodyPr rtlCol="0" anchor="ctr"/>
+            <a:lstStyle/>
+            <a:p>
+              <a:pPr algn="ctr"/>
+              <a:endParaRPr lang="zh-TW" altLang="en-US" sz="800" dirty="0"/>
+            </a:p>
+          </p:txBody>
+        </p:sp>
+        <p:sp>
+          <p:nvSpPr>
+            <p:cNvPr id="15" name="文字方塊 14"/>
+            <p:cNvSpPr txBox="1"/>
+            <p:nvPr/>
+          </p:nvSpPr>
+          <p:spPr>
+            <a:xfrm>
+              <a:off x="6472175" y="3090714"/>
+              <a:ext cx="415498" cy="230832"/>
+            </a:xfrm>
+            <a:prstGeom prst="rect">
+              <a:avLst/>
+            </a:prstGeom>
+            <a:noFill/>
+          </p:spPr>
+          <p:txBody>
+            <a:bodyPr wrap="none" rtlCol="0">
+              <a:spAutoFit/>
+            </a:bodyPr>
+            <a:lstStyle/>
+            <a:p>
+              <a:r>
+                <a:rPr lang="zh-TW" altLang="en-US" sz="900" dirty="0" smtClean="0"/>
+                <a:t>水泥</a:t>
+              </a:r>
+              <a:endParaRPr lang="zh-TW" altLang="en-US" sz="900" dirty="0"/>
+            </a:p>
+          </p:txBody>
+        </p:sp>
+        <p:sp>
+          <p:nvSpPr>
+            <p:cNvPr id="16" name="橢圓 15"/>
+            <p:cNvSpPr/>
+            <p:nvPr/>
+          </p:nvSpPr>
+          <p:spPr>
+            <a:xfrm>
+              <a:off x="6472175" y="3220405"/>
+              <a:ext cx="332073" cy="352611"/>
+            </a:xfrm>
+            <a:prstGeom prst="ellipse">
+              <a:avLst/>
+            </a:prstGeom>
+            <a:noFill/>
+            <a:ln w="6350">
+              <a:solidFill>
+                <a:srgbClr val="FF0000"/>
+              </a:solidFill>
+            </a:ln>
+          </p:spPr>
+          <p:style>
+            <a:lnRef idx="2">
+              <a:schemeClr val="accent1">
+                <a:shade val="50000"/>
+              </a:schemeClr>
+            </a:lnRef>
+            <a:fillRef idx="1">
+              <a:schemeClr val="accent1"/>
+            </a:fillRef>
+            <a:effectRef idx="0">
+              <a:schemeClr val="accent1"/>
+            </a:effectRef>
+            <a:fontRef idx="minor">
+              <a:schemeClr val="lt1"/>
+            </a:fontRef>
+          </p:style>
+          <p:txBody>
+            <a:bodyPr rtlCol="0" anchor="ctr"/>
+            <a:lstStyle/>
+            <a:p>
+              <a:pPr algn="ctr"/>
+              <a:endParaRPr lang="zh-TW" altLang="en-US" sz="800" dirty="0"/>
+            </a:p>
+          </p:txBody>
+        </p:sp>
+        <p:sp>
+          <p:nvSpPr>
+            <p:cNvPr id="17" name="文字方塊 16"/>
+            <p:cNvSpPr txBox="1"/>
+            <p:nvPr/>
+          </p:nvSpPr>
+          <p:spPr>
+            <a:xfrm>
+              <a:off x="7056538" y="2717304"/>
+              <a:ext cx="646331" cy="230832"/>
+            </a:xfrm>
+            <a:prstGeom prst="rect">
+              <a:avLst/>
+            </a:prstGeom>
+            <a:noFill/>
+          </p:spPr>
+          <p:txBody>
+            <a:bodyPr wrap="none" rtlCol="0">
+              <a:spAutoFit/>
+            </a:bodyPr>
+            <a:lstStyle/>
+            <a:p>
+              <a:r>
+                <a:rPr lang="zh-TW" altLang="en-US" sz="900" dirty="0" smtClean="0"/>
+                <a:t>營建地產</a:t>
+              </a:r>
+              <a:endParaRPr lang="zh-TW" altLang="en-US" sz="900" dirty="0"/>
+            </a:p>
+          </p:txBody>
+        </p:sp>
+        <p:sp>
+          <p:nvSpPr>
+            <p:cNvPr id="18" name="橢圓 17"/>
+            <p:cNvSpPr/>
+            <p:nvPr/>
+          </p:nvSpPr>
+          <p:spPr>
+            <a:xfrm>
+              <a:off x="3995936" y="1071693"/>
+              <a:ext cx="1080120" cy="1186222"/>
+            </a:xfrm>
+            <a:prstGeom prst="ellipse">
+              <a:avLst/>
+            </a:prstGeom>
+            <a:noFill/>
+            <a:ln w="6350">
+              <a:solidFill>
+                <a:srgbClr val="FF0000"/>
+              </a:solidFill>
+            </a:ln>
+          </p:spPr>
+          <p:style>
+            <a:lnRef idx="2">
+              <a:schemeClr val="accent1">
+                <a:shade val="50000"/>
+              </a:schemeClr>
+            </a:lnRef>
+            <a:fillRef idx="1">
+              <a:schemeClr val="accent1"/>
+            </a:fillRef>
+            <a:effectRef idx="0">
+              <a:schemeClr val="accent1"/>
+            </a:effectRef>
+            <a:fontRef idx="minor">
+              <a:schemeClr val="lt1"/>
+            </a:fontRef>
+          </p:style>
+          <p:txBody>
+            <a:bodyPr rtlCol="0" anchor="ctr"/>
+            <a:lstStyle/>
+            <a:p>
+              <a:pPr algn="ctr"/>
+              <a:endParaRPr lang="zh-TW" altLang="en-US"/>
+            </a:p>
+          </p:txBody>
+        </p:sp>
+        <p:sp>
+          <p:nvSpPr>
+            <p:cNvPr id="20" name="文字方塊 19"/>
+            <p:cNvSpPr txBox="1"/>
+            <p:nvPr/>
+          </p:nvSpPr>
+          <p:spPr>
+            <a:xfrm>
+              <a:off x="3650500" y="965920"/>
+              <a:ext cx="646331" cy="230832"/>
+            </a:xfrm>
+            <a:prstGeom prst="rect">
+              <a:avLst/>
+            </a:prstGeom>
+            <a:noFill/>
+          </p:spPr>
+          <p:txBody>
+            <a:bodyPr wrap="none" rtlCol="0">
+              <a:spAutoFit/>
+            </a:bodyPr>
+            <a:lstStyle/>
+            <a:p>
+              <a:r>
+                <a:rPr lang="zh-TW" altLang="en-US" sz="900" dirty="0" smtClean="0"/>
+                <a:t>金融相關</a:t>
+              </a:r>
+              <a:endParaRPr lang="zh-TW" altLang="en-US" sz="900" dirty="0"/>
+            </a:p>
+          </p:txBody>
+        </p:sp>
+        <p:sp>
+          <p:nvSpPr>
+            <p:cNvPr id="21" name="橢圓 20"/>
+            <p:cNvSpPr/>
+            <p:nvPr/>
+          </p:nvSpPr>
+          <p:spPr>
+            <a:xfrm>
+              <a:off x="5899323" y="5013176"/>
+              <a:ext cx="504056" cy="576064"/>
+            </a:xfrm>
+            <a:prstGeom prst="ellipse">
+              <a:avLst/>
+            </a:prstGeom>
+            <a:noFill/>
+            <a:ln w="6350">
+              <a:solidFill>
+                <a:srgbClr val="FF0000"/>
+              </a:solidFill>
+            </a:ln>
+          </p:spPr>
+          <p:style>
+            <a:lnRef idx="2">
+              <a:schemeClr val="accent1">
+                <a:shade val="50000"/>
+              </a:schemeClr>
+            </a:lnRef>
+            <a:fillRef idx="1">
+              <a:schemeClr val="accent1"/>
+            </a:fillRef>
+            <a:effectRef idx="0">
+              <a:schemeClr val="accent1"/>
+            </a:effectRef>
+            <a:fontRef idx="minor">
+              <a:schemeClr val="lt1"/>
+            </a:fontRef>
+          </p:style>
+          <p:txBody>
+            <a:bodyPr rtlCol="0" anchor="ctr"/>
+            <a:lstStyle/>
+            <a:p>
+              <a:pPr algn="ctr"/>
+              <a:endParaRPr lang="zh-TW" altLang="en-US" sz="800" dirty="0"/>
+            </a:p>
+          </p:txBody>
+        </p:sp>
+        <p:sp>
+          <p:nvSpPr>
+            <p:cNvPr id="22" name="文字方塊 21"/>
+            <p:cNvSpPr txBox="1"/>
+            <p:nvPr/>
+          </p:nvSpPr>
+          <p:spPr>
+            <a:xfrm>
+              <a:off x="6472175" y="5296966"/>
+              <a:ext cx="646331" cy="230832"/>
+            </a:xfrm>
+            <a:prstGeom prst="rect">
+              <a:avLst/>
+            </a:prstGeom>
+            <a:noFill/>
+          </p:spPr>
+          <p:txBody>
+            <a:bodyPr wrap="none" rtlCol="0">
+              <a:spAutoFit/>
+            </a:bodyPr>
+            <a:lstStyle/>
+            <a:p>
+              <a:r>
+                <a:rPr lang="zh-TW" altLang="en-US" sz="900" dirty="0"/>
+                <a:t>車輛相關</a:t>
+              </a:r>
+            </a:p>
+          </p:txBody>
+        </p:sp>
+        <p:sp>
+          <p:nvSpPr>
+            <p:cNvPr id="24" name="橢圓 23"/>
+            <p:cNvSpPr/>
+            <p:nvPr/>
+          </p:nvSpPr>
+          <p:spPr>
+            <a:xfrm>
+              <a:off x="5647295" y="3681028"/>
+              <a:ext cx="504056" cy="576064"/>
+            </a:xfrm>
+            <a:prstGeom prst="ellipse">
+              <a:avLst/>
+            </a:prstGeom>
+            <a:noFill/>
+            <a:ln w="6350">
+              <a:solidFill>
+                <a:srgbClr val="FF0000"/>
+              </a:solidFill>
+            </a:ln>
+          </p:spPr>
+          <p:style>
+            <a:lnRef idx="2">
+              <a:schemeClr val="accent1">
+                <a:shade val="50000"/>
+              </a:schemeClr>
+            </a:lnRef>
+            <a:fillRef idx="1">
+              <a:schemeClr val="accent1"/>
+            </a:fillRef>
+            <a:effectRef idx="0">
+              <a:schemeClr val="accent1"/>
+            </a:effectRef>
+            <a:fontRef idx="minor">
+              <a:schemeClr val="lt1"/>
+            </a:fontRef>
+          </p:style>
+          <p:txBody>
+            <a:bodyPr rtlCol="0" anchor="ctr"/>
+            <a:lstStyle/>
+            <a:p>
+              <a:pPr algn="ctr"/>
+              <a:endParaRPr lang="zh-TW" altLang="en-US" sz="800" dirty="0"/>
+            </a:p>
+          </p:txBody>
+        </p:sp>
+        <p:sp>
+          <p:nvSpPr>
+            <p:cNvPr id="25" name="文字方塊 24"/>
+            <p:cNvSpPr txBox="1"/>
+            <p:nvPr/>
+          </p:nvSpPr>
+          <p:spPr>
+            <a:xfrm>
+              <a:off x="6012159" y="3998701"/>
+              <a:ext cx="646331" cy="230832"/>
+            </a:xfrm>
+            <a:prstGeom prst="rect">
+              <a:avLst/>
+            </a:prstGeom>
+            <a:noFill/>
+          </p:spPr>
+          <p:txBody>
+            <a:bodyPr wrap="none" rtlCol="0">
+              <a:spAutoFit/>
+            </a:bodyPr>
+            <a:lstStyle/>
+            <a:p>
+              <a:r>
+                <a:rPr lang="zh-TW" altLang="en-US" sz="900" dirty="0" smtClean="0"/>
+                <a:t>電機機械</a:t>
+              </a:r>
+              <a:endParaRPr lang="zh-TW" altLang="en-US" sz="900" dirty="0"/>
+            </a:p>
+          </p:txBody>
+        </p:sp>
+        <p:sp>
+          <p:nvSpPr>
+            <p:cNvPr id="26" name="橢圓 25"/>
+            <p:cNvSpPr/>
+            <p:nvPr/>
+          </p:nvSpPr>
+          <p:spPr>
+            <a:xfrm>
+              <a:off x="6606810" y="4365104"/>
+              <a:ext cx="341454" cy="432048"/>
+            </a:xfrm>
+            <a:prstGeom prst="ellipse">
+              <a:avLst/>
+            </a:prstGeom>
+            <a:noFill/>
+            <a:ln w="6350">
+              <a:solidFill>
+                <a:srgbClr val="FF0000"/>
+              </a:solidFill>
+            </a:ln>
+          </p:spPr>
+          <p:style>
+            <a:lnRef idx="2">
+              <a:schemeClr val="accent1">
+                <a:shade val="50000"/>
+              </a:schemeClr>
+            </a:lnRef>
+            <a:fillRef idx="1">
+              <a:schemeClr val="accent1"/>
+            </a:fillRef>
+            <a:effectRef idx="0">
+              <a:schemeClr val="accent1"/>
+            </a:effectRef>
+            <a:fontRef idx="minor">
+              <a:schemeClr val="lt1"/>
+            </a:fontRef>
+          </p:style>
+          <p:txBody>
+            <a:bodyPr rtlCol="0" anchor="ctr"/>
+            <a:lstStyle/>
+            <a:p>
+              <a:pPr algn="ctr"/>
+              <a:endParaRPr lang="zh-TW" altLang="en-US" sz="800" dirty="0"/>
+            </a:p>
+          </p:txBody>
+        </p:sp>
+        <p:sp>
+          <p:nvSpPr>
+            <p:cNvPr id="27" name="文字方塊 26"/>
+            <p:cNvSpPr txBox="1"/>
+            <p:nvPr/>
+          </p:nvSpPr>
+          <p:spPr>
+            <a:xfrm>
+              <a:off x="6848789" y="4669879"/>
+              <a:ext cx="415498" cy="230832"/>
+            </a:xfrm>
+            <a:prstGeom prst="rect">
+              <a:avLst/>
+            </a:prstGeom>
+            <a:noFill/>
+          </p:spPr>
+          <p:txBody>
+            <a:bodyPr wrap="none" rtlCol="0">
+              <a:spAutoFit/>
+            </a:bodyPr>
+            <a:lstStyle/>
+            <a:p>
+              <a:r>
+                <a:rPr lang="zh-TW" altLang="en-US" sz="900" dirty="0" smtClean="0"/>
+                <a:t>運輸</a:t>
+              </a:r>
+              <a:endParaRPr lang="zh-TW" altLang="en-US" sz="900" dirty="0"/>
+            </a:p>
+          </p:txBody>
+        </p:sp>
+        <p:sp>
+          <p:nvSpPr>
+            <p:cNvPr id="28" name="橢圓 27"/>
+            <p:cNvSpPr/>
+            <p:nvPr/>
+          </p:nvSpPr>
+          <p:spPr>
+            <a:xfrm>
+              <a:off x="4716016" y="2509503"/>
+              <a:ext cx="288032" cy="288032"/>
+            </a:xfrm>
+            <a:prstGeom prst="ellipse">
+              <a:avLst/>
+            </a:prstGeom>
+            <a:noFill/>
+            <a:ln w="6350">
+              <a:solidFill>
+                <a:srgbClr val="FF0000"/>
+              </a:solidFill>
+            </a:ln>
+          </p:spPr>
+          <p:style>
+            <a:lnRef idx="2">
+              <a:schemeClr val="accent1">
+                <a:shade val="50000"/>
+              </a:schemeClr>
+            </a:lnRef>
+            <a:fillRef idx="1">
+              <a:schemeClr val="accent1"/>
+            </a:fillRef>
+            <a:effectRef idx="0">
+              <a:schemeClr val="accent1"/>
+            </a:effectRef>
+            <a:fontRef idx="minor">
+              <a:schemeClr val="lt1"/>
+            </a:fontRef>
+          </p:style>
+          <p:txBody>
+            <a:bodyPr rtlCol="0" anchor="ctr"/>
+            <a:lstStyle/>
+            <a:p>
+              <a:pPr algn="ctr"/>
+              <a:endParaRPr lang="zh-TW" altLang="en-US" sz="800" dirty="0"/>
+            </a:p>
+          </p:txBody>
+        </p:sp>
+        <p:sp>
+          <p:nvSpPr>
+            <p:cNvPr id="36" name="橢圓 35"/>
+            <p:cNvSpPr/>
+            <p:nvPr/>
+          </p:nvSpPr>
+          <p:spPr>
+            <a:xfrm>
+              <a:off x="4877172" y="2743014"/>
+              <a:ext cx="288032" cy="288032"/>
+            </a:xfrm>
+            <a:prstGeom prst="ellipse">
+              <a:avLst/>
+            </a:prstGeom>
+            <a:noFill/>
+            <a:ln w="6350">
+              <a:solidFill>
+                <a:srgbClr val="FF0000"/>
+              </a:solidFill>
+            </a:ln>
+          </p:spPr>
+          <p:style>
+            <a:lnRef idx="2">
+              <a:schemeClr val="accent1">
+                <a:shade val="50000"/>
+              </a:schemeClr>
+            </a:lnRef>
+            <a:fillRef idx="1">
+              <a:schemeClr val="accent1"/>
+            </a:fillRef>
+            <a:effectRef idx="0">
+              <a:schemeClr val="accent1"/>
+            </a:effectRef>
+            <a:fontRef idx="minor">
+              <a:schemeClr val="lt1"/>
+            </a:fontRef>
+          </p:style>
+          <p:txBody>
+            <a:bodyPr rtlCol="0" anchor="ctr"/>
+            <a:lstStyle/>
+            <a:p>
+              <a:pPr algn="ctr"/>
+              <a:endParaRPr lang="zh-TW" altLang="en-US" sz="800" dirty="0"/>
+            </a:p>
+          </p:txBody>
+        </p:sp>
+        <p:sp>
+          <p:nvSpPr>
+            <p:cNvPr id="37" name="橢圓 36"/>
+            <p:cNvSpPr/>
+            <p:nvPr/>
+          </p:nvSpPr>
+          <p:spPr>
+            <a:xfrm>
+              <a:off x="5724128" y="2938661"/>
+              <a:ext cx="802288" cy="237356"/>
+            </a:xfrm>
+            <a:prstGeom prst="ellipse">
+              <a:avLst/>
+            </a:prstGeom>
+            <a:noFill/>
+            <a:ln w="6350">
+              <a:solidFill>
+                <a:srgbClr val="FF0000"/>
+              </a:solidFill>
+            </a:ln>
+          </p:spPr>
+          <p:style>
+            <a:lnRef idx="2">
+              <a:schemeClr val="accent1">
+                <a:shade val="50000"/>
+              </a:schemeClr>
+            </a:lnRef>
+            <a:fillRef idx="1">
+              <a:schemeClr val="accent1"/>
+            </a:fillRef>
+            <a:effectRef idx="0">
+              <a:schemeClr val="accent1"/>
+            </a:effectRef>
+            <a:fontRef idx="minor">
+              <a:schemeClr val="lt1"/>
+            </a:fontRef>
+          </p:style>
+          <p:txBody>
+            <a:bodyPr rtlCol="0" anchor="ctr"/>
+            <a:lstStyle/>
+            <a:p>
+              <a:pPr algn="ctr"/>
+              <a:endParaRPr lang="zh-TW" altLang="en-US" sz="800" dirty="0"/>
+            </a:p>
+          </p:txBody>
+        </p:sp>
+        <p:sp>
+          <p:nvSpPr>
+            <p:cNvPr id="38" name="橢圓 37"/>
+            <p:cNvSpPr/>
+            <p:nvPr/>
+          </p:nvSpPr>
+          <p:spPr>
+            <a:xfrm>
+              <a:off x="6804248" y="3938822"/>
+              <a:ext cx="396044" cy="288032"/>
+            </a:xfrm>
+            <a:prstGeom prst="ellipse">
+              <a:avLst/>
+            </a:prstGeom>
+            <a:noFill/>
+            <a:ln w="6350">
+              <a:solidFill>
+                <a:srgbClr val="FF0000"/>
+              </a:solidFill>
+            </a:ln>
+          </p:spPr>
+          <p:style>
+            <a:lnRef idx="2">
+              <a:schemeClr val="accent1">
+                <a:shade val="50000"/>
+              </a:schemeClr>
+            </a:lnRef>
+            <a:fillRef idx="1">
+              <a:schemeClr val="accent1"/>
+            </a:fillRef>
+            <a:effectRef idx="0">
+              <a:schemeClr val="accent1"/>
+            </a:effectRef>
+            <a:fontRef idx="minor">
+              <a:schemeClr val="lt1"/>
+            </a:fontRef>
+          </p:style>
+          <p:txBody>
+            <a:bodyPr rtlCol="0" anchor="ctr"/>
+            <a:lstStyle/>
+            <a:p>
+              <a:pPr algn="ctr"/>
+              <a:endParaRPr lang="zh-TW" altLang="en-US" sz="800" dirty="0"/>
+            </a:p>
+          </p:txBody>
+        </p:sp>
+        <p:sp>
+          <p:nvSpPr>
+            <p:cNvPr id="39" name="橢圓 38"/>
+            <p:cNvSpPr/>
+            <p:nvPr/>
+          </p:nvSpPr>
+          <p:spPr>
+            <a:xfrm>
+              <a:off x="5986798" y="4286225"/>
+              <a:ext cx="396044" cy="288032"/>
+            </a:xfrm>
+            <a:prstGeom prst="ellipse">
+              <a:avLst/>
+            </a:prstGeom>
+            <a:noFill/>
+            <a:ln w="6350">
+              <a:solidFill>
+                <a:srgbClr val="FF0000"/>
+              </a:solidFill>
+            </a:ln>
+          </p:spPr>
+          <p:style>
+            <a:lnRef idx="2">
+              <a:schemeClr val="accent1">
+                <a:shade val="50000"/>
+              </a:schemeClr>
+            </a:lnRef>
+            <a:fillRef idx="1">
+              <a:schemeClr val="accent1"/>
+            </a:fillRef>
+            <a:effectRef idx="0">
+              <a:schemeClr val="accent1"/>
+            </a:effectRef>
+            <a:fontRef idx="minor">
+              <a:schemeClr val="lt1"/>
+            </a:fontRef>
+          </p:style>
+          <p:txBody>
+            <a:bodyPr rtlCol="0" anchor="ctr"/>
+            <a:lstStyle/>
+            <a:p>
+              <a:pPr algn="ctr"/>
+              <a:endParaRPr lang="zh-TW" altLang="en-US" sz="800" dirty="0"/>
+            </a:p>
+          </p:txBody>
+        </p:sp>
+        <p:sp>
+          <p:nvSpPr>
+            <p:cNvPr id="40" name="橢圓 39"/>
+            <p:cNvSpPr/>
+            <p:nvPr/>
+          </p:nvSpPr>
+          <p:spPr>
+            <a:xfrm>
+              <a:off x="6382842" y="3717032"/>
+              <a:ext cx="396044" cy="288032"/>
+            </a:xfrm>
+            <a:prstGeom prst="ellipse">
+              <a:avLst/>
+            </a:prstGeom>
+            <a:noFill/>
+            <a:ln w="6350">
+              <a:solidFill>
+                <a:srgbClr val="FF0000"/>
+              </a:solidFill>
+            </a:ln>
+          </p:spPr>
+          <p:style>
+            <a:lnRef idx="2">
+              <a:schemeClr val="accent1">
+                <a:shade val="50000"/>
+              </a:schemeClr>
+            </a:lnRef>
+            <a:fillRef idx="1">
+              <a:schemeClr val="accent1"/>
+            </a:fillRef>
+            <a:effectRef idx="0">
+              <a:schemeClr val="accent1"/>
+            </a:effectRef>
+            <a:fontRef idx="minor">
+              <a:schemeClr val="lt1"/>
+            </a:fontRef>
+          </p:style>
+          <p:txBody>
+            <a:bodyPr rtlCol="0" anchor="ctr"/>
+            <a:lstStyle/>
+            <a:p>
+              <a:pPr algn="ctr"/>
+              <a:endParaRPr lang="zh-TW" altLang="en-US" sz="800" dirty="0"/>
+            </a:p>
+          </p:txBody>
+        </p:sp>
+        <p:sp>
+          <p:nvSpPr>
+            <p:cNvPr id="41" name="橢圓 40"/>
+            <p:cNvSpPr/>
+            <p:nvPr/>
+          </p:nvSpPr>
+          <p:spPr>
+            <a:xfrm>
+              <a:off x="6887673" y="3650790"/>
+              <a:ext cx="396044" cy="288032"/>
+            </a:xfrm>
+            <a:prstGeom prst="ellipse">
+              <a:avLst/>
+            </a:prstGeom>
+            <a:noFill/>
+            <a:ln w="6350">
+              <a:solidFill>
+                <a:srgbClr val="FF0000"/>
+              </a:solidFill>
+            </a:ln>
+          </p:spPr>
+          <p:style>
+            <a:lnRef idx="2">
+              <a:schemeClr val="accent1">
+                <a:shade val="50000"/>
+              </a:schemeClr>
+            </a:lnRef>
+            <a:fillRef idx="1">
+              <a:schemeClr val="accent1"/>
+            </a:fillRef>
+            <a:effectRef idx="0">
+              <a:schemeClr val="accent1"/>
+            </a:effectRef>
+            <a:fontRef idx="minor">
+              <a:schemeClr val="lt1"/>
+            </a:fontRef>
+          </p:style>
+          <p:txBody>
+            <a:bodyPr rtlCol="0" anchor="ctr"/>
+            <a:lstStyle/>
+            <a:p>
+              <a:pPr algn="ctr"/>
+              <a:endParaRPr lang="zh-TW" altLang="en-US" sz="800" dirty="0"/>
+            </a:p>
+          </p:txBody>
+        </p:sp>
+        <p:sp>
+          <p:nvSpPr>
+            <p:cNvPr id="42" name="文字方塊 41"/>
+            <p:cNvSpPr txBox="1"/>
+            <p:nvPr/>
+          </p:nvSpPr>
+          <p:spPr>
+            <a:xfrm>
+              <a:off x="5004048" y="2653519"/>
+              <a:ext cx="184731" cy="369332"/>
+            </a:xfrm>
+            <a:prstGeom prst="rect">
+              <a:avLst/>
+            </a:prstGeom>
+            <a:noFill/>
+          </p:spPr>
+          <p:txBody>
+            <a:bodyPr wrap="none" rtlCol="0">
+              <a:spAutoFit/>
+            </a:bodyPr>
+            <a:lstStyle/>
+            <a:p>
+              <a:endParaRPr lang="zh-TW" altLang="en-US" dirty="0"/>
+            </a:p>
+          </p:txBody>
+        </p:sp>
+        <p:sp>
+          <p:nvSpPr>
+            <p:cNvPr id="43" name="文字方塊 42"/>
+            <p:cNvSpPr txBox="1"/>
+            <p:nvPr/>
+          </p:nvSpPr>
+          <p:spPr>
+            <a:xfrm>
+              <a:off x="4357717" y="2550096"/>
+              <a:ext cx="646331" cy="230832"/>
+            </a:xfrm>
+            <a:prstGeom prst="rect">
+              <a:avLst/>
+            </a:prstGeom>
+            <a:noFill/>
+          </p:spPr>
+          <p:txBody>
+            <a:bodyPr wrap="none" rtlCol="0">
+              <a:spAutoFit/>
+            </a:bodyPr>
+            <a:lstStyle/>
+            <a:p>
+              <a:r>
+                <a:rPr lang="zh-TW" altLang="en-US" sz="900" dirty="0" smtClean="0"/>
+                <a:t>食品</a:t>
+              </a:r>
+              <a:r>
+                <a:rPr lang="zh-TW" altLang="en-US" sz="900" dirty="0"/>
+                <a:t>飲料</a:t>
+              </a:r>
+            </a:p>
+          </p:txBody>
+        </p:sp>
+        <p:sp>
+          <p:nvSpPr>
+            <p:cNvPr id="44" name="文字方塊 43"/>
+            <p:cNvSpPr txBox="1"/>
+            <p:nvPr/>
+          </p:nvSpPr>
+          <p:spPr>
+            <a:xfrm>
+              <a:off x="4815753" y="2278671"/>
+              <a:ext cx="184731" cy="230832"/>
+            </a:xfrm>
+            <a:prstGeom prst="rect">
+              <a:avLst/>
+            </a:prstGeom>
+            <a:noFill/>
+          </p:spPr>
+          <p:txBody>
+            <a:bodyPr wrap="none" rtlCol="0">
+              <a:spAutoFit/>
+            </a:bodyPr>
+            <a:lstStyle/>
+            <a:p>
+              <a:endParaRPr lang="zh-TW" altLang="en-US" sz="900" dirty="0"/>
+            </a:p>
+          </p:txBody>
+        </p:sp>
+        <p:sp>
+          <p:nvSpPr>
+            <p:cNvPr id="45" name="橢圓 44"/>
+            <p:cNvSpPr/>
+            <p:nvPr/>
+          </p:nvSpPr>
+          <p:spPr>
+            <a:xfrm>
+              <a:off x="4722220" y="2257915"/>
+              <a:ext cx="336465" cy="376647"/>
+            </a:xfrm>
+            <a:prstGeom prst="ellipse">
+              <a:avLst/>
+            </a:prstGeom>
+            <a:noFill/>
+            <a:ln w="6350">
+              <a:solidFill>
+                <a:srgbClr val="FF0000"/>
+              </a:solidFill>
+            </a:ln>
+          </p:spPr>
+          <p:style>
+            <a:lnRef idx="2">
+              <a:schemeClr val="accent1">
+                <a:shade val="50000"/>
+              </a:schemeClr>
+            </a:lnRef>
+            <a:fillRef idx="1">
+              <a:schemeClr val="accent1"/>
+            </a:fillRef>
+            <a:effectRef idx="0">
+              <a:schemeClr val="accent1"/>
+            </a:effectRef>
+            <a:fontRef idx="minor">
+              <a:schemeClr val="lt1"/>
+            </a:fontRef>
+          </p:style>
+          <p:txBody>
+            <a:bodyPr rtlCol="0" anchor="ctr"/>
+            <a:lstStyle/>
+            <a:p>
+              <a:pPr algn="ctr"/>
+              <a:endParaRPr lang="zh-TW" altLang="en-US" sz="800" dirty="0"/>
+            </a:p>
+          </p:txBody>
+        </p:sp>
+        <p:sp>
+          <p:nvSpPr>
+            <p:cNvPr id="46" name="文字方塊 45"/>
+            <p:cNvSpPr txBox="1"/>
+            <p:nvPr/>
+          </p:nvSpPr>
+          <p:spPr>
+            <a:xfrm>
+              <a:off x="4716016" y="2780928"/>
+              <a:ext cx="646331" cy="230832"/>
+            </a:xfrm>
+            <a:prstGeom prst="rect">
+              <a:avLst/>
+            </a:prstGeom>
+            <a:noFill/>
+          </p:spPr>
+          <p:txBody>
+            <a:bodyPr wrap="none" rtlCol="0">
+              <a:spAutoFit/>
+            </a:bodyPr>
+            <a:lstStyle/>
+            <a:p>
+              <a:r>
+                <a:rPr lang="zh-TW" altLang="en-US" sz="900" dirty="0"/>
+                <a:t>航</a:t>
+              </a:r>
+              <a:r>
+                <a:rPr lang="zh-TW" altLang="en-US" sz="900" dirty="0" smtClean="0"/>
+                <a:t>天</a:t>
+              </a:r>
+              <a:r>
+                <a:rPr lang="zh-TW" altLang="en-US" sz="900" dirty="0"/>
+                <a:t>軍</a:t>
+              </a:r>
+              <a:r>
+                <a:rPr lang="zh-TW" altLang="en-US" sz="900" dirty="0" smtClean="0"/>
+                <a:t>工</a:t>
+              </a:r>
+              <a:endParaRPr lang="zh-TW" altLang="en-US" sz="900" dirty="0"/>
+            </a:p>
+          </p:txBody>
+        </p:sp>
+        <p:sp>
+          <p:nvSpPr>
+            <p:cNvPr id="47" name="橢圓 46"/>
+            <p:cNvSpPr/>
+            <p:nvPr/>
+          </p:nvSpPr>
+          <p:spPr>
+            <a:xfrm>
+              <a:off x="5724128" y="2766120"/>
+              <a:ext cx="288032" cy="230832"/>
+            </a:xfrm>
+            <a:prstGeom prst="ellipse">
+              <a:avLst/>
+            </a:prstGeom>
+            <a:noFill/>
+            <a:ln w="6350">
+              <a:solidFill>
+                <a:srgbClr val="FF0000"/>
+              </a:solidFill>
+            </a:ln>
+          </p:spPr>
+          <p:style>
+            <a:lnRef idx="2">
+              <a:schemeClr val="accent1">
+                <a:shade val="50000"/>
+              </a:schemeClr>
+            </a:lnRef>
+            <a:fillRef idx="1">
+              <a:schemeClr val="accent1"/>
+            </a:fillRef>
+            <a:effectRef idx="0">
+              <a:schemeClr val="accent1"/>
+            </a:effectRef>
+            <a:fontRef idx="minor">
+              <a:schemeClr val="lt1"/>
+            </a:fontRef>
+          </p:style>
+          <p:txBody>
+            <a:bodyPr rtlCol="0" anchor="ctr"/>
+            <a:lstStyle/>
+            <a:p>
+              <a:pPr algn="ctr"/>
+              <a:endParaRPr lang="zh-TW" altLang="en-US" sz="800" dirty="0"/>
+            </a:p>
+          </p:txBody>
+        </p:sp>
+        <p:sp>
+          <p:nvSpPr>
+            <p:cNvPr id="48" name="文字方塊 47"/>
+            <p:cNvSpPr txBox="1"/>
+            <p:nvPr/>
+          </p:nvSpPr>
+          <p:spPr>
+            <a:xfrm>
+              <a:off x="5757048" y="2587377"/>
+              <a:ext cx="646331" cy="230832"/>
+            </a:xfrm>
+            <a:prstGeom prst="rect">
+              <a:avLst/>
+            </a:prstGeom>
+            <a:noFill/>
+          </p:spPr>
+          <p:txBody>
+            <a:bodyPr wrap="none" rtlCol="0">
+              <a:spAutoFit/>
+            </a:bodyPr>
+            <a:lstStyle/>
+            <a:p>
+              <a:r>
+                <a:rPr lang="zh-TW" altLang="en-US" sz="900" dirty="0"/>
+                <a:t>公用事業</a:t>
+              </a:r>
+            </a:p>
+          </p:txBody>
+        </p:sp>
+        <p:sp>
+          <p:nvSpPr>
+            <p:cNvPr id="49" name="文字方塊 48"/>
+            <p:cNvSpPr txBox="1"/>
+            <p:nvPr/>
+          </p:nvSpPr>
+          <p:spPr>
+            <a:xfrm>
+              <a:off x="6131206" y="2743014"/>
+              <a:ext cx="415498" cy="230832"/>
+            </a:xfrm>
+            <a:prstGeom prst="rect">
+              <a:avLst/>
+            </a:prstGeom>
+            <a:noFill/>
+          </p:spPr>
+          <p:txBody>
+            <a:bodyPr wrap="none" rtlCol="0">
+              <a:spAutoFit/>
+            </a:bodyPr>
+            <a:lstStyle/>
+            <a:p>
+              <a:r>
+                <a:rPr lang="zh-TW" altLang="en-US" sz="900" dirty="0" smtClean="0"/>
+                <a:t>能源</a:t>
+              </a:r>
+              <a:endParaRPr lang="zh-TW" altLang="en-US" sz="900" dirty="0"/>
+            </a:p>
+          </p:txBody>
+        </p:sp>
+        <p:sp>
+          <p:nvSpPr>
+            <p:cNvPr id="50" name="橢圓 49"/>
+            <p:cNvSpPr/>
+            <p:nvPr/>
+          </p:nvSpPr>
+          <p:spPr>
+            <a:xfrm>
+              <a:off x="3635270" y="2132856"/>
+              <a:ext cx="559330" cy="577974"/>
+            </a:xfrm>
+            <a:prstGeom prst="ellipse">
+              <a:avLst/>
+            </a:prstGeom>
+            <a:noFill/>
+            <a:ln w="6350">
+              <a:solidFill>
+                <a:srgbClr val="FF0000"/>
+              </a:solidFill>
+            </a:ln>
+          </p:spPr>
+          <p:style>
+            <a:lnRef idx="2">
+              <a:schemeClr val="accent1">
+                <a:shade val="50000"/>
+              </a:schemeClr>
+            </a:lnRef>
+            <a:fillRef idx="1">
+              <a:schemeClr val="accent1"/>
+            </a:fillRef>
+            <a:effectRef idx="0">
+              <a:schemeClr val="accent1"/>
+            </a:effectRef>
+            <a:fontRef idx="minor">
+              <a:schemeClr val="lt1"/>
+            </a:fontRef>
+          </p:style>
+          <p:txBody>
+            <a:bodyPr rtlCol="0" anchor="ctr"/>
+            <a:lstStyle/>
+            <a:p>
+              <a:pPr algn="ctr"/>
+              <a:endParaRPr lang="zh-TW" altLang="en-US" sz="800" dirty="0"/>
+            </a:p>
+          </p:txBody>
+        </p:sp>
+        <p:sp>
+          <p:nvSpPr>
+            <p:cNvPr id="51" name="文字方塊 50"/>
+            <p:cNvSpPr txBox="1"/>
+            <p:nvPr/>
+          </p:nvSpPr>
+          <p:spPr>
+            <a:xfrm>
+              <a:off x="3491880" y="2017440"/>
+              <a:ext cx="646331" cy="230832"/>
+            </a:xfrm>
+            <a:prstGeom prst="rect">
+              <a:avLst/>
+            </a:prstGeom>
+            <a:noFill/>
+          </p:spPr>
+          <p:txBody>
+            <a:bodyPr wrap="none" rtlCol="0">
+              <a:spAutoFit/>
+            </a:bodyPr>
+            <a:lstStyle/>
+            <a:p>
+              <a:r>
+                <a:rPr lang="zh-TW" altLang="en-US" sz="900" dirty="0" smtClean="0"/>
+                <a:t>百貨通路</a:t>
+              </a:r>
+              <a:endParaRPr lang="zh-TW" altLang="en-US" sz="900" dirty="0"/>
+            </a:p>
+          </p:txBody>
+        </p:sp>
+        <p:sp>
+          <p:nvSpPr>
+            <p:cNvPr id="52" name="橢圓 51"/>
+            <p:cNvSpPr/>
+            <p:nvPr/>
+          </p:nvSpPr>
+          <p:spPr>
+            <a:xfrm>
+              <a:off x="2915816" y="2248272"/>
+              <a:ext cx="584527" cy="405247"/>
+            </a:xfrm>
+            <a:prstGeom prst="ellipse">
+              <a:avLst/>
+            </a:prstGeom>
+            <a:noFill/>
+            <a:ln w="6350">
+              <a:solidFill>
+                <a:srgbClr val="FF0000"/>
+              </a:solidFill>
+            </a:ln>
+          </p:spPr>
+          <p:style>
+            <a:lnRef idx="2">
+              <a:schemeClr val="accent1">
+                <a:shade val="50000"/>
+              </a:schemeClr>
+            </a:lnRef>
+            <a:fillRef idx="1">
+              <a:schemeClr val="accent1"/>
+            </a:fillRef>
+            <a:effectRef idx="0">
+              <a:schemeClr val="accent1"/>
+            </a:effectRef>
+            <a:fontRef idx="minor">
+              <a:schemeClr val="lt1"/>
+            </a:fontRef>
+          </p:style>
+          <p:txBody>
+            <a:bodyPr rtlCol="0" anchor="ctr"/>
+            <a:lstStyle/>
+            <a:p>
+              <a:pPr algn="ctr"/>
+              <a:endParaRPr lang="zh-TW" altLang="en-US" sz="800" dirty="0"/>
+            </a:p>
+          </p:txBody>
+        </p:sp>
+        <p:sp>
+          <p:nvSpPr>
+            <p:cNvPr id="53" name="文字方塊 52"/>
+            <p:cNvSpPr txBox="1"/>
+            <p:nvPr/>
+          </p:nvSpPr>
+          <p:spPr>
+            <a:xfrm>
+              <a:off x="2697737" y="2071363"/>
+              <a:ext cx="646331" cy="230832"/>
+            </a:xfrm>
+            <a:prstGeom prst="rect">
+              <a:avLst/>
+            </a:prstGeom>
+            <a:noFill/>
+          </p:spPr>
+          <p:txBody>
+            <a:bodyPr wrap="none" rtlCol="0">
+              <a:spAutoFit/>
+            </a:bodyPr>
+            <a:lstStyle/>
+            <a:p>
+              <a:r>
+                <a:rPr lang="zh-TW" altLang="en-US" sz="900" dirty="0"/>
+                <a:t>觀光休閒</a:t>
+              </a:r>
+            </a:p>
+          </p:txBody>
+        </p:sp>
+        <p:sp>
+          <p:nvSpPr>
+            <p:cNvPr id="54" name="橢圓 53"/>
+            <p:cNvSpPr/>
+            <p:nvPr/>
+          </p:nvSpPr>
+          <p:spPr>
+            <a:xfrm>
+              <a:off x="5932792" y="3443808"/>
+              <a:ext cx="252028" cy="338386"/>
+            </a:xfrm>
+            <a:prstGeom prst="ellipse">
+              <a:avLst/>
+            </a:prstGeom>
+            <a:noFill/>
+            <a:ln w="6350">
+              <a:solidFill>
+                <a:srgbClr val="FF0000"/>
+              </a:solidFill>
+            </a:ln>
+          </p:spPr>
+          <p:style>
+            <a:lnRef idx="2">
+              <a:schemeClr val="accent1">
+                <a:shade val="50000"/>
+              </a:schemeClr>
+            </a:lnRef>
+            <a:fillRef idx="1">
+              <a:schemeClr val="accent1"/>
+            </a:fillRef>
+            <a:effectRef idx="0">
+              <a:schemeClr val="accent1"/>
+            </a:effectRef>
+            <a:fontRef idx="minor">
+              <a:schemeClr val="lt1"/>
+            </a:fontRef>
+          </p:style>
+          <p:txBody>
+            <a:bodyPr rtlCol="0" anchor="ctr"/>
+            <a:lstStyle/>
+            <a:p>
+              <a:pPr algn="ctr"/>
+              <a:endParaRPr lang="zh-TW" altLang="en-US" sz="800" dirty="0"/>
+            </a:p>
+          </p:txBody>
+        </p:sp>
+        <p:sp>
+          <p:nvSpPr>
+            <p:cNvPr id="55" name="文字方塊 54"/>
+            <p:cNvSpPr txBox="1"/>
+            <p:nvPr/>
+          </p:nvSpPr>
+          <p:spPr>
+            <a:xfrm>
+              <a:off x="5790839" y="3349588"/>
+              <a:ext cx="646331" cy="230832"/>
+            </a:xfrm>
+            <a:prstGeom prst="rect">
+              <a:avLst/>
+            </a:prstGeom>
+            <a:noFill/>
+          </p:spPr>
+          <p:txBody>
+            <a:bodyPr wrap="none" rtlCol="0">
+              <a:spAutoFit/>
+            </a:bodyPr>
+            <a:lstStyle/>
+            <a:p>
+              <a:r>
+                <a:rPr lang="zh-TW" altLang="en-US" sz="900" dirty="0"/>
+                <a:t>建材居家</a:t>
+              </a:r>
+            </a:p>
+          </p:txBody>
+        </p:sp>
+        <p:sp>
+          <p:nvSpPr>
+            <p:cNvPr id="56" name="文字方塊 55"/>
+            <p:cNvSpPr txBox="1"/>
+            <p:nvPr/>
+          </p:nvSpPr>
+          <p:spPr>
+            <a:xfrm>
+              <a:off x="6917447" y="4082838"/>
+              <a:ext cx="415498" cy="230832"/>
+            </a:xfrm>
+            <a:prstGeom prst="rect">
+              <a:avLst/>
+            </a:prstGeom>
+            <a:noFill/>
+          </p:spPr>
+          <p:txBody>
+            <a:bodyPr wrap="none" rtlCol="0">
+              <a:spAutoFit/>
+            </a:bodyPr>
+            <a:lstStyle/>
+            <a:p>
+              <a:r>
+                <a:rPr lang="zh-TW" altLang="en-US" sz="900" dirty="0" smtClean="0"/>
+                <a:t>紡織</a:t>
+              </a:r>
+              <a:endParaRPr lang="zh-TW" altLang="en-US" sz="900" dirty="0"/>
+            </a:p>
+          </p:txBody>
+        </p:sp>
+        <p:sp>
+          <p:nvSpPr>
+            <p:cNvPr id="57" name="文字方塊 56"/>
+            <p:cNvSpPr txBox="1"/>
+            <p:nvPr/>
+          </p:nvSpPr>
+          <p:spPr>
+            <a:xfrm>
+              <a:off x="7094612" y="3565612"/>
+              <a:ext cx="415498" cy="230832"/>
+            </a:xfrm>
+            <a:prstGeom prst="rect">
+              <a:avLst/>
+            </a:prstGeom>
+            <a:noFill/>
+          </p:spPr>
+          <p:txBody>
+            <a:bodyPr wrap="none" rtlCol="0">
+              <a:spAutoFit/>
+            </a:bodyPr>
+            <a:lstStyle/>
+            <a:p>
+              <a:r>
+                <a:rPr lang="zh-TW" altLang="en-US" sz="900" dirty="0"/>
+                <a:t>石化</a:t>
+              </a:r>
+            </a:p>
+          </p:txBody>
+        </p:sp>
+        <p:sp>
+          <p:nvSpPr>
+            <p:cNvPr id="58" name="文字方塊 57"/>
+            <p:cNvSpPr txBox="1"/>
+            <p:nvPr/>
+          </p:nvSpPr>
+          <p:spPr>
+            <a:xfrm>
+              <a:off x="6301933" y="3633478"/>
+              <a:ext cx="646331" cy="230832"/>
+            </a:xfrm>
+            <a:prstGeom prst="rect">
+              <a:avLst/>
+            </a:prstGeom>
+            <a:noFill/>
+          </p:spPr>
+          <p:txBody>
+            <a:bodyPr wrap="none" rtlCol="0">
+              <a:spAutoFit/>
+            </a:bodyPr>
+            <a:lstStyle/>
+            <a:p>
+              <a:r>
+                <a:rPr lang="zh-TW" altLang="en-US" sz="900" dirty="0" smtClean="0"/>
+                <a:t>化學工業</a:t>
+              </a:r>
+              <a:endParaRPr lang="zh-TW" altLang="en-US" sz="900" dirty="0"/>
+            </a:p>
+          </p:txBody>
+        </p:sp>
+        <p:sp>
+          <p:nvSpPr>
+            <p:cNvPr id="59" name="文字方塊 58"/>
+            <p:cNvSpPr txBox="1"/>
+            <p:nvPr/>
+          </p:nvSpPr>
+          <p:spPr>
+            <a:xfrm>
+              <a:off x="4815753" y="2273449"/>
+              <a:ext cx="646331" cy="230832"/>
+            </a:xfrm>
+            <a:prstGeom prst="rect">
+              <a:avLst/>
+            </a:prstGeom>
+            <a:noFill/>
+          </p:spPr>
+          <p:txBody>
+            <a:bodyPr wrap="none" rtlCol="0">
+              <a:spAutoFit/>
+            </a:bodyPr>
+            <a:lstStyle/>
+            <a:p>
+              <a:r>
+                <a:rPr lang="zh-TW" altLang="en-US" sz="900" dirty="0"/>
+                <a:t>農林漁牧</a:t>
+              </a:r>
+            </a:p>
+          </p:txBody>
+        </p:sp>
+        <p:sp>
+          <p:nvSpPr>
+            <p:cNvPr id="60" name="橢圓 59"/>
+            <p:cNvSpPr/>
+            <p:nvPr/>
+          </p:nvSpPr>
+          <p:spPr>
+            <a:xfrm>
+              <a:off x="4116988" y="2543733"/>
+              <a:ext cx="491016" cy="314697"/>
+            </a:xfrm>
+            <a:prstGeom prst="ellipse">
+              <a:avLst/>
+            </a:prstGeom>
+            <a:noFill/>
+            <a:ln w="6350">
+              <a:solidFill>
+                <a:srgbClr val="FF0000"/>
+              </a:solidFill>
+            </a:ln>
+          </p:spPr>
+          <p:style>
+            <a:lnRef idx="2">
+              <a:schemeClr val="accent1">
+                <a:shade val="50000"/>
+              </a:schemeClr>
+            </a:lnRef>
+            <a:fillRef idx="1">
+              <a:schemeClr val="accent1"/>
+            </a:fillRef>
+            <a:effectRef idx="0">
+              <a:schemeClr val="accent1"/>
+            </a:effectRef>
+            <a:fontRef idx="minor">
+              <a:schemeClr val="lt1"/>
+            </a:fontRef>
+          </p:style>
+          <p:txBody>
+            <a:bodyPr rtlCol="0" anchor="ctr"/>
+            <a:lstStyle/>
+            <a:p>
+              <a:pPr algn="ctr"/>
+              <a:endParaRPr lang="zh-TW" altLang="en-US" sz="800" dirty="0"/>
+            </a:p>
+          </p:txBody>
+        </p:sp>
+        <p:sp>
+          <p:nvSpPr>
+            <p:cNvPr id="61" name="文字方塊 60"/>
+            <p:cNvSpPr txBox="1"/>
+            <p:nvPr/>
+          </p:nvSpPr>
+          <p:spPr>
+            <a:xfrm>
+              <a:off x="3921080" y="2701081"/>
+              <a:ext cx="646331" cy="230832"/>
+            </a:xfrm>
+            <a:prstGeom prst="rect">
+              <a:avLst/>
+            </a:prstGeom>
+            <a:noFill/>
+          </p:spPr>
+          <p:txBody>
+            <a:bodyPr wrap="none" rtlCol="0">
+              <a:spAutoFit/>
+            </a:bodyPr>
+            <a:lstStyle/>
+            <a:p>
+              <a:r>
+                <a:rPr lang="zh-TW" altLang="en-US" sz="900" dirty="0" smtClean="0"/>
+                <a:t>傳產其他</a:t>
+              </a:r>
+              <a:endParaRPr lang="zh-TW" altLang="en-US" sz="900" dirty="0"/>
+            </a:p>
+          </p:txBody>
+        </p:sp>
+        <p:sp>
+          <p:nvSpPr>
+            <p:cNvPr id="62" name="橢圓 61"/>
+            <p:cNvSpPr/>
+            <p:nvPr/>
+          </p:nvSpPr>
+          <p:spPr>
+            <a:xfrm rot="7440000">
+              <a:off x="2821701" y="3212535"/>
+              <a:ext cx="3117112" cy="2335946"/>
+            </a:xfrm>
+            <a:prstGeom prst="ellipse">
+              <a:avLst/>
+            </a:prstGeom>
+            <a:noFill/>
+            <a:ln w="6350">
+              <a:solidFill>
+                <a:srgbClr val="FF0000"/>
+              </a:solidFill>
+            </a:ln>
+          </p:spPr>
+          <p:style>
+            <a:lnRef idx="2">
+              <a:schemeClr val="accent1">
+                <a:shade val="50000"/>
+              </a:schemeClr>
+            </a:lnRef>
+            <a:fillRef idx="1">
+              <a:schemeClr val="accent1"/>
+            </a:fillRef>
+            <a:effectRef idx="0">
+              <a:schemeClr val="accent1"/>
+            </a:effectRef>
+            <a:fontRef idx="minor">
+              <a:schemeClr val="lt1"/>
+            </a:fontRef>
+          </p:style>
+          <p:txBody>
+            <a:bodyPr rtlCol="0" anchor="ctr"/>
+            <a:lstStyle/>
+            <a:p>
+              <a:pPr algn="ctr"/>
+              <a:endParaRPr lang="zh-TW" altLang="en-US" sz="800" dirty="0"/>
+            </a:p>
+          </p:txBody>
+        </p:sp>
+        <p:sp>
+          <p:nvSpPr>
+            <p:cNvPr id="63" name="文字方塊 62"/>
+            <p:cNvSpPr txBox="1"/>
+            <p:nvPr/>
+          </p:nvSpPr>
+          <p:spPr>
+            <a:xfrm>
+              <a:off x="3074290" y="5733256"/>
+              <a:ext cx="646331" cy="230832"/>
+            </a:xfrm>
+            <a:prstGeom prst="rect">
+              <a:avLst/>
+            </a:prstGeom>
+            <a:noFill/>
+          </p:spPr>
+          <p:txBody>
+            <a:bodyPr wrap="none" rtlCol="0">
+              <a:spAutoFit/>
+            </a:bodyPr>
+            <a:lstStyle/>
+            <a:p>
+              <a:r>
+                <a:rPr lang="zh-TW" altLang="en-US" sz="900" dirty="0" smtClean="0"/>
+                <a:t>科技相關</a:t>
+              </a:r>
+              <a:endParaRPr lang="zh-TW" altLang="en-US" sz="900" dirty="0"/>
+            </a:p>
+          </p:txBody>
+        </p:sp>
+        <p:sp>
+          <p:nvSpPr>
+            <p:cNvPr id="64" name="文字方塊 63"/>
+            <p:cNvSpPr txBox="1"/>
+            <p:nvPr/>
+          </p:nvSpPr>
+          <p:spPr>
+            <a:xfrm>
+              <a:off x="5986798" y="4554463"/>
+              <a:ext cx="415498" cy="230832"/>
+            </a:xfrm>
+            <a:prstGeom prst="rect">
+              <a:avLst/>
+            </a:prstGeom>
+            <a:noFill/>
+          </p:spPr>
+          <p:txBody>
+            <a:bodyPr wrap="none" rtlCol="0">
+              <a:spAutoFit/>
+            </a:bodyPr>
+            <a:lstStyle/>
+            <a:p>
+              <a:r>
+                <a:rPr lang="zh-TW" altLang="en-US" sz="900" dirty="0" smtClean="0"/>
+                <a:t>造紙</a:t>
+              </a:r>
+              <a:endParaRPr lang="zh-TW" altLang="en-US" sz="900" dirty="0"/>
+            </a:p>
+          </p:txBody>
+        </p:sp>
+        <p:sp>
+          <p:nvSpPr>
+            <p:cNvPr id="65" name="橢圓 64"/>
+            <p:cNvSpPr/>
+            <p:nvPr/>
+          </p:nvSpPr>
+          <p:spPr>
+            <a:xfrm>
+              <a:off x="5284678" y="3285863"/>
+              <a:ext cx="177406" cy="157945"/>
+            </a:xfrm>
+            <a:prstGeom prst="ellipse">
+              <a:avLst/>
+            </a:prstGeom>
+            <a:noFill/>
+            <a:ln w="6350">
+              <a:solidFill>
+                <a:srgbClr val="FF0000"/>
+              </a:solidFill>
+            </a:ln>
+          </p:spPr>
+          <p:style>
+            <a:lnRef idx="2">
+              <a:schemeClr val="accent1">
+                <a:shade val="50000"/>
+              </a:schemeClr>
+            </a:lnRef>
+            <a:fillRef idx="1">
+              <a:schemeClr val="accent1"/>
+            </a:fillRef>
+            <a:effectRef idx="0">
+              <a:schemeClr val="accent1"/>
+            </a:effectRef>
+            <a:fontRef idx="minor">
+              <a:schemeClr val="lt1"/>
+            </a:fontRef>
+          </p:style>
+          <p:txBody>
+            <a:bodyPr rtlCol="0" anchor="ctr"/>
+            <a:lstStyle/>
+            <a:p>
+              <a:pPr algn="ctr"/>
+              <a:endParaRPr lang="zh-TW" altLang="en-US" sz="800" dirty="0"/>
+            </a:p>
+          </p:txBody>
+        </p:sp>
+        <p:sp>
+          <p:nvSpPr>
+            <p:cNvPr id="66" name="文字方塊 65"/>
+            <p:cNvSpPr txBox="1"/>
+            <p:nvPr/>
+          </p:nvSpPr>
+          <p:spPr>
+            <a:xfrm>
+              <a:off x="5165204" y="3206130"/>
+              <a:ext cx="646331" cy="230832"/>
+            </a:xfrm>
+            <a:prstGeom prst="rect">
+              <a:avLst/>
+            </a:prstGeom>
+            <a:noFill/>
+          </p:spPr>
+          <p:txBody>
+            <a:bodyPr wrap="none" rtlCol="0">
+              <a:spAutoFit/>
+            </a:bodyPr>
+            <a:lstStyle/>
+            <a:p>
+              <a:r>
+                <a:rPr lang="zh-TW" altLang="en-US" sz="900" dirty="0" smtClean="0"/>
+                <a:t>電器電纜</a:t>
+              </a:r>
+              <a:endParaRPr lang="zh-TW" altLang="en-US" sz="900" dirty="0"/>
+            </a:p>
+          </p:txBody>
+        </p:sp>
+      </p:grpSp>
+      <p:sp>
+        <p:nvSpPr>
+          <p:cNvPr id="68" name="文字方塊 67"/>
+          <p:cNvSpPr txBox="1"/>
+          <p:nvPr/>
+        </p:nvSpPr>
+        <p:spPr>
+          <a:xfrm>
+            <a:off x="112663" y="332656"/>
+            <a:ext cx="1562992" cy="369332"/>
+          </a:xfrm>
+          <a:prstGeom prst="rect">
+            <a:avLst/>
+          </a:prstGeom>
+          <a:noFill/>
+        </p:spPr>
+        <p:txBody>
+          <a:bodyPr wrap="none" rtlCol="0">
+            <a:spAutoFit/>
+          </a:bodyPr>
+          <a:lstStyle/>
+          <a:p>
+            <a:r>
+              <a:rPr lang="en-US" altLang="zh-TW" dirty="0" err="1" smtClean="0"/>
+              <a:t>Testset</a:t>
+            </a:r>
+            <a:r>
+              <a:rPr lang="en-US" altLang="zh-TW" dirty="0" smtClean="0"/>
+              <a:t>(12491)</a:t>
+            </a:r>
+            <a:endParaRPr lang="zh-TW" altLang="en-US" dirty="0"/>
+          </a:p>
+        </p:txBody>
+      </p:sp>
+    </p:spTree>
+    <p:extLst>
+      <p:ext uri="{BB962C8B-B14F-4D97-AF65-F5344CB8AC3E}">
+        <p14:creationId xmlns:p14="http://schemas.microsoft.com/office/powerpoint/2010/main" val="880147567"/>
+      </p:ext>
+    </p:extLst>
+  </p:cSld>
+  <p:clrMapOvr>
+    <a:masterClrMapping/>
+  </p:clrMapOvr>
+  <p:timing>
+    <p:tnLst>
+      <p:par>
+        <p:cTn id="1" dur="indefinite" restart="never" nodeType="tmRoot"/>
+      </p:par>
+    </p:tnLst>
+  </p:timing>
+</p:sld>
+</file>
+
+<file path=ppt/slides/slide32.xml><?xml version="1.0" encoding="utf-8"?>
+<p:sld xmlns:a="http://schemas.openxmlformats.org/drawingml/2006/main" xmlns:r="http://schemas.openxmlformats.org/officeDocument/2006/relationships" xmlns:p="http://schemas.openxmlformats.org/presentationml/2006/main">
+  <p:cSld>
+    <p:spTree>
+      <p:nvGrpSpPr>
+        <p:cNvPr id="1" name=""/>
+        <p:cNvGrpSpPr/>
+        <p:nvPr/>
+      </p:nvGrpSpPr>
+      <p:grpSpPr>
+        <a:xfrm>
+          <a:off x="0" y="0"/>
+          <a:ext cx="0" cy="0"/>
+          <a:chOff x="0" y="0"/>
+          <a:chExt cx="0" cy="0"/>
+        </a:xfrm>
+      </p:grpSpPr>
+      <p:sp>
+        <p:nvSpPr>
+          <p:cNvPr id="2" name="標題 1"/>
+          <p:cNvSpPr>
+            <a:spLocks noGrp="1"/>
+          </p:cNvSpPr>
+          <p:nvPr>
+            <p:ph type="title"/>
+          </p:nvPr>
+        </p:nvSpPr>
+        <p:spPr/>
+        <p:txBody>
+          <a:bodyPr/>
+          <a:lstStyle/>
+          <a:p>
+            <a:endParaRPr lang="zh-TW" altLang="en-US"/>
+          </a:p>
+        </p:txBody>
+      </p:sp>
+      <p:pic>
+        <p:nvPicPr>
+          <p:cNvPr id="4" name="內容版面配置區 3"/>
+          <p:cNvPicPr>
+            <a:picLocks noGrp="1" noChangeAspect="1"/>
+          </p:cNvPicPr>
+          <p:nvPr>
+            <p:ph idx="1"/>
+          </p:nvPr>
+        </p:nvPicPr>
+        <p:blipFill>
+          <a:blip r:embed="rId2" cstate="print">
+            <a:extLst>
+              <a:ext uri="{28A0092B-C50C-407E-A947-70E740481C1C}">
+                <a14:useLocalDpi xmlns:a14="http://schemas.microsoft.com/office/drawing/2010/main" val="0"/>
+              </a:ext>
+            </a:extLst>
+          </a:blip>
+          <a:stretch>
+            <a:fillRect/>
+          </a:stretch>
+        </p:blipFill>
+        <p:spPr>
+          <a:xfrm>
+            <a:off x="1115616" y="116632"/>
+            <a:ext cx="7128792" cy="7128792"/>
+          </a:xfrm>
+        </p:spPr>
+      </p:pic>
+    </p:spTree>
+    <p:extLst>
+      <p:ext uri="{BB962C8B-B14F-4D97-AF65-F5344CB8AC3E}">
+        <p14:creationId xmlns:p14="http://schemas.microsoft.com/office/powerpoint/2010/main" val="90446645"/>
+      </p:ext>
+    </p:extLst>
+  </p:cSld>
+  <p:clrMapOvr>
+    <a:masterClrMapping/>
+  </p:clrMapOvr>
+  <p:timing>
+    <p:tnLst>
+      <p:par>
+        <p:cTn id="1" dur="indefinite" restart="never" nodeType="tmRoot"/>
+      </p:par>
+    </p:tnLst>
+  </p:timing>
 </p:sld>
 </file>
 
@@ -5953,11 +8601,7 @@
             </a:r>
             <a:r>
               <a:rPr lang="zh-TW" altLang="en-US" dirty="0" smtClean="0"/>
-              <a:t>萬</a:t>
-            </a:r>
-            <a:r>
-              <a:rPr lang="zh-TW" altLang="en-US" dirty="0" smtClean="0"/>
-              <a:t>篇</a:t>
+              <a:t>萬篇</a:t>
             </a:r>
             <a:endParaRPr lang="zh-TW" altLang="en-US" dirty="0"/>
           </a:p>

--- a/Slide/SDAE.pptx
+++ b/Slide/SDAE.pptx
@@ -4,6 +4,9 @@
   <p:sldMasterIdLst>
     <p:sldMasterId id="2147483648" r:id="rId1"/>
   </p:sldMasterIdLst>
+  <p:notesMasterIdLst>
+    <p:notesMasterId r:id="rId44"/>
+  </p:notesMasterIdLst>
   <p:sldIdLst>
     <p:sldId id="256" r:id="rId2"/>
     <p:sldId id="257" r:id="rId3"/>
@@ -37,6 +40,16 @@
     <p:sldId id="288" r:id="rId31"/>
     <p:sldId id="287" r:id="rId32"/>
     <p:sldId id="289" r:id="rId33"/>
+    <p:sldId id="292" r:id="rId34"/>
+    <p:sldId id="290" r:id="rId35"/>
+    <p:sldId id="291" r:id="rId36"/>
+    <p:sldId id="295" r:id="rId37"/>
+    <p:sldId id="293" r:id="rId38"/>
+    <p:sldId id="294" r:id="rId39"/>
+    <p:sldId id="296" r:id="rId40"/>
+    <p:sldId id="297" r:id="rId41"/>
+    <p:sldId id="299" r:id="rId42"/>
+    <p:sldId id="300" r:id="rId43"/>
   </p:sldIdLst>
   <p:sldSz cx="9144000" cy="6858000" type="screen4x3"/>
   <p:notesSz cx="6858000" cy="9144000"/>
@@ -138,6 +151,440 @@
 </p:presentation>
 </file>
 
+<file path=ppt/notesMasters/notesMaster1.xml><?xml version="1.0" encoding="utf-8"?>
+<p:notesMaster xmlns:a="http://schemas.openxmlformats.org/drawingml/2006/main" xmlns:r="http://schemas.openxmlformats.org/officeDocument/2006/relationships" xmlns:p="http://schemas.openxmlformats.org/presentationml/2006/main">
+  <p:cSld>
+    <p:bg>
+      <p:bgRef idx="1001">
+        <a:schemeClr val="bg1"/>
+      </p:bgRef>
+    </p:bg>
+    <p:spTree>
+      <p:nvGrpSpPr>
+        <p:cNvPr id="1" name=""/>
+        <p:cNvGrpSpPr/>
+        <p:nvPr/>
+      </p:nvGrpSpPr>
+      <p:grpSpPr>
+        <a:xfrm>
+          <a:off x="0" y="0"/>
+          <a:ext cx="0" cy="0"/>
+          <a:chOff x="0" y="0"/>
+          <a:chExt cx="0" cy="0"/>
+        </a:xfrm>
+      </p:grpSpPr>
+      <p:sp>
+        <p:nvSpPr>
+          <p:cNvPr id="2" name="頁首版面配置區 1"/>
+          <p:cNvSpPr>
+            <a:spLocks noGrp="1"/>
+          </p:cNvSpPr>
+          <p:nvPr>
+            <p:ph type="hdr" sz="quarter"/>
+          </p:nvPr>
+        </p:nvSpPr>
+        <p:spPr>
+          <a:xfrm>
+            <a:off x="0" y="0"/>
+            <a:ext cx="2971800" cy="457200"/>
+          </a:xfrm>
+          <a:prstGeom prst="rect">
+            <a:avLst/>
+          </a:prstGeom>
+        </p:spPr>
+        <p:txBody>
+          <a:bodyPr vert="horz" lIns="91440" tIns="45720" rIns="91440" bIns="45720" rtlCol="0"/>
+          <a:lstStyle>
+            <a:lvl1pPr algn="l">
+              <a:defRPr sz="1200"/>
+            </a:lvl1pPr>
+          </a:lstStyle>
+          <a:p>
+            <a:endParaRPr lang="zh-TW" altLang="en-US"/>
+          </a:p>
+        </p:txBody>
+      </p:sp>
+      <p:sp>
+        <p:nvSpPr>
+          <p:cNvPr id="3" name="日期版面配置區 2"/>
+          <p:cNvSpPr>
+            <a:spLocks noGrp="1"/>
+          </p:cNvSpPr>
+          <p:nvPr>
+            <p:ph type="dt" idx="1"/>
+          </p:nvPr>
+        </p:nvSpPr>
+        <p:spPr>
+          <a:xfrm>
+            <a:off x="3884613" y="0"/>
+            <a:ext cx="2971800" cy="457200"/>
+          </a:xfrm>
+          <a:prstGeom prst="rect">
+            <a:avLst/>
+          </a:prstGeom>
+        </p:spPr>
+        <p:txBody>
+          <a:bodyPr vert="horz" lIns="91440" tIns="45720" rIns="91440" bIns="45720" rtlCol="0"/>
+          <a:lstStyle>
+            <a:lvl1pPr algn="r">
+              <a:defRPr sz="1200"/>
+            </a:lvl1pPr>
+          </a:lstStyle>
+          <a:p>
+            <a:fld id="{CE9E8C50-E42A-4C5A-A165-128B2C12B33D}" type="datetimeFigureOut">
+              <a:rPr lang="zh-TW" altLang="en-US" smtClean="0"/>
+              <a:t>2018/12/25</a:t>
+            </a:fld>
+            <a:endParaRPr lang="zh-TW" altLang="en-US"/>
+          </a:p>
+        </p:txBody>
+      </p:sp>
+      <p:sp>
+        <p:nvSpPr>
+          <p:cNvPr id="4" name="投影片圖像版面配置區 3"/>
+          <p:cNvSpPr>
+            <a:spLocks noGrp="1" noRot="1" noChangeAspect="1"/>
+          </p:cNvSpPr>
+          <p:nvPr>
+            <p:ph type="sldImg" idx="2"/>
+          </p:nvPr>
+        </p:nvSpPr>
+        <p:spPr>
+          <a:xfrm>
+            <a:off x="1143000" y="685800"/>
+            <a:ext cx="4572000" cy="3429000"/>
+          </a:xfrm>
+          <a:prstGeom prst="rect">
+            <a:avLst/>
+          </a:prstGeom>
+          <a:noFill/>
+          <a:ln w="12700">
+            <a:solidFill>
+              <a:prstClr val="black"/>
+            </a:solidFill>
+          </a:ln>
+        </p:spPr>
+        <p:txBody>
+          <a:bodyPr vert="horz" lIns="91440" tIns="45720" rIns="91440" bIns="45720" rtlCol="0" anchor="ctr"/>
+          <a:lstStyle/>
+          <a:p>
+            <a:endParaRPr lang="zh-TW" altLang="en-US"/>
+          </a:p>
+        </p:txBody>
+      </p:sp>
+      <p:sp>
+        <p:nvSpPr>
+          <p:cNvPr id="5" name="備忘稿版面配置區 4"/>
+          <p:cNvSpPr>
+            <a:spLocks noGrp="1"/>
+          </p:cNvSpPr>
+          <p:nvPr>
+            <p:ph type="body" sz="quarter" idx="3"/>
+          </p:nvPr>
+        </p:nvSpPr>
+        <p:spPr>
+          <a:xfrm>
+            <a:off x="685800" y="4343400"/>
+            <a:ext cx="5486400" cy="4114800"/>
+          </a:xfrm>
+          <a:prstGeom prst="rect">
+            <a:avLst/>
+          </a:prstGeom>
+        </p:spPr>
+        <p:txBody>
+          <a:bodyPr vert="horz" lIns="91440" tIns="45720" rIns="91440" bIns="45720" rtlCol="0"/>
+          <a:lstStyle/>
+          <a:p>
+            <a:pPr lvl="0"/>
+            <a:r>
+              <a:rPr lang="zh-TW" altLang="en-US" smtClean="0"/>
+              <a:t>按一下以編輯母片文字樣式</a:t>
+            </a:r>
+          </a:p>
+          <a:p>
+            <a:pPr lvl="1"/>
+            <a:r>
+              <a:rPr lang="zh-TW" altLang="en-US" smtClean="0"/>
+              <a:t>第二層</a:t>
+            </a:r>
+          </a:p>
+          <a:p>
+            <a:pPr lvl="2"/>
+            <a:r>
+              <a:rPr lang="zh-TW" altLang="en-US" smtClean="0"/>
+              <a:t>第三層</a:t>
+            </a:r>
+          </a:p>
+          <a:p>
+            <a:pPr lvl="3"/>
+            <a:r>
+              <a:rPr lang="zh-TW" altLang="en-US" smtClean="0"/>
+              <a:t>第四層</a:t>
+            </a:r>
+          </a:p>
+          <a:p>
+            <a:pPr lvl="4"/>
+            <a:r>
+              <a:rPr lang="zh-TW" altLang="en-US" smtClean="0"/>
+              <a:t>第五層</a:t>
+            </a:r>
+            <a:endParaRPr lang="zh-TW" altLang="en-US"/>
+          </a:p>
+        </p:txBody>
+      </p:sp>
+      <p:sp>
+        <p:nvSpPr>
+          <p:cNvPr id="6" name="頁尾版面配置區 5"/>
+          <p:cNvSpPr>
+            <a:spLocks noGrp="1"/>
+          </p:cNvSpPr>
+          <p:nvPr>
+            <p:ph type="ftr" sz="quarter" idx="4"/>
+          </p:nvPr>
+        </p:nvSpPr>
+        <p:spPr>
+          <a:xfrm>
+            <a:off x="0" y="8685213"/>
+            <a:ext cx="2971800" cy="457200"/>
+          </a:xfrm>
+          <a:prstGeom prst="rect">
+            <a:avLst/>
+          </a:prstGeom>
+        </p:spPr>
+        <p:txBody>
+          <a:bodyPr vert="horz" lIns="91440" tIns="45720" rIns="91440" bIns="45720" rtlCol="0" anchor="b"/>
+          <a:lstStyle>
+            <a:lvl1pPr algn="l">
+              <a:defRPr sz="1200"/>
+            </a:lvl1pPr>
+          </a:lstStyle>
+          <a:p>
+            <a:endParaRPr lang="zh-TW" altLang="en-US"/>
+          </a:p>
+        </p:txBody>
+      </p:sp>
+      <p:sp>
+        <p:nvSpPr>
+          <p:cNvPr id="7" name="投影片編號版面配置區 6"/>
+          <p:cNvSpPr>
+            <a:spLocks noGrp="1"/>
+          </p:cNvSpPr>
+          <p:nvPr>
+            <p:ph type="sldNum" sz="quarter" idx="5"/>
+          </p:nvPr>
+        </p:nvSpPr>
+        <p:spPr>
+          <a:xfrm>
+            <a:off x="3884613" y="8685213"/>
+            <a:ext cx="2971800" cy="457200"/>
+          </a:xfrm>
+          <a:prstGeom prst="rect">
+            <a:avLst/>
+          </a:prstGeom>
+        </p:spPr>
+        <p:txBody>
+          <a:bodyPr vert="horz" lIns="91440" tIns="45720" rIns="91440" bIns="45720" rtlCol="0" anchor="b"/>
+          <a:lstStyle>
+            <a:lvl1pPr algn="r">
+              <a:defRPr sz="1200"/>
+            </a:lvl1pPr>
+          </a:lstStyle>
+          <a:p>
+            <a:fld id="{460EF71F-C288-4A05-A8EE-5768E0A125CC}" type="slidenum">
+              <a:rPr lang="zh-TW" altLang="en-US" smtClean="0"/>
+              <a:t>‹#›</a:t>
+            </a:fld>
+            <a:endParaRPr lang="zh-TW" altLang="en-US"/>
+          </a:p>
+        </p:txBody>
+      </p:sp>
+    </p:spTree>
+    <p:extLst>
+      <p:ext uri="{BB962C8B-B14F-4D97-AF65-F5344CB8AC3E}">
+        <p14:creationId xmlns:p14="http://schemas.microsoft.com/office/powerpoint/2010/main" val="342647615"/>
+      </p:ext>
+    </p:extLst>
+  </p:cSld>
+  <p:clrMap bg1="lt1" tx1="dk1" bg2="lt2" tx2="dk2" accent1="accent1" accent2="accent2" accent3="accent3" accent4="accent4" accent5="accent5" accent6="accent6" hlink="hlink" folHlink="folHlink"/>
+  <p:notesStyle>
+    <a:lvl1pPr marL="0" algn="l" defTabSz="914400" rtl="0" eaLnBrk="1" latinLnBrk="0" hangingPunct="1">
+      <a:defRPr sz="1200" kern="1200">
+        <a:solidFill>
+          <a:schemeClr val="tx1"/>
+        </a:solidFill>
+        <a:latin typeface="+mn-lt"/>
+        <a:ea typeface="+mn-ea"/>
+        <a:cs typeface="+mn-cs"/>
+      </a:defRPr>
+    </a:lvl1pPr>
+    <a:lvl2pPr marL="457200" algn="l" defTabSz="914400" rtl="0" eaLnBrk="1" latinLnBrk="0" hangingPunct="1">
+      <a:defRPr sz="1200" kern="1200">
+        <a:solidFill>
+          <a:schemeClr val="tx1"/>
+        </a:solidFill>
+        <a:latin typeface="+mn-lt"/>
+        <a:ea typeface="+mn-ea"/>
+        <a:cs typeface="+mn-cs"/>
+      </a:defRPr>
+    </a:lvl2pPr>
+    <a:lvl3pPr marL="914400" algn="l" defTabSz="914400" rtl="0" eaLnBrk="1" latinLnBrk="0" hangingPunct="1">
+      <a:defRPr sz="1200" kern="1200">
+        <a:solidFill>
+          <a:schemeClr val="tx1"/>
+        </a:solidFill>
+        <a:latin typeface="+mn-lt"/>
+        <a:ea typeface="+mn-ea"/>
+        <a:cs typeface="+mn-cs"/>
+      </a:defRPr>
+    </a:lvl3pPr>
+    <a:lvl4pPr marL="1371600" algn="l" defTabSz="914400" rtl="0" eaLnBrk="1" latinLnBrk="0" hangingPunct="1">
+      <a:defRPr sz="1200" kern="1200">
+        <a:solidFill>
+          <a:schemeClr val="tx1"/>
+        </a:solidFill>
+        <a:latin typeface="+mn-lt"/>
+        <a:ea typeface="+mn-ea"/>
+        <a:cs typeface="+mn-cs"/>
+      </a:defRPr>
+    </a:lvl4pPr>
+    <a:lvl5pPr marL="1828800" algn="l" defTabSz="914400" rtl="0" eaLnBrk="1" latinLnBrk="0" hangingPunct="1">
+      <a:defRPr sz="1200" kern="1200">
+        <a:solidFill>
+          <a:schemeClr val="tx1"/>
+        </a:solidFill>
+        <a:latin typeface="+mn-lt"/>
+        <a:ea typeface="+mn-ea"/>
+        <a:cs typeface="+mn-cs"/>
+      </a:defRPr>
+    </a:lvl5pPr>
+    <a:lvl6pPr marL="2286000" algn="l" defTabSz="914400" rtl="0" eaLnBrk="1" latinLnBrk="0" hangingPunct="1">
+      <a:defRPr sz="1200" kern="1200">
+        <a:solidFill>
+          <a:schemeClr val="tx1"/>
+        </a:solidFill>
+        <a:latin typeface="+mn-lt"/>
+        <a:ea typeface="+mn-ea"/>
+        <a:cs typeface="+mn-cs"/>
+      </a:defRPr>
+    </a:lvl6pPr>
+    <a:lvl7pPr marL="2743200" algn="l" defTabSz="914400" rtl="0" eaLnBrk="1" latinLnBrk="0" hangingPunct="1">
+      <a:defRPr sz="1200" kern="1200">
+        <a:solidFill>
+          <a:schemeClr val="tx1"/>
+        </a:solidFill>
+        <a:latin typeface="+mn-lt"/>
+        <a:ea typeface="+mn-ea"/>
+        <a:cs typeface="+mn-cs"/>
+      </a:defRPr>
+    </a:lvl7pPr>
+    <a:lvl8pPr marL="3200400" algn="l" defTabSz="914400" rtl="0" eaLnBrk="1" latinLnBrk="0" hangingPunct="1">
+      <a:defRPr sz="1200" kern="1200">
+        <a:solidFill>
+          <a:schemeClr val="tx1"/>
+        </a:solidFill>
+        <a:latin typeface="+mn-lt"/>
+        <a:ea typeface="+mn-ea"/>
+        <a:cs typeface="+mn-cs"/>
+      </a:defRPr>
+    </a:lvl8pPr>
+    <a:lvl9pPr marL="3657600" algn="l" defTabSz="914400" rtl="0" eaLnBrk="1" latinLnBrk="0" hangingPunct="1">
+      <a:defRPr sz="1200" kern="1200">
+        <a:solidFill>
+          <a:schemeClr val="tx1"/>
+        </a:solidFill>
+        <a:latin typeface="+mn-lt"/>
+        <a:ea typeface="+mn-ea"/>
+        <a:cs typeface="+mn-cs"/>
+      </a:defRPr>
+    </a:lvl9pPr>
+  </p:notesStyle>
+</p:notesMaster>
+</file>
+
+<file path=ppt/notesSlides/notesSlide1.xml><?xml version="1.0" encoding="utf-8"?>
+<p:notes xmlns:a="http://schemas.openxmlformats.org/drawingml/2006/main" xmlns:r="http://schemas.openxmlformats.org/officeDocument/2006/relationships" xmlns:p="http://schemas.openxmlformats.org/presentationml/2006/main">
+  <p:cSld>
+    <p:spTree>
+      <p:nvGrpSpPr>
+        <p:cNvPr id="1" name=""/>
+        <p:cNvGrpSpPr/>
+        <p:nvPr/>
+      </p:nvGrpSpPr>
+      <p:grpSpPr>
+        <a:xfrm>
+          <a:off x="0" y="0"/>
+          <a:ext cx="0" cy="0"/>
+          <a:chOff x="0" y="0"/>
+          <a:chExt cx="0" cy="0"/>
+        </a:xfrm>
+      </p:grpSpPr>
+      <p:sp>
+        <p:nvSpPr>
+          <p:cNvPr id="2" name="投影片圖像版面配置區 1"/>
+          <p:cNvSpPr>
+            <a:spLocks noGrp="1" noRot="1" noChangeAspect="1"/>
+          </p:cNvSpPr>
+          <p:nvPr>
+            <p:ph type="sldImg"/>
+          </p:nvPr>
+        </p:nvSpPr>
+        <p:spPr/>
+      </p:sp>
+      <p:sp>
+        <p:nvSpPr>
+          <p:cNvPr id="3" name="備忘稿版面配置區 2"/>
+          <p:cNvSpPr>
+            <a:spLocks noGrp="1"/>
+          </p:cNvSpPr>
+          <p:nvPr>
+            <p:ph type="body" idx="1"/>
+          </p:nvPr>
+        </p:nvSpPr>
+        <p:spPr/>
+        <p:txBody>
+          <a:bodyPr/>
+          <a:lstStyle/>
+          <a:p>
+            <a:endParaRPr lang="zh-TW" altLang="en-US" dirty="0"/>
+          </a:p>
+        </p:txBody>
+      </p:sp>
+      <p:sp>
+        <p:nvSpPr>
+          <p:cNvPr id="4" name="投影片編號版面配置區 3"/>
+          <p:cNvSpPr>
+            <a:spLocks noGrp="1"/>
+          </p:cNvSpPr>
+          <p:nvPr>
+            <p:ph type="sldNum" sz="quarter" idx="10"/>
+          </p:nvPr>
+        </p:nvSpPr>
+        <p:spPr/>
+        <p:txBody>
+          <a:bodyPr/>
+          <a:lstStyle/>
+          <a:p>
+            <a:fld id="{460EF71F-C288-4A05-A8EE-5768E0A125CC}" type="slidenum">
+              <a:rPr lang="zh-TW" altLang="en-US" smtClean="0"/>
+              <a:t>41</a:t>
+            </a:fld>
+            <a:endParaRPr lang="zh-TW" altLang="en-US"/>
+          </a:p>
+        </p:txBody>
+      </p:sp>
+    </p:spTree>
+    <p:extLst>
+      <p:ext uri="{BB962C8B-B14F-4D97-AF65-F5344CB8AC3E}">
+        <p14:creationId xmlns:p14="http://schemas.microsoft.com/office/powerpoint/2010/main" val="344074957"/>
+      </p:ext>
+    </p:extLst>
+  </p:cSld>
+  <p:clrMapOvr>
+    <a:masterClrMapping/>
+  </p:clrMapOvr>
+</p:notes>
+</file>
+
 <file path=ppt/slideLayouts/slideLayout1.xml><?xml version="1.0" encoding="utf-8"?>
 <p:sldLayout xmlns:a="http://schemas.openxmlformats.org/drawingml/2006/main" xmlns:r="http://schemas.openxmlformats.org/officeDocument/2006/relationships" xmlns:p="http://schemas.openxmlformats.org/presentationml/2006/main" type="title" preserve="1">
   <p:cSld name="標題投影片">
@@ -319,7 +766,7 @@
           <a:p>
             <a:fld id="{5BBEAD13-0566-4C6C-97E7-55F17F24B09F}" type="datetimeFigureOut">
               <a:rPr lang="zh-TW" altLang="en-US" smtClean="0"/>
-              <a:t>2018/12/10</a:t>
+              <a:t>2018/12/25</a:t>
             </a:fld>
             <a:endParaRPr lang="zh-TW" altLang="en-US"/>
           </a:p>
@@ -484,7 +931,7 @@
           <a:p>
             <a:fld id="{5BBEAD13-0566-4C6C-97E7-55F17F24B09F}" type="datetimeFigureOut">
               <a:rPr lang="zh-TW" altLang="en-US" smtClean="0"/>
-              <a:t>2018/12/10</a:t>
+              <a:t>2018/12/25</a:t>
             </a:fld>
             <a:endParaRPr lang="zh-TW" altLang="en-US"/>
           </a:p>
@@ -659,7 +1106,7 @@
           <a:p>
             <a:fld id="{5BBEAD13-0566-4C6C-97E7-55F17F24B09F}" type="datetimeFigureOut">
               <a:rPr lang="zh-TW" altLang="en-US" smtClean="0"/>
-              <a:t>2018/12/10</a:t>
+              <a:t>2018/12/25</a:t>
             </a:fld>
             <a:endParaRPr lang="zh-TW" altLang="en-US"/>
           </a:p>
@@ -824,7 +1271,7 @@
           <a:p>
             <a:fld id="{5BBEAD13-0566-4C6C-97E7-55F17F24B09F}" type="datetimeFigureOut">
               <a:rPr lang="zh-TW" altLang="en-US" smtClean="0"/>
-              <a:t>2018/12/10</a:t>
+              <a:t>2018/12/25</a:t>
             </a:fld>
             <a:endParaRPr lang="zh-TW" altLang="en-US"/>
           </a:p>
@@ -1065,7 +1512,7 @@
           <a:p>
             <a:fld id="{5BBEAD13-0566-4C6C-97E7-55F17F24B09F}" type="datetimeFigureOut">
               <a:rPr lang="zh-TW" altLang="en-US" smtClean="0"/>
-              <a:t>2018/12/10</a:t>
+              <a:t>2018/12/25</a:t>
             </a:fld>
             <a:endParaRPr lang="zh-TW" altLang="en-US"/>
           </a:p>
@@ -1348,7 +1795,7 @@
           <a:p>
             <a:fld id="{5BBEAD13-0566-4C6C-97E7-55F17F24B09F}" type="datetimeFigureOut">
               <a:rPr lang="zh-TW" altLang="en-US" smtClean="0"/>
-              <a:t>2018/12/10</a:t>
+              <a:t>2018/12/25</a:t>
             </a:fld>
             <a:endParaRPr lang="zh-TW" altLang="en-US"/>
           </a:p>
@@ -1765,7 +2212,7 @@
           <a:p>
             <a:fld id="{5BBEAD13-0566-4C6C-97E7-55F17F24B09F}" type="datetimeFigureOut">
               <a:rPr lang="zh-TW" altLang="en-US" smtClean="0"/>
-              <a:t>2018/12/10</a:t>
+              <a:t>2018/12/25</a:t>
             </a:fld>
             <a:endParaRPr lang="zh-TW" altLang="en-US"/>
           </a:p>
@@ -1878,7 +2325,7 @@
           <a:p>
             <a:fld id="{5BBEAD13-0566-4C6C-97E7-55F17F24B09F}" type="datetimeFigureOut">
               <a:rPr lang="zh-TW" altLang="en-US" smtClean="0"/>
-              <a:t>2018/12/10</a:t>
+              <a:t>2018/12/25</a:t>
             </a:fld>
             <a:endParaRPr lang="zh-TW" altLang="en-US"/>
           </a:p>
@@ -1968,7 +2415,7 @@
           <a:p>
             <a:fld id="{5BBEAD13-0566-4C6C-97E7-55F17F24B09F}" type="datetimeFigureOut">
               <a:rPr lang="zh-TW" altLang="en-US" smtClean="0"/>
-              <a:t>2018/12/10</a:t>
+              <a:t>2018/12/25</a:t>
             </a:fld>
             <a:endParaRPr lang="zh-TW" altLang="en-US"/>
           </a:p>
@@ -2240,7 +2687,7 @@
           <a:p>
             <a:fld id="{5BBEAD13-0566-4C6C-97E7-55F17F24B09F}" type="datetimeFigureOut">
               <a:rPr lang="zh-TW" altLang="en-US" smtClean="0"/>
-              <a:t>2018/12/10</a:t>
+              <a:t>2018/12/25</a:t>
             </a:fld>
             <a:endParaRPr lang="zh-TW" altLang="en-US"/>
           </a:p>
@@ -2488,7 +2935,7 @@
           <a:p>
             <a:fld id="{5BBEAD13-0566-4C6C-97E7-55F17F24B09F}" type="datetimeFigureOut">
               <a:rPr lang="zh-TW" altLang="en-US" smtClean="0"/>
-              <a:t>2018/12/10</a:t>
+              <a:t>2018/12/25</a:t>
             </a:fld>
             <a:endParaRPr lang="zh-TW" altLang="en-US"/>
           </a:p>
@@ -2696,7 +3143,7 @@
           <a:p>
             <a:fld id="{5BBEAD13-0566-4C6C-97E7-55F17F24B09F}" type="datetimeFigureOut">
               <a:rPr lang="zh-TW" altLang="en-US" smtClean="0"/>
-              <a:t>2018/12/10</a:t>
+              <a:t>2018/12/25</a:t>
             </a:fld>
             <a:endParaRPr lang="zh-TW" altLang="en-US"/>
           </a:p>
@@ -5114,11 +5561,7 @@
           <a:p>
             <a:r>
               <a:rPr lang="en-US" altLang="zh-TW" dirty="0" smtClean="0"/>
-              <a:t>Similarity in R,UR,(R-UR)/</a:t>
-            </a:r>
-            <a:r>
-              <a:rPr lang="en-US" altLang="zh-TW" dirty="0" smtClean="0"/>
-              <a:t>2</a:t>
+              <a:t>Similarity in R,UR,(R-UR)/2</a:t>
             </a:r>
             <a:endParaRPr lang="zh-TW" altLang="en-US" dirty="0"/>
           </a:p>
@@ -5936,11 +6379,7 @@
             </a:r>
             <a:r>
               <a:rPr lang="en-US" altLang="zh-TW" dirty="0" smtClean="0"/>
-              <a:t>(3/4</a:t>
-            </a:r>
-            <a:r>
-              <a:rPr lang="en-US" altLang="zh-TW" dirty="0" smtClean="0"/>
-              <a:t>)</a:t>
+              <a:t>(3/4)</a:t>
             </a:r>
           </a:p>
           <a:p>
@@ -8428,7 +8867,7 @@
         <p:spPr>
           <a:xfrm>
             <a:off x="1115616" y="116632"/>
-            <a:ext cx="7128792" cy="7128792"/>
+            <a:ext cx="7416824" cy="7416824"/>
           </a:xfrm>
         </p:spPr>
       </p:pic>
@@ -8436,6 +8875,1136 @@
     <p:extLst>
       <p:ext uri="{BB962C8B-B14F-4D97-AF65-F5344CB8AC3E}">
         <p14:creationId xmlns:p14="http://schemas.microsoft.com/office/powerpoint/2010/main" val="90446645"/>
+      </p:ext>
+    </p:extLst>
+  </p:cSld>
+  <p:clrMapOvr>
+    <a:masterClrMapping/>
+  </p:clrMapOvr>
+  <p:timing>
+    <p:tnLst>
+      <p:par>
+        <p:cTn id="1" dur="indefinite" restart="never" nodeType="tmRoot"/>
+      </p:par>
+    </p:tnLst>
+  </p:timing>
+</p:sld>
+</file>
+
+<file path=ppt/slides/slide33.xml><?xml version="1.0" encoding="utf-8"?>
+<p:sld xmlns:a="http://schemas.openxmlformats.org/drawingml/2006/main" xmlns:r="http://schemas.openxmlformats.org/officeDocument/2006/relationships" xmlns:p="http://schemas.openxmlformats.org/presentationml/2006/main">
+  <p:cSld>
+    <p:spTree>
+      <p:nvGrpSpPr>
+        <p:cNvPr id="1" name=""/>
+        <p:cNvGrpSpPr/>
+        <p:nvPr/>
+      </p:nvGrpSpPr>
+      <p:grpSpPr>
+        <a:xfrm>
+          <a:off x="0" y="0"/>
+          <a:ext cx="0" cy="0"/>
+          <a:chOff x="0" y="0"/>
+          <a:chExt cx="0" cy="0"/>
+        </a:xfrm>
+      </p:grpSpPr>
+      <p:sp>
+        <p:nvSpPr>
+          <p:cNvPr id="2" name="標題 1"/>
+          <p:cNvSpPr>
+            <a:spLocks noGrp="1"/>
+          </p:cNvSpPr>
+          <p:nvPr>
+            <p:ph type="title"/>
+          </p:nvPr>
+        </p:nvSpPr>
+        <p:spPr/>
+        <p:txBody>
+          <a:bodyPr/>
+          <a:lstStyle/>
+          <a:p>
+            <a:endParaRPr lang="zh-TW" altLang="en-US"/>
+          </a:p>
+        </p:txBody>
+      </p:sp>
+      <p:pic>
+        <p:nvPicPr>
+          <p:cNvPr id="4" name="圖片 3" descr="畫面剪輯"/>
+          <p:cNvPicPr>
+            <a:picLocks noChangeAspect="1"/>
+          </p:cNvPicPr>
+          <p:nvPr/>
+        </p:nvPicPr>
+        <p:blipFill>
+          <a:blip r:embed="rId2">
+            <a:extLst>
+              <a:ext uri="{28A0092B-C50C-407E-A947-70E740481C1C}">
+                <a14:useLocalDpi xmlns:a14="http://schemas.microsoft.com/office/drawing/2010/main" val="0"/>
+              </a:ext>
+            </a:extLst>
+          </a:blip>
+          <a:stretch>
+            <a:fillRect/>
+          </a:stretch>
+        </p:blipFill>
+        <p:spPr>
+          <a:xfrm>
+            <a:off x="-20587" y="210468"/>
+            <a:ext cx="5888732" cy="6048672"/>
+          </a:xfrm>
+          <a:prstGeom prst="rect">
+            <a:avLst/>
+          </a:prstGeom>
+        </p:spPr>
+      </p:pic>
+      <p:pic>
+        <p:nvPicPr>
+          <p:cNvPr id="5" name="圖片 4" descr="畫面剪輯"/>
+          <p:cNvPicPr>
+            <a:picLocks noChangeAspect="1"/>
+          </p:cNvPicPr>
+          <p:nvPr/>
+        </p:nvPicPr>
+        <p:blipFill>
+          <a:blip r:embed="rId3">
+            <a:extLst>
+              <a:ext uri="{28A0092B-C50C-407E-A947-70E740481C1C}">
+                <a14:useLocalDpi xmlns:a14="http://schemas.microsoft.com/office/drawing/2010/main" val="0"/>
+              </a:ext>
+            </a:extLst>
+          </a:blip>
+          <a:stretch>
+            <a:fillRect/>
+          </a:stretch>
+        </p:blipFill>
+        <p:spPr>
+          <a:xfrm>
+            <a:off x="6228184" y="0"/>
+            <a:ext cx="2376263" cy="6669360"/>
+          </a:xfrm>
+          <a:prstGeom prst="rect">
+            <a:avLst/>
+          </a:prstGeom>
+        </p:spPr>
+      </p:pic>
+    </p:spTree>
+    <p:extLst>
+      <p:ext uri="{BB962C8B-B14F-4D97-AF65-F5344CB8AC3E}">
+        <p14:creationId xmlns:p14="http://schemas.microsoft.com/office/powerpoint/2010/main" val="2959147980"/>
+      </p:ext>
+    </p:extLst>
+  </p:cSld>
+  <p:clrMapOvr>
+    <a:masterClrMapping/>
+  </p:clrMapOvr>
+  <p:timing>
+    <p:tnLst>
+      <p:par>
+        <p:cTn id="1" dur="indefinite" restart="never" nodeType="tmRoot"/>
+      </p:par>
+    </p:tnLst>
+  </p:timing>
+</p:sld>
+</file>
+
+<file path=ppt/slides/slide34.xml><?xml version="1.0" encoding="utf-8"?>
+<p:sld xmlns:a="http://schemas.openxmlformats.org/drawingml/2006/main" xmlns:r="http://schemas.openxmlformats.org/officeDocument/2006/relationships" xmlns:p="http://schemas.openxmlformats.org/presentationml/2006/main">
+  <p:cSld>
+    <p:spTree>
+      <p:nvGrpSpPr>
+        <p:cNvPr id="1" name=""/>
+        <p:cNvGrpSpPr/>
+        <p:nvPr/>
+      </p:nvGrpSpPr>
+      <p:grpSpPr>
+        <a:xfrm>
+          <a:off x="0" y="0"/>
+          <a:ext cx="0" cy="0"/>
+          <a:chOff x="0" y="0"/>
+          <a:chExt cx="0" cy="0"/>
+        </a:xfrm>
+      </p:grpSpPr>
+      <p:sp>
+        <p:nvSpPr>
+          <p:cNvPr id="2" name="標題 1"/>
+          <p:cNvSpPr>
+            <a:spLocks noGrp="1"/>
+          </p:cNvSpPr>
+          <p:nvPr>
+            <p:ph type="title"/>
+          </p:nvPr>
+        </p:nvSpPr>
+        <p:spPr/>
+        <p:txBody>
+          <a:bodyPr/>
+          <a:lstStyle/>
+          <a:p>
+            <a:endParaRPr lang="zh-TW" altLang="en-US"/>
+          </a:p>
+        </p:txBody>
+      </p:sp>
+      <p:pic>
+        <p:nvPicPr>
+          <p:cNvPr id="4" name="內容版面配置區 3" descr="畫面剪輯"/>
+          <p:cNvPicPr>
+            <a:picLocks noGrp="1" noChangeAspect="1"/>
+          </p:cNvPicPr>
+          <p:nvPr>
+            <p:ph idx="1"/>
+          </p:nvPr>
+        </p:nvPicPr>
+        <p:blipFill>
+          <a:blip r:embed="rId2">
+            <a:extLst>
+              <a:ext uri="{28A0092B-C50C-407E-A947-70E740481C1C}">
+                <a14:useLocalDpi xmlns:a14="http://schemas.microsoft.com/office/drawing/2010/main" val="0"/>
+              </a:ext>
+            </a:extLst>
+          </a:blip>
+          <a:stretch>
+            <a:fillRect/>
+          </a:stretch>
+        </p:blipFill>
+        <p:spPr>
+          <a:xfrm>
+            <a:off x="107504" y="188640"/>
+            <a:ext cx="9144000" cy="6572782"/>
+          </a:xfrm>
+          <a:ln>
+            <a:solidFill>
+              <a:srgbClr val="FF0000"/>
+            </a:solidFill>
+          </a:ln>
+        </p:spPr>
+      </p:pic>
+      <p:sp>
+        <p:nvSpPr>
+          <p:cNvPr id="5" name="矩形 4"/>
+          <p:cNvSpPr/>
+          <p:nvPr/>
+        </p:nvSpPr>
+        <p:spPr>
+          <a:xfrm>
+            <a:off x="755576" y="4077072"/>
+            <a:ext cx="576064" cy="360040"/>
+          </a:xfrm>
+          <a:prstGeom prst="rect">
+            <a:avLst/>
+          </a:prstGeom>
+          <a:noFill/>
+          <a:ln>
+            <a:solidFill>
+              <a:srgbClr val="FF0000"/>
+            </a:solidFill>
+          </a:ln>
+        </p:spPr>
+        <p:style>
+          <a:lnRef idx="2">
+            <a:schemeClr val="accent1">
+              <a:shade val="50000"/>
+            </a:schemeClr>
+          </a:lnRef>
+          <a:fillRef idx="1">
+            <a:schemeClr val="accent1"/>
+          </a:fillRef>
+          <a:effectRef idx="0">
+            <a:schemeClr val="accent1"/>
+          </a:effectRef>
+          <a:fontRef idx="minor">
+            <a:schemeClr val="lt1"/>
+          </a:fontRef>
+        </p:style>
+        <p:txBody>
+          <a:bodyPr rtlCol="0" anchor="ctr"/>
+          <a:lstStyle/>
+          <a:p>
+            <a:pPr algn="ctr"/>
+            <a:endParaRPr lang="zh-TW" altLang="en-US"/>
+          </a:p>
+        </p:txBody>
+      </p:sp>
+      <p:sp>
+        <p:nvSpPr>
+          <p:cNvPr id="7" name="矩形 6"/>
+          <p:cNvSpPr/>
+          <p:nvPr/>
+        </p:nvSpPr>
+        <p:spPr>
+          <a:xfrm>
+            <a:off x="1835696" y="5301208"/>
+            <a:ext cx="4104456" cy="360040"/>
+          </a:xfrm>
+          <a:prstGeom prst="rect">
+            <a:avLst/>
+          </a:prstGeom>
+          <a:noFill/>
+          <a:ln>
+            <a:solidFill>
+              <a:srgbClr val="FF0000"/>
+            </a:solidFill>
+          </a:ln>
+        </p:spPr>
+        <p:style>
+          <a:lnRef idx="2">
+            <a:schemeClr val="accent1">
+              <a:shade val="50000"/>
+            </a:schemeClr>
+          </a:lnRef>
+          <a:fillRef idx="1">
+            <a:schemeClr val="accent1"/>
+          </a:fillRef>
+          <a:effectRef idx="0">
+            <a:schemeClr val="accent1"/>
+          </a:effectRef>
+          <a:fontRef idx="minor">
+            <a:schemeClr val="lt1"/>
+          </a:fontRef>
+        </p:style>
+        <p:txBody>
+          <a:bodyPr rtlCol="0" anchor="ctr"/>
+          <a:lstStyle/>
+          <a:p>
+            <a:pPr algn="ctr"/>
+            <a:endParaRPr lang="zh-TW" altLang="en-US"/>
+          </a:p>
+        </p:txBody>
+      </p:sp>
+    </p:spTree>
+    <p:extLst>
+      <p:ext uri="{BB962C8B-B14F-4D97-AF65-F5344CB8AC3E}">
+        <p14:creationId xmlns:p14="http://schemas.microsoft.com/office/powerpoint/2010/main" val="3951511141"/>
+      </p:ext>
+    </p:extLst>
+  </p:cSld>
+  <p:clrMapOvr>
+    <a:masterClrMapping/>
+  </p:clrMapOvr>
+  <p:timing>
+    <p:tnLst>
+      <p:par>
+        <p:cTn id="1" dur="indefinite" restart="never" nodeType="tmRoot"/>
+      </p:par>
+    </p:tnLst>
+  </p:timing>
+</p:sld>
+</file>
+
+<file path=ppt/slides/slide35.xml><?xml version="1.0" encoding="utf-8"?>
+<p:sld xmlns:a="http://schemas.openxmlformats.org/drawingml/2006/main" xmlns:r="http://schemas.openxmlformats.org/officeDocument/2006/relationships" xmlns:p="http://schemas.openxmlformats.org/presentationml/2006/main">
+  <p:cSld>
+    <p:spTree>
+      <p:nvGrpSpPr>
+        <p:cNvPr id="1" name=""/>
+        <p:cNvGrpSpPr/>
+        <p:nvPr/>
+      </p:nvGrpSpPr>
+      <p:grpSpPr>
+        <a:xfrm>
+          <a:off x="0" y="0"/>
+          <a:ext cx="0" cy="0"/>
+          <a:chOff x="0" y="0"/>
+          <a:chExt cx="0" cy="0"/>
+        </a:xfrm>
+      </p:grpSpPr>
+      <p:grpSp>
+        <p:nvGrpSpPr>
+          <p:cNvPr id="3" name="群組 2"/>
+          <p:cNvGrpSpPr/>
+          <p:nvPr/>
+        </p:nvGrpSpPr>
+        <p:grpSpPr>
+          <a:xfrm>
+            <a:off x="8632" y="116632"/>
+            <a:ext cx="8667824" cy="6574624"/>
+            <a:chOff x="8632" y="116632"/>
+            <a:chExt cx="8667824" cy="6574624"/>
+          </a:xfrm>
+        </p:grpSpPr>
+        <p:grpSp>
+          <p:nvGrpSpPr>
+            <p:cNvPr id="2" name="群組 1"/>
+            <p:cNvGrpSpPr/>
+            <p:nvPr/>
+          </p:nvGrpSpPr>
+          <p:grpSpPr>
+            <a:xfrm>
+              <a:off x="8632" y="116632"/>
+              <a:ext cx="8667824" cy="6574624"/>
+              <a:chOff x="8632" y="116632"/>
+              <a:chExt cx="8667824" cy="6574624"/>
+            </a:xfrm>
+          </p:grpSpPr>
+          <p:pic>
+            <p:nvPicPr>
+              <p:cNvPr id="4" name="圖片 3" descr="畫面剪輯"/>
+              <p:cNvPicPr>
+                <a:picLocks noChangeAspect="1"/>
+              </p:cNvPicPr>
+              <p:nvPr/>
+            </p:nvPicPr>
+            <p:blipFill>
+              <a:blip r:embed="rId2">
+                <a:extLst>
+                  <a:ext uri="{28A0092B-C50C-407E-A947-70E740481C1C}">
+                    <a14:useLocalDpi xmlns:a14="http://schemas.microsoft.com/office/drawing/2010/main" val="0"/>
+                  </a:ext>
+                </a:extLst>
+              </a:blip>
+              <a:stretch>
+                <a:fillRect/>
+              </a:stretch>
+            </p:blipFill>
+            <p:spPr>
+              <a:xfrm>
+                <a:off x="8632" y="116632"/>
+                <a:ext cx="8667824" cy="5832648"/>
+              </a:xfrm>
+              <a:prstGeom prst="rect">
+                <a:avLst/>
+              </a:prstGeom>
+            </p:spPr>
+          </p:pic>
+          <p:pic>
+            <p:nvPicPr>
+              <p:cNvPr id="6" name="圖片 5" descr="畫面剪輯"/>
+              <p:cNvPicPr>
+                <a:picLocks noChangeAspect="1"/>
+              </p:cNvPicPr>
+              <p:nvPr/>
+            </p:nvPicPr>
+            <p:blipFill>
+              <a:blip r:embed="rId3">
+                <a:extLst>
+                  <a:ext uri="{28A0092B-C50C-407E-A947-70E740481C1C}">
+                    <a14:useLocalDpi xmlns:a14="http://schemas.microsoft.com/office/drawing/2010/main" val="0"/>
+                  </a:ext>
+                </a:extLst>
+              </a:blip>
+              <a:stretch>
+                <a:fillRect/>
+              </a:stretch>
+            </p:blipFill>
+            <p:spPr>
+              <a:xfrm>
+                <a:off x="179512" y="6149376"/>
+                <a:ext cx="7213766" cy="541880"/>
+              </a:xfrm>
+              <a:prstGeom prst="rect">
+                <a:avLst/>
+              </a:prstGeom>
+            </p:spPr>
+          </p:pic>
+          <p:sp>
+            <p:nvSpPr>
+              <p:cNvPr id="5" name="矩形 4"/>
+              <p:cNvSpPr/>
+              <p:nvPr/>
+            </p:nvSpPr>
+            <p:spPr>
+              <a:xfrm>
+                <a:off x="755576" y="6149376"/>
+                <a:ext cx="648072" cy="295720"/>
+              </a:xfrm>
+              <a:prstGeom prst="rect">
+                <a:avLst/>
+              </a:prstGeom>
+              <a:noFill/>
+              <a:ln>
+                <a:solidFill>
+                  <a:srgbClr val="FF0000"/>
+                </a:solidFill>
+              </a:ln>
+            </p:spPr>
+            <p:style>
+              <a:lnRef idx="2">
+                <a:schemeClr val="accent1">
+                  <a:shade val="50000"/>
+                </a:schemeClr>
+              </a:lnRef>
+              <a:fillRef idx="1">
+                <a:schemeClr val="accent1"/>
+              </a:fillRef>
+              <a:effectRef idx="0">
+                <a:schemeClr val="accent1"/>
+              </a:effectRef>
+              <a:fontRef idx="minor">
+                <a:schemeClr val="lt1"/>
+              </a:fontRef>
+            </p:style>
+            <p:txBody>
+              <a:bodyPr rtlCol="0" anchor="ctr"/>
+              <a:lstStyle/>
+              <a:p>
+                <a:pPr algn="ctr"/>
+                <a:endParaRPr lang="zh-TW" altLang="en-US"/>
+              </a:p>
+            </p:txBody>
+          </p:sp>
+        </p:grpSp>
+        <p:sp>
+          <p:nvSpPr>
+            <p:cNvPr id="7" name="矩形 6"/>
+            <p:cNvSpPr/>
+            <p:nvPr/>
+          </p:nvSpPr>
+          <p:spPr>
+            <a:xfrm>
+              <a:off x="7069242" y="1772816"/>
+              <a:ext cx="648072" cy="295720"/>
+            </a:xfrm>
+            <a:prstGeom prst="rect">
+              <a:avLst/>
+            </a:prstGeom>
+            <a:noFill/>
+            <a:ln>
+              <a:solidFill>
+                <a:srgbClr val="FF0000"/>
+              </a:solidFill>
+            </a:ln>
+          </p:spPr>
+          <p:style>
+            <a:lnRef idx="2">
+              <a:schemeClr val="accent1">
+                <a:shade val="50000"/>
+              </a:schemeClr>
+            </a:lnRef>
+            <a:fillRef idx="1">
+              <a:schemeClr val="accent1"/>
+            </a:fillRef>
+            <a:effectRef idx="0">
+              <a:schemeClr val="accent1"/>
+            </a:effectRef>
+            <a:fontRef idx="minor">
+              <a:schemeClr val="lt1"/>
+            </a:fontRef>
+          </p:style>
+          <p:txBody>
+            <a:bodyPr rtlCol="0" anchor="ctr"/>
+            <a:lstStyle/>
+            <a:p>
+              <a:pPr algn="ctr"/>
+              <a:endParaRPr lang="zh-TW" altLang="en-US"/>
+            </a:p>
+          </p:txBody>
+        </p:sp>
+      </p:grpSp>
+    </p:spTree>
+    <p:extLst>
+      <p:ext uri="{BB962C8B-B14F-4D97-AF65-F5344CB8AC3E}">
+        <p14:creationId xmlns:p14="http://schemas.microsoft.com/office/powerpoint/2010/main" val="1836272309"/>
+      </p:ext>
+    </p:extLst>
+  </p:cSld>
+  <p:clrMapOvr>
+    <a:masterClrMapping/>
+  </p:clrMapOvr>
+  <p:timing>
+    <p:tnLst>
+      <p:par>
+        <p:cTn id="1" dur="indefinite" restart="never" nodeType="tmRoot"/>
+      </p:par>
+    </p:tnLst>
+  </p:timing>
+</p:sld>
+</file>
+
+<file path=ppt/slides/slide36.xml><?xml version="1.0" encoding="utf-8"?>
+<p:sld xmlns:a="http://schemas.openxmlformats.org/drawingml/2006/main" xmlns:r="http://schemas.openxmlformats.org/officeDocument/2006/relationships" xmlns:p="http://schemas.openxmlformats.org/presentationml/2006/main">
+  <p:cSld>
+    <p:spTree>
+      <p:nvGrpSpPr>
+        <p:cNvPr id="1" name=""/>
+        <p:cNvGrpSpPr/>
+        <p:nvPr/>
+      </p:nvGrpSpPr>
+      <p:grpSpPr>
+        <a:xfrm>
+          <a:off x="0" y="0"/>
+          <a:ext cx="0" cy="0"/>
+          <a:chOff x="0" y="0"/>
+          <a:chExt cx="0" cy="0"/>
+        </a:xfrm>
+      </p:grpSpPr>
+      <p:pic>
+        <p:nvPicPr>
+          <p:cNvPr id="4" name="內容版面配置區 3" descr="畫面剪輯"/>
+          <p:cNvPicPr>
+            <a:picLocks noGrp="1" noChangeAspect="1"/>
+          </p:cNvPicPr>
+          <p:nvPr>
+            <p:ph idx="1"/>
+          </p:nvPr>
+        </p:nvPicPr>
+        <p:blipFill>
+          <a:blip r:embed="rId2">
+            <a:extLst>
+              <a:ext uri="{28A0092B-C50C-407E-A947-70E740481C1C}">
+                <a14:useLocalDpi xmlns:a14="http://schemas.microsoft.com/office/drawing/2010/main" val="0"/>
+              </a:ext>
+            </a:extLst>
+          </a:blip>
+          <a:stretch>
+            <a:fillRect/>
+          </a:stretch>
+        </p:blipFill>
+        <p:spPr>
+          <a:xfrm>
+            <a:off x="323528" y="836712"/>
+            <a:ext cx="8116433" cy="581106"/>
+          </a:xfrm>
+        </p:spPr>
+      </p:pic>
+      <p:sp>
+        <p:nvSpPr>
+          <p:cNvPr id="5" name="矩形 4"/>
+          <p:cNvSpPr/>
+          <p:nvPr/>
+        </p:nvSpPr>
+        <p:spPr>
+          <a:xfrm>
+            <a:off x="323528" y="260648"/>
+            <a:ext cx="4070602" cy="369332"/>
+          </a:xfrm>
+          <a:prstGeom prst="rect">
+            <a:avLst/>
+          </a:prstGeom>
+        </p:spPr>
+        <p:txBody>
+          <a:bodyPr wrap="none">
+            <a:spAutoFit/>
+          </a:bodyPr>
+          <a:lstStyle/>
+          <a:p>
+            <a:r>
+              <a:rPr lang="en-US" altLang="zh-TW" dirty="0"/>
+              <a:t>0f32dee4-0b17-4154-93f0-11af41890948</a:t>
+            </a:r>
+            <a:endParaRPr lang="zh-TW" altLang="en-US" dirty="0"/>
+          </a:p>
+        </p:txBody>
+      </p:sp>
+      <p:pic>
+        <p:nvPicPr>
+          <p:cNvPr id="6" name="圖片 5" descr="畫面剪輯"/>
+          <p:cNvPicPr>
+            <a:picLocks noChangeAspect="1"/>
+          </p:cNvPicPr>
+          <p:nvPr/>
+        </p:nvPicPr>
+        <p:blipFill>
+          <a:blip r:embed="rId3">
+            <a:extLst>
+              <a:ext uri="{28A0092B-C50C-407E-A947-70E740481C1C}">
+                <a14:useLocalDpi xmlns:a14="http://schemas.microsoft.com/office/drawing/2010/main" val="0"/>
+              </a:ext>
+            </a:extLst>
+          </a:blip>
+          <a:stretch>
+            <a:fillRect/>
+          </a:stretch>
+        </p:blipFill>
+        <p:spPr>
+          <a:xfrm>
+            <a:off x="505144" y="1700808"/>
+            <a:ext cx="1819529" cy="3105584"/>
+          </a:xfrm>
+          <a:prstGeom prst="rect">
+            <a:avLst/>
+          </a:prstGeom>
+        </p:spPr>
+      </p:pic>
+    </p:spTree>
+    <p:extLst>
+      <p:ext uri="{BB962C8B-B14F-4D97-AF65-F5344CB8AC3E}">
+        <p14:creationId xmlns:p14="http://schemas.microsoft.com/office/powerpoint/2010/main" val="2728867475"/>
+      </p:ext>
+    </p:extLst>
+  </p:cSld>
+  <p:clrMapOvr>
+    <a:masterClrMapping/>
+  </p:clrMapOvr>
+</p:sld>
+</file>
+
+<file path=ppt/slides/slide37.xml><?xml version="1.0" encoding="utf-8"?>
+<p:sld xmlns:a="http://schemas.openxmlformats.org/drawingml/2006/main" xmlns:r="http://schemas.openxmlformats.org/officeDocument/2006/relationships" xmlns:p="http://schemas.openxmlformats.org/presentationml/2006/main">
+  <p:cSld>
+    <p:spTree>
+      <p:nvGrpSpPr>
+        <p:cNvPr id="1" name=""/>
+        <p:cNvGrpSpPr/>
+        <p:nvPr/>
+      </p:nvGrpSpPr>
+      <p:grpSpPr>
+        <a:xfrm>
+          <a:off x="0" y="0"/>
+          <a:ext cx="0" cy="0"/>
+          <a:chOff x="0" y="0"/>
+          <a:chExt cx="0" cy="0"/>
+        </a:xfrm>
+      </p:grpSpPr>
+      <p:pic>
+        <p:nvPicPr>
+          <p:cNvPr id="4" name="圖片 3" descr="畫面剪輯"/>
+          <p:cNvPicPr>
+            <a:picLocks noChangeAspect="1"/>
+          </p:cNvPicPr>
+          <p:nvPr/>
+        </p:nvPicPr>
+        <p:blipFill>
+          <a:blip r:embed="rId2">
+            <a:extLst>
+              <a:ext uri="{28A0092B-C50C-407E-A947-70E740481C1C}">
+                <a14:useLocalDpi xmlns:a14="http://schemas.microsoft.com/office/drawing/2010/main" val="0"/>
+              </a:ext>
+            </a:extLst>
+          </a:blip>
+          <a:stretch>
+            <a:fillRect/>
+          </a:stretch>
+        </p:blipFill>
+        <p:spPr>
+          <a:xfrm>
+            <a:off x="704402" y="1916832"/>
+            <a:ext cx="2230285" cy="4016977"/>
+          </a:xfrm>
+          <a:prstGeom prst="rect">
+            <a:avLst/>
+          </a:prstGeom>
+        </p:spPr>
+      </p:pic>
+      <p:pic>
+        <p:nvPicPr>
+          <p:cNvPr id="5" name="圖片 4" descr="畫面剪輯"/>
+          <p:cNvPicPr>
+            <a:picLocks noChangeAspect="1"/>
+          </p:cNvPicPr>
+          <p:nvPr/>
+        </p:nvPicPr>
+        <p:blipFill>
+          <a:blip r:embed="rId3">
+            <a:extLst>
+              <a:ext uri="{28A0092B-C50C-407E-A947-70E740481C1C}">
+                <a14:useLocalDpi xmlns:a14="http://schemas.microsoft.com/office/drawing/2010/main" val="0"/>
+              </a:ext>
+            </a:extLst>
+          </a:blip>
+          <a:stretch>
+            <a:fillRect/>
+          </a:stretch>
+        </p:blipFill>
+        <p:spPr>
+          <a:xfrm>
+            <a:off x="683568" y="620688"/>
+            <a:ext cx="3572374" cy="600159"/>
+          </a:xfrm>
+          <a:prstGeom prst="rect">
+            <a:avLst/>
+          </a:prstGeom>
+        </p:spPr>
+      </p:pic>
+      <p:pic>
+        <p:nvPicPr>
+          <p:cNvPr id="6" name="圖片 5" descr="畫面剪輯"/>
+          <p:cNvPicPr>
+            <a:picLocks noChangeAspect="1"/>
+          </p:cNvPicPr>
+          <p:nvPr/>
+        </p:nvPicPr>
+        <p:blipFill>
+          <a:blip r:embed="rId4">
+            <a:extLst>
+              <a:ext uri="{28A0092B-C50C-407E-A947-70E740481C1C}">
+                <a14:useLocalDpi xmlns:a14="http://schemas.microsoft.com/office/drawing/2010/main" val="0"/>
+              </a:ext>
+            </a:extLst>
+          </a:blip>
+          <a:stretch>
+            <a:fillRect/>
+          </a:stretch>
+        </p:blipFill>
+        <p:spPr>
+          <a:xfrm>
+            <a:off x="683568" y="1220847"/>
+            <a:ext cx="8002117" cy="523948"/>
+          </a:xfrm>
+          <a:prstGeom prst="rect">
+            <a:avLst/>
+          </a:prstGeom>
+        </p:spPr>
+      </p:pic>
+    </p:spTree>
+    <p:extLst>
+      <p:ext uri="{BB962C8B-B14F-4D97-AF65-F5344CB8AC3E}">
+        <p14:creationId xmlns:p14="http://schemas.microsoft.com/office/powerpoint/2010/main" val="3073509017"/>
+      </p:ext>
+    </p:extLst>
+  </p:cSld>
+  <p:clrMapOvr>
+    <a:masterClrMapping/>
+  </p:clrMapOvr>
+</p:sld>
+</file>
+
+<file path=ppt/slides/slide38.xml><?xml version="1.0" encoding="utf-8"?>
+<p:sld xmlns:a="http://schemas.openxmlformats.org/drawingml/2006/main" xmlns:r="http://schemas.openxmlformats.org/officeDocument/2006/relationships" xmlns:p="http://schemas.openxmlformats.org/presentationml/2006/main">
+  <p:cSld>
+    <p:spTree>
+      <p:nvGrpSpPr>
+        <p:cNvPr id="1" name=""/>
+        <p:cNvGrpSpPr/>
+        <p:nvPr/>
+      </p:nvGrpSpPr>
+      <p:grpSpPr>
+        <a:xfrm>
+          <a:off x="0" y="0"/>
+          <a:ext cx="0" cy="0"/>
+          <a:chOff x="0" y="0"/>
+          <a:chExt cx="0" cy="0"/>
+        </a:xfrm>
+      </p:grpSpPr>
+      <p:sp>
+        <p:nvSpPr>
+          <p:cNvPr id="4" name="矩形 3"/>
+          <p:cNvSpPr/>
+          <p:nvPr/>
+        </p:nvSpPr>
+        <p:spPr>
+          <a:xfrm>
+            <a:off x="179512" y="188640"/>
+            <a:ext cx="4147289" cy="369332"/>
+          </a:xfrm>
+          <a:prstGeom prst="rect">
+            <a:avLst/>
+          </a:prstGeom>
+        </p:spPr>
+        <p:txBody>
+          <a:bodyPr wrap="none">
+            <a:spAutoFit/>
+          </a:bodyPr>
+          <a:lstStyle/>
+          <a:p>
+            <a:r>
+              <a:rPr lang="en-US" altLang="zh-TW" dirty="0"/>
+              <a:t>550bc5c8-5c43-4822-9e02-742998ae728e</a:t>
+            </a:r>
+            <a:endParaRPr lang="zh-TW" altLang="en-US" dirty="0"/>
+          </a:p>
+        </p:txBody>
+      </p:sp>
+      <p:pic>
+        <p:nvPicPr>
+          <p:cNvPr id="5" name="圖片 4" descr="畫面剪輯"/>
+          <p:cNvPicPr>
+            <a:picLocks noChangeAspect="1"/>
+          </p:cNvPicPr>
+          <p:nvPr/>
+        </p:nvPicPr>
+        <p:blipFill>
+          <a:blip r:embed="rId2">
+            <a:extLst>
+              <a:ext uri="{28A0092B-C50C-407E-A947-70E740481C1C}">
+                <a14:useLocalDpi xmlns:a14="http://schemas.microsoft.com/office/drawing/2010/main" val="0"/>
+              </a:ext>
+            </a:extLst>
+          </a:blip>
+          <a:stretch>
+            <a:fillRect/>
+          </a:stretch>
+        </p:blipFill>
+        <p:spPr>
+          <a:xfrm>
+            <a:off x="395536" y="764704"/>
+            <a:ext cx="1609950" cy="276264"/>
+          </a:xfrm>
+          <a:prstGeom prst="rect">
+            <a:avLst/>
+          </a:prstGeom>
+        </p:spPr>
+      </p:pic>
+      <p:pic>
+        <p:nvPicPr>
+          <p:cNvPr id="6" name="圖片 5" descr="畫面剪輯"/>
+          <p:cNvPicPr>
+            <a:picLocks noChangeAspect="1"/>
+          </p:cNvPicPr>
+          <p:nvPr/>
+        </p:nvPicPr>
+        <p:blipFill>
+          <a:blip r:embed="rId3">
+            <a:extLst>
+              <a:ext uri="{28A0092B-C50C-407E-A947-70E740481C1C}">
+                <a14:useLocalDpi xmlns:a14="http://schemas.microsoft.com/office/drawing/2010/main" val="0"/>
+              </a:ext>
+            </a:extLst>
+          </a:blip>
+          <a:stretch>
+            <a:fillRect/>
+          </a:stretch>
+        </p:blipFill>
+        <p:spPr>
+          <a:xfrm>
+            <a:off x="393800" y="1268760"/>
+            <a:ext cx="8173591" cy="628738"/>
+          </a:xfrm>
+          <a:prstGeom prst="rect">
+            <a:avLst/>
+          </a:prstGeom>
+        </p:spPr>
+      </p:pic>
+      <p:pic>
+        <p:nvPicPr>
+          <p:cNvPr id="7" name="圖片 6" descr="畫面剪輯"/>
+          <p:cNvPicPr>
+            <a:picLocks noChangeAspect="1"/>
+          </p:cNvPicPr>
+          <p:nvPr/>
+        </p:nvPicPr>
+        <p:blipFill>
+          <a:blip r:embed="rId4">
+            <a:extLst>
+              <a:ext uri="{28A0092B-C50C-407E-A947-70E740481C1C}">
+                <a14:useLocalDpi xmlns:a14="http://schemas.microsoft.com/office/drawing/2010/main" val="0"/>
+              </a:ext>
+            </a:extLst>
+          </a:blip>
+          <a:stretch>
+            <a:fillRect/>
+          </a:stretch>
+        </p:blipFill>
+        <p:spPr>
+          <a:xfrm>
+            <a:off x="399976" y="2204864"/>
+            <a:ext cx="1638529" cy="2915057"/>
+          </a:xfrm>
+          <a:prstGeom prst="rect">
+            <a:avLst/>
+          </a:prstGeom>
+        </p:spPr>
+      </p:pic>
+    </p:spTree>
+    <p:extLst>
+      <p:ext uri="{BB962C8B-B14F-4D97-AF65-F5344CB8AC3E}">
+        <p14:creationId xmlns:p14="http://schemas.microsoft.com/office/powerpoint/2010/main" val="1406931581"/>
+      </p:ext>
+    </p:extLst>
+  </p:cSld>
+  <p:clrMapOvr>
+    <a:masterClrMapping/>
+  </p:clrMapOvr>
+</p:sld>
+</file>
+
+<file path=ppt/slides/slide39.xml><?xml version="1.0" encoding="utf-8"?>
+<p:sld xmlns:a="http://schemas.openxmlformats.org/drawingml/2006/main" xmlns:r="http://schemas.openxmlformats.org/officeDocument/2006/relationships" xmlns:p="http://schemas.openxmlformats.org/presentationml/2006/main">
+  <p:cSld>
+    <p:spTree>
+      <p:nvGrpSpPr>
+        <p:cNvPr id="1" name=""/>
+        <p:cNvGrpSpPr/>
+        <p:nvPr/>
+      </p:nvGrpSpPr>
+      <p:grpSpPr>
+        <a:xfrm>
+          <a:off x="0" y="0"/>
+          <a:ext cx="0" cy="0"/>
+          <a:chOff x="0" y="0"/>
+          <a:chExt cx="0" cy="0"/>
+        </a:xfrm>
+      </p:grpSpPr>
+      <p:pic>
+        <p:nvPicPr>
+          <p:cNvPr id="4" name="圖片 3"/>
+          <p:cNvPicPr>
+            <a:picLocks noChangeAspect="1"/>
+          </p:cNvPicPr>
+          <p:nvPr/>
+        </p:nvPicPr>
+        <p:blipFill>
+          <a:blip r:embed="rId2">
+            <a:extLst>
+              <a:ext uri="{28A0092B-C50C-407E-A947-70E740481C1C}">
+                <a14:useLocalDpi xmlns:a14="http://schemas.microsoft.com/office/drawing/2010/main" val="0"/>
+              </a:ext>
+            </a:extLst>
+          </a:blip>
+          <a:stretch>
+            <a:fillRect/>
+          </a:stretch>
+        </p:blipFill>
+        <p:spPr>
+          <a:xfrm>
+            <a:off x="395536" y="1412776"/>
+            <a:ext cx="5734050" cy="1409700"/>
+          </a:xfrm>
+          <a:prstGeom prst="rect">
+            <a:avLst/>
+          </a:prstGeom>
+        </p:spPr>
+      </p:pic>
+      <p:sp>
+        <p:nvSpPr>
+          <p:cNvPr id="6" name="Rectangle 2"/>
+          <p:cNvSpPr>
+            <a:spLocks noChangeArrowheads="1"/>
+          </p:cNvSpPr>
+          <p:nvPr/>
+        </p:nvSpPr>
+        <p:spPr bwMode="auto">
+          <a:xfrm>
+            <a:off x="899592" y="4547537"/>
+            <a:ext cx="20840" cy="92333"/>
+          </a:xfrm>
+          <a:prstGeom prst="rect">
+            <a:avLst/>
+          </a:prstGeom>
+          <a:solidFill>
+            <a:srgbClr val="FFFFFF"/>
+          </a:solidFill>
+          <a:ln>
+            <a:noFill/>
+          </a:ln>
+          <a:effectLst/>
+          <a:extLst>
+            <a:ext uri="{91240B29-F687-4F45-9708-019B960494DF}">
+              <a14:hiddenLine xmlns:a14="http://schemas.microsoft.com/office/drawing/2010/main" w="9525">
+                <a:solidFill>
+                  <a:schemeClr val="tx1"/>
+                </a:solidFill>
+                <a:miter lim="800000"/>
+                <a:headEnd/>
+                <a:tailEnd/>
+              </a14:hiddenLine>
+            </a:ext>
+            <a:ext uri="{AF507438-7753-43E0-B8FC-AC1667EBCBE1}">
+              <a14:hiddenEffects xmlns:a14="http://schemas.microsoft.com/office/drawing/2010/main">
+                <a:effectLst>
+                  <a:outerShdw dist="35921" dir="2700000" algn="ctr" rotWithShape="0">
+                    <a:schemeClr val="bg2"/>
+                  </a:outerShdw>
+                </a:effectLst>
+              </a14:hiddenEffects>
+            </a:ext>
+          </a:extLst>
+        </p:spPr>
+        <p:txBody>
+          <a:bodyPr vert="horz" wrap="none" lIns="0" tIns="0" rIns="0" bIns="0" numCol="1" anchor="ctr" anchorCtr="0" compatLnSpc="1">
+            <a:prstTxWarp prst="textNoShape">
+              <a:avLst/>
+            </a:prstTxWarp>
+            <a:spAutoFit/>
+          </a:bodyPr>
+          <a:lstStyle/>
+          <a:p>
+            <a:pPr marL="0" marR="0" lvl="0" indent="0" algn="l" defTabSz="914400" rtl="0" eaLnBrk="1" fontAlgn="base" latinLnBrk="0" hangingPunct="1">
+              <a:lnSpc>
+                <a:spcPct val="100000"/>
+              </a:lnSpc>
+              <a:spcBef>
+                <a:spcPct val="0"/>
+              </a:spcBef>
+              <a:spcAft>
+                <a:spcPct val="0"/>
+              </a:spcAft>
+              <a:buClrTx/>
+              <a:buSzTx/>
+              <a:buFontTx/>
+              <a:buNone/>
+              <a:tabLst/>
+            </a:pPr>
+            <a:r>
+              <a:rPr kumimoji="1" lang="zh-TW" altLang="zh-TW" sz="600" b="0" i="0" u="none" strike="noStrike" cap="none" normalizeH="0" baseline="0" dirty="0" smtClean="0">
+                <a:ln>
+                  <a:noFill/>
+                </a:ln>
+                <a:solidFill>
+                  <a:schemeClr val="tx1"/>
+                </a:solidFill>
+                <a:effectLst/>
+                <a:latin typeface="Arial" pitchFamily="34" charset="0"/>
+                <a:ea typeface="新細明體" pitchFamily="18" charset="-120"/>
+                <a:cs typeface="新細明體" pitchFamily="18" charset="-120"/>
+              </a:rPr>
+              <a:t> </a:t>
+            </a:r>
+            <a:endParaRPr kumimoji="1" lang="zh-TW" altLang="zh-TW" sz="1800" b="0" i="0" u="none" strike="noStrike" cap="none" normalizeH="0" baseline="0" dirty="0" smtClean="0">
+              <a:ln>
+                <a:noFill/>
+              </a:ln>
+              <a:solidFill>
+                <a:schemeClr val="tx1"/>
+              </a:solidFill>
+              <a:effectLst/>
+              <a:latin typeface="Arial" pitchFamily="34" charset="0"/>
+              <a:ea typeface="新細明體" pitchFamily="18" charset="-120"/>
+              <a:cs typeface="新細明體" pitchFamily="18" charset="-120"/>
+            </a:endParaRPr>
+          </a:p>
+        </p:txBody>
+      </p:sp>
+      <p:sp>
+        <p:nvSpPr>
+          <p:cNvPr id="7" name="文字方塊 6"/>
+          <p:cNvSpPr txBox="1"/>
+          <p:nvPr/>
+        </p:nvSpPr>
+        <p:spPr>
+          <a:xfrm>
+            <a:off x="395536" y="2996952"/>
+            <a:ext cx="1440160" cy="369332"/>
+          </a:xfrm>
+          <a:prstGeom prst="rect">
+            <a:avLst/>
+          </a:prstGeom>
+          <a:noFill/>
+        </p:spPr>
+        <p:txBody>
+          <a:bodyPr wrap="square" rtlCol="0">
+            <a:spAutoFit/>
+          </a:bodyPr>
+          <a:lstStyle/>
+          <a:p>
+            <a:r>
+              <a:rPr lang="en-US" altLang="zh-TW" dirty="0" smtClean="0"/>
+              <a:t>MAP=0.635</a:t>
+            </a:r>
+            <a:endParaRPr lang="zh-TW" altLang="en-US" dirty="0"/>
+          </a:p>
+        </p:txBody>
+      </p:sp>
+      <p:sp>
+        <p:nvSpPr>
+          <p:cNvPr id="8" name="矩形 7"/>
+          <p:cNvSpPr/>
+          <p:nvPr/>
+        </p:nvSpPr>
+        <p:spPr>
+          <a:xfrm>
+            <a:off x="395536" y="303233"/>
+            <a:ext cx="3058851" cy="707886"/>
+          </a:xfrm>
+          <a:prstGeom prst="rect">
+            <a:avLst/>
+          </a:prstGeom>
+        </p:spPr>
+        <p:txBody>
+          <a:bodyPr wrap="none">
+            <a:spAutoFit/>
+          </a:bodyPr>
+          <a:lstStyle/>
+          <a:p>
+            <a:r>
+              <a:rPr lang="en-US" altLang="zh-TW" sz="4000" dirty="0" smtClean="0"/>
+              <a:t>Multiple label</a:t>
+            </a:r>
+            <a:endParaRPr lang="zh-TW" altLang="en-US" sz="4000" dirty="0"/>
+          </a:p>
+        </p:txBody>
+      </p:sp>
+    </p:spTree>
+    <p:extLst>
+      <p:ext uri="{BB962C8B-B14F-4D97-AF65-F5344CB8AC3E}">
+        <p14:creationId xmlns:p14="http://schemas.microsoft.com/office/powerpoint/2010/main" val="2721890239"/>
       </p:ext>
     </p:extLst>
   </p:cSld>
@@ -8755,6 +10324,1864 @@
   <p:clrMapOvr>
     <a:masterClrMapping/>
   </p:clrMapOvr>
+</p:sld>
+</file>
+
+<file path=ppt/slides/slide40.xml><?xml version="1.0" encoding="utf-8"?>
+<p:sld xmlns:a="http://schemas.openxmlformats.org/drawingml/2006/main" xmlns:r="http://schemas.openxmlformats.org/officeDocument/2006/relationships" xmlns:p="http://schemas.openxmlformats.org/presentationml/2006/main">
+  <p:cSld>
+    <p:spTree>
+      <p:nvGrpSpPr>
+        <p:cNvPr id="1" name=""/>
+        <p:cNvGrpSpPr/>
+        <p:nvPr/>
+      </p:nvGrpSpPr>
+      <p:grpSpPr>
+        <a:xfrm>
+          <a:off x="0" y="0"/>
+          <a:ext cx="0" cy="0"/>
+          <a:chOff x="0" y="0"/>
+          <a:chExt cx="0" cy="0"/>
+        </a:xfrm>
+      </p:grpSpPr>
+      <p:sp>
+        <p:nvSpPr>
+          <p:cNvPr id="2" name="標題 1"/>
+          <p:cNvSpPr>
+            <a:spLocks noGrp="1"/>
+          </p:cNvSpPr>
+          <p:nvPr>
+            <p:ph type="title"/>
+          </p:nvPr>
+        </p:nvSpPr>
+        <p:spPr>
+          <a:xfrm>
+            <a:off x="457200" y="-243408"/>
+            <a:ext cx="8229600" cy="1143000"/>
+          </a:xfrm>
+        </p:spPr>
+        <p:txBody>
+          <a:bodyPr/>
+          <a:lstStyle/>
+          <a:p>
+            <a:r>
+              <a:rPr lang="en-US" altLang="zh-TW" dirty="0" smtClean="0"/>
+              <a:t>Similarity </a:t>
+            </a:r>
+            <a:r>
+              <a:rPr lang="en-US" altLang="zh-TW" dirty="0" err="1" smtClean="0"/>
+              <a:t>Distrbution</a:t>
+            </a:r>
+            <a:endParaRPr lang="zh-TW" altLang="en-US" dirty="0"/>
+          </a:p>
+        </p:txBody>
+      </p:sp>
+      <p:pic>
+        <p:nvPicPr>
+          <p:cNvPr id="4" name="圖片 3" descr="畫面剪輯"/>
+          <p:cNvPicPr>
+            <a:picLocks noChangeAspect="1"/>
+          </p:cNvPicPr>
+          <p:nvPr/>
+        </p:nvPicPr>
+        <p:blipFill>
+          <a:blip r:embed="rId2">
+            <a:extLst>
+              <a:ext uri="{28A0092B-C50C-407E-A947-70E740481C1C}">
+                <a14:useLocalDpi xmlns:a14="http://schemas.microsoft.com/office/drawing/2010/main" val="0"/>
+              </a:ext>
+            </a:extLst>
+          </a:blip>
+          <a:stretch>
+            <a:fillRect/>
+          </a:stretch>
+        </p:blipFill>
+        <p:spPr>
+          <a:xfrm>
+            <a:off x="-108520" y="548680"/>
+            <a:ext cx="9144000" cy="3177382"/>
+          </a:xfrm>
+          <a:prstGeom prst="rect">
+            <a:avLst/>
+          </a:prstGeom>
+        </p:spPr>
+      </p:pic>
+      <p:pic>
+        <p:nvPicPr>
+          <p:cNvPr id="5" name="圖片 4" descr="畫面剪輯"/>
+          <p:cNvPicPr>
+            <a:picLocks noChangeAspect="1"/>
+          </p:cNvPicPr>
+          <p:nvPr/>
+        </p:nvPicPr>
+        <p:blipFill>
+          <a:blip r:embed="rId3">
+            <a:extLst>
+              <a:ext uri="{28A0092B-C50C-407E-A947-70E740481C1C}">
+                <a14:useLocalDpi xmlns:a14="http://schemas.microsoft.com/office/drawing/2010/main" val="0"/>
+              </a:ext>
+            </a:extLst>
+          </a:blip>
+          <a:stretch>
+            <a:fillRect/>
+          </a:stretch>
+        </p:blipFill>
+        <p:spPr>
+          <a:xfrm>
+            <a:off x="-35496" y="3720508"/>
+            <a:ext cx="9144000" cy="3164876"/>
+          </a:xfrm>
+          <a:prstGeom prst="rect">
+            <a:avLst/>
+          </a:prstGeom>
+        </p:spPr>
+      </p:pic>
+      <p:sp>
+        <p:nvSpPr>
+          <p:cNvPr id="6" name="文字方塊 5"/>
+          <p:cNvSpPr txBox="1"/>
+          <p:nvPr/>
+        </p:nvSpPr>
+        <p:spPr>
+          <a:xfrm>
+            <a:off x="206996" y="3103076"/>
+            <a:ext cx="723275" cy="253916"/>
+          </a:xfrm>
+          <a:prstGeom prst="rect">
+            <a:avLst/>
+          </a:prstGeom>
+          <a:noFill/>
+        </p:spPr>
+        <p:txBody>
+          <a:bodyPr wrap="none" rtlCol="0">
+            <a:spAutoFit/>
+          </a:bodyPr>
+          <a:lstStyle/>
+          <a:p>
+            <a:r>
+              <a:rPr lang="zh-TW" altLang="en-US" sz="1050" b="1" dirty="0"/>
+              <a:t>航天軍工</a:t>
+            </a:r>
+          </a:p>
+        </p:txBody>
+      </p:sp>
+      <p:sp>
+        <p:nvSpPr>
+          <p:cNvPr id="11" name="文字方塊 10"/>
+          <p:cNvSpPr txBox="1"/>
+          <p:nvPr/>
+        </p:nvSpPr>
+        <p:spPr>
+          <a:xfrm>
+            <a:off x="1093694" y="3103076"/>
+            <a:ext cx="453970" cy="253916"/>
+          </a:xfrm>
+          <a:prstGeom prst="rect">
+            <a:avLst/>
+          </a:prstGeom>
+          <a:noFill/>
+        </p:spPr>
+        <p:txBody>
+          <a:bodyPr wrap="none" rtlCol="0">
+            <a:spAutoFit/>
+          </a:bodyPr>
+          <a:lstStyle/>
+          <a:p>
+            <a:r>
+              <a:rPr lang="zh-TW" altLang="en-US" sz="1050" b="1" dirty="0" smtClean="0"/>
+              <a:t>水泥</a:t>
+            </a:r>
+            <a:endParaRPr lang="zh-TW" altLang="en-US" sz="1050" b="1" dirty="0"/>
+          </a:p>
+        </p:txBody>
+      </p:sp>
+      <p:sp>
+        <p:nvSpPr>
+          <p:cNvPr id="12" name="文字方塊 11"/>
+          <p:cNvSpPr txBox="1"/>
+          <p:nvPr/>
+        </p:nvSpPr>
+        <p:spPr>
+          <a:xfrm>
+            <a:off x="1691680" y="3103076"/>
+            <a:ext cx="723275" cy="253916"/>
+          </a:xfrm>
+          <a:prstGeom prst="rect">
+            <a:avLst/>
+          </a:prstGeom>
+          <a:noFill/>
+        </p:spPr>
+        <p:txBody>
+          <a:bodyPr wrap="none" rtlCol="0">
+            <a:spAutoFit/>
+          </a:bodyPr>
+          <a:lstStyle/>
+          <a:p>
+            <a:r>
+              <a:rPr lang="zh-TW" altLang="en-US" sz="1050" b="1" dirty="0"/>
+              <a:t>車輛相關</a:t>
+            </a:r>
+          </a:p>
+        </p:txBody>
+      </p:sp>
+      <p:sp>
+        <p:nvSpPr>
+          <p:cNvPr id="13" name="文字方塊 12"/>
+          <p:cNvSpPr txBox="1"/>
+          <p:nvPr/>
+        </p:nvSpPr>
+        <p:spPr>
+          <a:xfrm>
+            <a:off x="2555776" y="3103076"/>
+            <a:ext cx="453970" cy="253916"/>
+          </a:xfrm>
+          <a:prstGeom prst="rect">
+            <a:avLst/>
+          </a:prstGeom>
+          <a:noFill/>
+        </p:spPr>
+        <p:txBody>
+          <a:bodyPr wrap="none" rtlCol="0">
+            <a:spAutoFit/>
+          </a:bodyPr>
+          <a:lstStyle/>
+          <a:p>
+            <a:r>
+              <a:rPr lang="zh-TW" altLang="en-US" sz="1050" b="1" dirty="0"/>
+              <a:t>能源</a:t>
+            </a:r>
+          </a:p>
+        </p:txBody>
+      </p:sp>
+      <p:sp>
+        <p:nvSpPr>
+          <p:cNvPr id="14" name="文字方塊 13"/>
+          <p:cNvSpPr txBox="1"/>
+          <p:nvPr/>
+        </p:nvSpPr>
+        <p:spPr>
+          <a:xfrm>
+            <a:off x="3059832" y="3103076"/>
+            <a:ext cx="723275" cy="253916"/>
+          </a:xfrm>
+          <a:prstGeom prst="rect">
+            <a:avLst/>
+          </a:prstGeom>
+          <a:noFill/>
+        </p:spPr>
+        <p:txBody>
+          <a:bodyPr wrap="none" rtlCol="0">
+            <a:spAutoFit/>
+          </a:bodyPr>
+          <a:lstStyle/>
+          <a:p>
+            <a:r>
+              <a:rPr lang="zh-TW" altLang="en-US" sz="1050" b="1" dirty="0" smtClean="0"/>
+              <a:t>農林漁牧</a:t>
+            </a:r>
+            <a:endParaRPr lang="zh-TW" altLang="en-US" sz="1050" b="1" dirty="0"/>
+          </a:p>
+        </p:txBody>
+      </p:sp>
+      <p:sp>
+        <p:nvSpPr>
+          <p:cNvPr id="15" name="文字方塊 14"/>
+          <p:cNvSpPr txBox="1"/>
+          <p:nvPr/>
+        </p:nvSpPr>
+        <p:spPr>
+          <a:xfrm>
+            <a:off x="3974014" y="3103076"/>
+            <a:ext cx="453970" cy="253916"/>
+          </a:xfrm>
+          <a:prstGeom prst="rect">
+            <a:avLst/>
+          </a:prstGeom>
+          <a:noFill/>
+        </p:spPr>
+        <p:txBody>
+          <a:bodyPr wrap="none" rtlCol="0">
+            <a:spAutoFit/>
+          </a:bodyPr>
+          <a:lstStyle/>
+          <a:p>
+            <a:r>
+              <a:rPr lang="zh-TW" altLang="en-US" sz="1050" b="1" dirty="0"/>
+              <a:t>綜合</a:t>
+            </a:r>
+          </a:p>
+        </p:txBody>
+      </p:sp>
+      <p:sp>
+        <p:nvSpPr>
+          <p:cNvPr id="16" name="文字方塊 15"/>
+          <p:cNvSpPr txBox="1"/>
+          <p:nvPr/>
+        </p:nvSpPr>
+        <p:spPr>
+          <a:xfrm>
+            <a:off x="4716016" y="3103076"/>
+            <a:ext cx="453970" cy="253916"/>
+          </a:xfrm>
+          <a:prstGeom prst="rect">
+            <a:avLst/>
+          </a:prstGeom>
+          <a:noFill/>
+        </p:spPr>
+        <p:txBody>
+          <a:bodyPr wrap="none" rtlCol="0">
+            <a:spAutoFit/>
+          </a:bodyPr>
+          <a:lstStyle/>
+          <a:p>
+            <a:r>
+              <a:rPr lang="zh-TW" altLang="en-US" sz="1050" b="1" dirty="0"/>
+              <a:t>石化</a:t>
+            </a:r>
+          </a:p>
+        </p:txBody>
+      </p:sp>
+      <p:sp>
+        <p:nvSpPr>
+          <p:cNvPr id="17" name="文字方塊 16"/>
+          <p:cNvSpPr txBox="1"/>
+          <p:nvPr/>
+        </p:nvSpPr>
+        <p:spPr>
+          <a:xfrm>
+            <a:off x="5292080" y="3103076"/>
+            <a:ext cx="723275" cy="253916"/>
+          </a:xfrm>
+          <a:prstGeom prst="rect">
+            <a:avLst/>
+          </a:prstGeom>
+          <a:noFill/>
+        </p:spPr>
+        <p:txBody>
+          <a:bodyPr wrap="none" rtlCol="0">
+            <a:spAutoFit/>
+          </a:bodyPr>
+          <a:lstStyle/>
+          <a:p>
+            <a:r>
+              <a:rPr lang="zh-TW" altLang="en-US" sz="1050" b="1" dirty="0"/>
+              <a:t>百貨通路</a:t>
+            </a:r>
+          </a:p>
+        </p:txBody>
+      </p:sp>
+      <p:sp>
+        <p:nvSpPr>
+          <p:cNvPr id="18" name="文字方塊 17"/>
+          <p:cNvSpPr txBox="1"/>
+          <p:nvPr/>
+        </p:nvSpPr>
+        <p:spPr>
+          <a:xfrm>
+            <a:off x="6062246" y="3103076"/>
+            <a:ext cx="453970" cy="253916"/>
+          </a:xfrm>
+          <a:prstGeom prst="rect">
+            <a:avLst/>
+          </a:prstGeom>
+          <a:noFill/>
+        </p:spPr>
+        <p:txBody>
+          <a:bodyPr wrap="none" rtlCol="0">
+            <a:spAutoFit/>
+          </a:bodyPr>
+          <a:lstStyle/>
+          <a:p>
+            <a:r>
+              <a:rPr lang="zh-TW" altLang="en-US" sz="1050" b="1" dirty="0" smtClean="0"/>
+              <a:t>觀光</a:t>
+            </a:r>
+            <a:endParaRPr lang="zh-TW" altLang="en-US" sz="1050" b="1" dirty="0"/>
+          </a:p>
+        </p:txBody>
+      </p:sp>
+      <p:sp>
+        <p:nvSpPr>
+          <p:cNvPr id="19" name="文字方塊 18"/>
+          <p:cNvSpPr txBox="1"/>
+          <p:nvPr/>
+        </p:nvSpPr>
+        <p:spPr>
+          <a:xfrm>
+            <a:off x="6732240" y="3103076"/>
+            <a:ext cx="453970" cy="253916"/>
+          </a:xfrm>
+          <a:prstGeom prst="rect">
+            <a:avLst/>
+          </a:prstGeom>
+          <a:noFill/>
+        </p:spPr>
+        <p:txBody>
+          <a:bodyPr wrap="none" rtlCol="0">
+            <a:spAutoFit/>
+          </a:bodyPr>
+          <a:lstStyle/>
+          <a:p>
+            <a:r>
+              <a:rPr lang="zh-TW" altLang="en-US" sz="1050" b="1" dirty="0"/>
+              <a:t>生醫</a:t>
+            </a:r>
+          </a:p>
+        </p:txBody>
+      </p:sp>
+      <p:sp>
+        <p:nvSpPr>
+          <p:cNvPr id="20" name="文字方塊 19"/>
+          <p:cNvSpPr txBox="1"/>
+          <p:nvPr/>
+        </p:nvSpPr>
+        <p:spPr>
+          <a:xfrm>
+            <a:off x="7524328" y="3103076"/>
+            <a:ext cx="453970" cy="253916"/>
+          </a:xfrm>
+          <a:prstGeom prst="rect">
+            <a:avLst/>
+          </a:prstGeom>
+          <a:noFill/>
+        </p:spPr>
+        <p:txBody>
+          <a:bodyPr wrap="none" rtlCol="0">
+            <a:spAutoFit/>
+          </a:bodyPr>
+          <a:lstStyle/>
+          <a:p>
+            <a:r>
+              <a:rPr lang="zh-TW" altLang="en-US" sz="1050" b="1" dirty="0" smtClean="0"/>
+              <a:t>金屬</a:t>
+            </a:r>
+            <a:endParaRPr lang="zh-TW" altLang="en-US" sz="1050" b="1" dirty="0"/>
+          </a:p>
+        </p:txBody>
+      </p:sp>
+      <p:sp>
+        <p:nvSpPr>
+          <p:cNvPr id="21" name="文字方塊 20"/>
+          <p:cNvSpPr txBox="1"/>
+          <p:nvPr/>
+        </p:nvSpPr>
+        <p:spPr>
+          <a:xfrm>
+            <a:off x="8244408" y="3120094"/>
+            <a:ext cx="453970" cy="253916"/>
+          </a:xfrm>
+          <a:prstGeom prst="rect">
+            <a:avLst/>
+          </a:prstGeom>
+          <a:noFill/>
+        </p:spPr>
+        <p:txBody>
+          <a:bodyPr wrap="none" rtlCol="0">
+            <a:spAutoFit/>
+          </a:bodyPr>
+          <a:lstStyle/>
+          <a:p>
+            <a:r>
+              <a:rPr lang="zh-TW" altLang="en-US" sz="1050" b="1" dirty="0"/>
+              <a:t>建材</a:t>
+            </a:r>
+          </a:p>
+        </p:txBody>
+      </p:sp>
+      <p:sp>
+        <p:nvSpPr>
+          <p:cNvPr id="22" name="文字方塊 21"/>
+          <p:cNvSpPr txBox="1"/>
+          <p:nvPr/>
+        </p:nvSpPr>
+        <p:spPr>
+          <a:xfrm>
+            <a:off x="260967" y="6487452"/>
+            <a:ext cx="723275" cy="253916"/>
+          </a:xfrm>
+          <a:prstGeom prst="rect">
+            <a:avLst/>
+          </a:prstGeom>
+          <a:noFill/>
+        </p:spPr>
+        <p:txBody>
+          <a:bodyPr wrap="none" rtlCol="0">
+            <a:spAutoFit/>
+          </a:bodyPr>
+          <a:lstStyle/>
+          <a:p>
+            <a:r>
+              <a:rPr lang="zh-TW" altLang="en-US" sz="1050" b="1" dirty="0"/>
+              <a:t>金融相關</a:t>
+            </a:r>
+          </a:p>
+        </p:txBody>
+      </p:sp>
+      <p:sp>
+        <p:nvSpPr>
+          <p:cNvPr id="23" name="文字方塊 22"/>
+          <p:cNvSpPr txBox="1"/>
+          <p:nvPr/>
+        </p:nvSpPr>
+        <p:spPr>
+          <a:xfrm>
+            <a:off x="1043608" y="6487452"/>
+            <a:ext cx="453970" cy="253916"/>
+          </a:xfrm>
+          <a:prstGeom prst="rect">
+            <a:avLst/>
+          </a:prstGeom>
+          <a:noFill/>
+        </p:spPr>
+        <p:txBody>
+          <a:bodyPr wrap="none" rtlCol="0">
+            <a:spAutoFit/>
+          </a:bodyPr>
+          <a:lstStyle/>
+          <a:p>
+            <a:r>
+              <a:rPr lang="zh-TW" altLang="en-US" sz="1050" b="1" dirty="0"/>
+              <a:t>運輸</a:t>
+            </a:r>
+          </a:p>
+        </p:txBody>
+      </p:sp>
+      <p:sp>
+        <p:nvSpPr>
+          <p:cNvPr id="24" name="文字方塊 23"/>
+          <p:cNvSpPr txBox="1"/>
+          <p:nvPr/>
+        </p:nvSpPr>
+        <p:spPr>
+          <a:xfrm>
+            <a:off x="1547664" y="6487452"/>
+            <a:ext cx="723275" cy="253916"/>
+          </a:xfrm>
+          <a:prstGeom prst="rect">
+            <a:avLst/>
+          </a:prstGeom>
+          <a:noFill/>
+        </p:spPr>
+        <p:txBody>
+          <a:bodyPr wrap="none" rtlCol="0">
+            <a:spAutoFit/>
+          </a:bodyPr>
+          <a:lstStyle/>
+          <a:p>
+            <a:r>
+              <a:rPr lang="zh-TW" altLang="en-US" sz="1050" b="1" dirty="0"/>
+              <a:t>電機機械</a:t>
+            </a:r>
+          </a:p>
+        </p:txBody>
+      </p:sp>
+      <p:sp>
+        <p:nvSpPr>
+          <p:cNvPr id="25" name="文字方塊 24"/>
+          <p:cNvSpPr txBox="1"/>
+          <p:nvPr/>
+        </p:nvSpPr>
+        <p:spPr>
+          <a:xfrm>
+            <a:off x="2270939" y="6487452"/>
+            <a:ext cx="723275" cy="253916"/>
+          </a:xfrm>
+          <a:prstGeom prst="rect">
+            <a:avLst/>
+          </a:prstGeom>
+          <a:noFill/>
+        </p:spPr>
+        <p:txBody>
+          <a:bodyPr wrap="none" rtlCol="0">
+            <a:spAutoFit/>
+          </a:bodyPr>
+          <a:lstStyle/>
+          <a:p>
+            <a:r>
+              <a:rPr lang="zh-TW" altLang="en-US" sz="1050" b="1" dirty="0"/>
+              <a:t>傳產其他</a:t>
+            </a:r>
+          </a:p>
+        </p:txBody>
+      </p:sp>
+      <p:sp>
+        <p:nvSpPr>
+          <p:cNvPr id="26" name="文字方塊 25"/>
+          <p:cNvSpPr txBox="1"/>
+          <p:nvPr/>
+        </p:nvSpPr>
+        <p:spPr>
+          <a:xfrm>
+            <a:off x="2915816" y="6485204"/>
+            <a:ext cx="723275" cy="253916"/>
+          </a:xfrm>
+          <a:prstGeom prst="rect">
+            <a:avLst/>
+          </a:prstGeom>
+          <a:noFill/>
+        </p:spPr>
+        <p:txBody>
+          <a:bodyPr wrap="none" rtlCol="0">
+            <a:spAutoFit/>
+          </a:bodyPr>
+          <a:lstStyle/>
+          <a:p>
+            <a:r>
+              <a:rPr lang="zh-TW" altLang="en-US" sz="1050" b="1" dirty="0"/>
+              <a:t>公用事業</a:t>
+            </a:r>
+          </a:p>
+        </p:txBody>
+      </p:sp>
+      <p:sp>
+        <p:nvSpPr>
+          <p:cNvPr id="27" name="文字方塊 26"/>
+          <p:cNvSpPr txBox="1"/>
+          <p:nvPr/>
+        </p:nvSpPr>
+        <p:spPr>
+          <a:xfrm>
+            <a:off x="3620582" y="6485204"/>
+            <a:ext cx="723275" cy="253916"/>
+          </a:xfrm>
+          <a:prstGeom prst="rect">
+            <a:avLst/>
+          </a:prstGeom>
+          <a:noFill/>
+        </p:spPr>
+        <p:txBody>
+          <a:bodyPr wrap="none" rtlCol="0">
+            <a:spAutoFit/>
+          </a:bodyPr>
+          <a:lstStyle/>
+          <a:p>
+            <a:r>
+              <a:rPr lang="zh-TW" altLang="en-US" sz="1050" b="1" dirty="0"/>
+              <a:t>電器電纜</a:t>
+            </a:r>
+          </a:p>
+        </p:txBody>
+      </p:sp>
+      <p:sp>
+        <p:nvSpPr>
+          <p:cNvPr id="28" name="文字方塊 27"/>
+          <p:cNvSpPr txBox="1"/>
+          <p:nvPr/>
+        </p:nvSpPr>
+        <p:spPr>
+          <a:xfrm>
+            <a:off x="4280773" y="6487452"/>
+            <a:ext cx="723275" cy="253916"/>
+          </a:xfrm>
+          <a:prstGeom prst="rect">
+            <a:avLst/>
+          </a:prstGeom>
+          <a:noFill/>
+        </p:spPr>
+        <p:txBody>
+          <a:bodyPr wrap="none" rtlCol="0">
+            <a:spAutoFit/>
+          </a:bodyPr>
+          <a:lstStyle/>
+          <a:p>
+            <a:r>
+              <a:rPr lang="zh-TW" altLang="en-US" sz="1050" b="1" dirty="0"/>
+              <a:t>營建地產</a:t>
+            </a:r>
+          </a:p>
+        </p:txBody>
+      </p:sp>
+      <p:sp>
+        <p:nvSpPr>
+          <p:cNvPr id="29" name="文字方塊 28"/>
+          <p:cNvSpPr txBox="1"/>
+          <p:nvPr/>
+        </p:nvSpPr>
+        <p:spPr>
+          <a:xfrm>
+            <a:off x="4932040" y="6487452"/>
+            <a:ext cx="723275" cy="253916"/>
+          </a:xfrm>
+          <a:prstGeom prst="rect">
+            <a:avLst/>
+          </a:prstGeom>
+          <a:noFill/>
+        </p:spPr>
+        <p:txBody>
+          <a:bodyPr wrap="none" rtlCol="0">
+            <a:spAutoFit/>
+          </a:bodyPr>
+          <a:lstStyle/>
+          <a:p>
+            <a:r>
+              <a:rPr lang="zh-TW" altLang="en-US" sz="1050" b="1" dirty="0"/>
+              <a:t>科技相關</a:t>
+            </a:r>
+          </a:p>
+        </p:txBody>
+      </p:sp>
+      <p:sp>
+        <p:nvSpPr>
+          <p:cNvPr id="30" name="文字方塊 29"/>
+          <p:cNvSpPr txBox="1"/>
+          <p:nvPr/>
+        </p:nvSpPr>
+        <p:spPr>
+          <a:xfrm>
+            <a:off x="5774214" y="6487452"/>
+            <a:ext cx="453970" cy="253916"/>
+          </a:xfrm>
+          <a:prstGeom prst="rect">
+            <a:avLst/>
+          </a:prstGeom>
+          <a:noFill/>
+        </p:spPr>
+        <p:txBody>
+          <a:bodyPr wrap="none" rtlCol="0">
+            <a:spAutoFit/>
+          </a:bodyPr>
+          <a:lstStyle/>
+          <a:p>
+            <a:r>
+              <a:rPr lang="zh-TW" altLang="en-US" sz="1050" b="1" dirty="0"/>
+              <a:t>紡織</a:t>
+            </a:r>
+          </a:p>
+        </p:txBody>
+      </p:sp>
+      <p:sp>
+        <p:nvSpPr>
+          <p:cNvPr id="31" name="文字方塊 30"/>
+          <p:cNvSpPr txBox="1"/>
+          <p:nvPr/>
+        </p:nvSpPr>
+        <p:spPr>
+          <a:xfrm>
+            <a:off x="6300192" y="6453336"/>
+            <a:ext cx="723275" cy="253916"/>
+          </a:xfrm>
+          <a:prstGeom prst="rect">
+            <a:avLst/>
+          </a:prstGeom>
+          <a:noFill/>
+        </p:spPr>
+        <p:txBody>
+          <a:bodyPr wrap="none" rtlCol="0">
+            <a:spAutoFit/>
+          </a:bodyPr>
+          <a:lstStyle/>
+          <a:p>
+            <a:r>
+              <a:rPr lang="zh-TW" altLang="en-US" sz="1050" b="1" dirty="0"/>
+              <a:t>傳播出版</a:t>
+            </a:r>
+          </a:p>
+        </p:txBody>
+      </p:sp>
+      <p:sp>
+        <p:nvSpPr>
+          <p:cNvPr id="32" name="文字方塊 31"/>
+          <p:cNvSpPr txBox="1"/>
+          <p:nvPr/>
+        </p:nvSpPr>
+        <p:spPr>
+          <a:xfrm>
+            <a:off x="6948264" y="6453336"/>
+            <a:ext cx="723275" cy="253916"/>
+          </a:xfrm>
+          <a:prstGeom prst="rect">
+            <a:avLst/>
+          </a:prstGeom>
+          <a:noFill/>
+        </p:spPr>
+        <p:txBody>
+          <a:bodyPr wrap="none" rtlCol="0">
+            <a:spAutoFit/>
+          </a:bodyPr>
+          <a:lstStyle/>
+          <a:p>
+            <a:r>
+              <a:rPr lang="zh-TW" altLang="en-US" sz="1050" b="1" dirty="0"/>
+              <a:t>化學工業</a:t>
+            </a:r>
+          </a:p>
+        </p:txBody>
+      </p:sp>
+      <p:sp>
+        <p:nvSpPr>
+          <p:cNvPr id="33" name="文字方塊 32"/>
+          <p:cNvSpPr txBox="1"/>
+          <p:nvPr/>
+        </p:nvSpPr>
+        <p:spPr>
+          <a:xfrm>
+            <a:off x="7790438" y="6453336"/>
+            <a:ext cx="453970" cy="253916"/>
+          </a:xfrm>
+          <a:prstGeom prst="rect">
+            <a:avLst/>
+          </a:prstGeom>
+          <a:noFill/>
+        </p:spPr>
+        <p:txBody>
+          <a:bodyPr wrap="none" rtlCol="0">
+            <a:spAutoFit/>
+          </a:bodyPr>
+          <a:lstStyle/>
+          <a:p>
+            <a:r>
+              <a:rPr lang="zh-TW" altLang="en-US" sz="1050" b="1" dirty="0"/>
+              <a:t>食品</a:t>
+            </a:r>
+          </a:p>
+        </p:txBody>
+      </p:sp>
+      <p:sp>
+        <p:nvSpPr>
+          <p:cNvPr id="34" name="文字方塊 33"/>
+          <p:cNvSpPr txBox="1"/>
+          <p:nvPr/>
+        </p:nvSpPr>
+        <p:spPr>
+          <a:xfrm>
+            <a:off x="8460432" y="6453336"/>
+            <a:ext cx="453970" cy="253916"/>
+          </a:xfrm>
+          <a:prstGeom prst="rect">
+            <a:avLst/>
+          </a:prstGeom>
+          <a:noFill/>
+        </p:spPr>
+        <p:txBody>
+          <a:bodyPr wrap="none" rtlCol="0">
+            <a:spAutoFit/>
+          </a:bodyPr>
+          <a:lstStyle/>
+          <a:p>
+            <a:r>
+              <a:rPr lang="zh-TW" altLang="en-US" sz="1050" b="1" dirty="0"/>
+              <a:t>造紙</a:t>
+            </a:r>
+          </a:p>
+        </p:txBody>
+      </p:sp>
+    </p:spTree>
+    <p:extLst>
+      <p:ext uri="{BB962C8B-B14F-4D97-AF65-F5344CB8AC3E}">
+        <p14:creationId xmlns:p14="http://schemas.microsoft.com/office/powerpoint/2010/main" val="3665012820"/>
+      </p:ext>
+    </p:extLst>
+  </p:cSld>
+  <p:clrMapOvr>
+    <a:masterClrMapping/>
+  </p:clrMapOvr>
+  <p:timing>
+    <p:tnLst>
+      <p:par>
+        <p:cTn id="1" dur="indefinite" restart="never" nodeType="tmRoot"/>
+      </p:par>
+    </p:tnLst>
+  </p:timing>
+</p:sld>
+</file>
+
+<file path=ppt/slides/slide41.xml><?xml version="1.0" encoding="utf-8"?>
+<p:sld xmlns:a="http://schemas.openxmlformats.org/drawingml/2006/main" xmlns:r="http://schemas.openxmlformats.org/officeDocument/2006/relationships" xmlns:p="http://schemas.openxmlformats.org/presentationml/2006/main">
+  <p:cSld>
+    <p:spTree>
+      <p:nvGrpSpPr>
+        <p:cNvPr id="1" name=""/>
+        <p:cNvGrpSpPr/>
+        <p:nvPr/>
+      </p:nvGrpSpPr>
+      <p:grpSpPr>
+        <a:xfrm>
+          <a:off x="0" y="0"/>
+          <a:ext cx="0" cy="0"/>
+          <a:chOff x="0" y="0"/>
+          <a:chExt cx="0" cy="0"/>
+        </a:xfrm>
+      </p:grpSpPr>
+      <p:pic>
+        <p:nvPicPr>
+          <p:cNvPr id="7" name="圖片 6" descr="畫面剪輯"/>
+          <p:cNvPicPr>
+            <a:picLocks noChangeAspect="1"/>
+          </p:cNvPicPr>
+          <p:nvPr/>
+        </p:nvPicPr>
+        <p:blipFill>
+          <a:blip r:embed="rId3">
+            <a:extLst>
+              <a:ext uri="{28A0092B-C50C-407E-A947-70E740481C1C}">
+                <a14:useLocalDpi xmlns:a14="http://schemas.microsoft.com/office/drawing/2010/main" val="0"/>
+              </a:ext>
+            </a:extLst>
+          </a:blip>
+          <a:stretch>
+            <a:fillRect/>
+          </a:stretch>
+        </p:blipFill>
+        <p:spPr>
+          <a:xfrm>
+            <a:off x="108520" y="3763954"/>
+            <a:ext cx="9144000" cy="3193438"/>
+          </a:xfrm>
+          <a:prstGeom prst="rect">
+            <a:avLst/>
+          </a:prstGeom>
+        </p:spPr>
+      </p:pic>
+      <p:grpSp>
+        <p:nvGrpSpPr>
+          <p:cNvPr id="10" name="群組 9"/>
+          <p:cNvGrpSpPr/>
+          <p:nvPr/>
+        </p:nvGrpSpPr>
+        <p:grpSpPr>
+          <a:xfrm>
+            <a:off x="0" y="565535"/>
+            <a:ext cx="9144000" cy="3184570"/>
+            <a:chOff x="0" y="565535"/>
+            <a:chExt cx="9144000" cy="3184570"/>
+          </a:xfrm>
+        </p:grpSpPr>
+        <p:pic>
+          <p:nvPicPr>
+            <p:cNvPr id="3" name="圖片 2" descr="畫面剪輯"/>
+            <p:cNvPicPr>
+              <a:picLocks noChangeAspect="1"/>
+            </p:cNvPicPr>
+            <p:nvPr/>
+          </p:nvPicPr>
+          <p:blipFill>
+            <a:blip r:embed="rId4">
+              <a:extLst>
+                <a:ext uri="{28A0092B-C50C-407E-A947-70E740481C1C}">
+                  <a14:useLocalDpi xmlns:a14="http://schemas.microsoft.com/office/drawing/2010/main" val="0"/>
+                </a:ext>
+              </a:extLst>
+            </a:blip>
+            <a:stretch>
+              <a:fillRect/>
+            </a:stretch>
+          </p:blipFill>
+          <p:spPr>
+            <a:xfrm>
+              <a:off x="0" y="565535"/>
+              <a:ext cx="9144000" cy="3184570"/>
+            </a:xfrm>
+            <a:prstGeom prst="rect">
+              <a:avLst/>
+            </a:prstGeom>
+          </p:spPr>
+        </p:pic>
+        <p:sp>
+          <p:nvSpPr>
+            <p:cNvPr id="6" name="文字方塊 5"/>
+            <p:cNvSpPr txBox="1"/>
+            <p:nvPr/>
+          </p:nvSpPr>
+          <p:spPr>
+            <a:xfrm>
+              <a:off x="206996" y="3346819"/>
+              <a:ext cx="723275" cy="253916"/>
+            </a:xfrm>
+            <a:prstGeom prst="rect">
+              <a:avLst/>
+            </a:prstGeom>
+            <a:noFill/>
+          </p:spPr>
+          <p:txBody>
+            <a:bodyPr wrap="none" rtlCol="0">
+              <a:spAutoFit/>
+            </a:bodyPr>
+            <a:lstStyle/>
+            <a:p>
+              <a:r>
+                <a:rPr lang="zh-TW" altLang="en-US" sz="1050" b="1" dirty="0"/>
+                <a:t>航天軍工</a:t>
+              </a:r>
+            </a:p>
+          </p:txBody>
+        </p:sp>
+        <p:sp>
+          <p:nvSpPr>
+            <p:cNvPr id="11" name="文字方塊 10"/>
+            <p:cNvSpPr txBox="1"/>
+            <p:nvPr/>
+          </p:nvSpPr>
+          <p:spPr>
+            <a:xfrm>
+              <a:off x="1093694" y="3346819"/>
+              <a:ext cx="453970" cy="253916"/>
+            </a:xfrm>
+            <a:prstGeom prst="rect">
+              <a:avLst/>
+            </a:prstGeom>
+            <a:noFill/>
+          </p:spPr>
+          <p:txBody>
+            <a:bodyPr wrap="none" rtlCol="0">
+              <a:spAutoFit/>
+            </a:bodyPr>
+            <a:lstStyle/>
+            <a:p>
+              <a:r>
+                <a:rPr lang="zh-TW" altLang="en-US" sz="1050" b="1" dirty="0" smtClean="0"/>
+                <a:t>水泥</a:t>
+              </a:r>
+              <a:endParaRPr lang="zh-TW" altLang="en-US" sz="1050" b="1" dirty="0"/>
+            </a:p>
+          </p:txBody>
+        </p:sp>
+        <p:sp>
+          <p:nvSpPr>
+            <p:cNvPr id="12" name="文字方塊 11"/>
+            <p:cNvSpPr txBox="1"/>
+            <p:nvPr/>
+          </p:nvSpPr>
+          <p:spPr>
+            <a:xfrm>
+              <a:off x="1691680" y="3346819"/>
+              <a:ext cx="723275" cy="253916"/>
+            </a:xfrm>
+            <a:prstGeom prst="rect">
+              <a:avLst/>
+            </a:prstGeom>
+            <a:noFill/>
+          </p:spPr>
+          <p:txBody>
+            <a:bodyPr wrap="none" rtlCol="0">
+              <a:spAutoFit/>
+            </a:bodyPr>
+            <a:lstStyle/>
+            <a:p>
+              <a:r>
+                <a:rPr lang="zh-TW" altLang="en-US" sz="1050" b="1" dirty="0"/>
+                <a:t>車輛相關</a:t>
+              </a:r>
+            </a:p>
+          </p:txBody>
+        </p:sp>
+        <p:sp>
+          <p:nvSpPr>
+            <p:cNvPr id="13" name="文字方塊 12"/>
+            <p:cNvSpPr txBox="1"/>
+            <p:nvPr/>
+          </p:nvSpPr>
+          <p:spPr>
+            <a:xfrm>
+              <a:off x="2605862" y="3346819"/>
+              <a:ext cx="453970" cy="253916"/>
+            </a:xfrm>
+            <a:prstGeom prst="rect">
+              <a:avLst/>
+            </a:prstGeom>
+            <a:noFill/>
+          </p:spPr>
+          <p:txBody>
+            <a:bodyPr wrap="none" rtlCol="0">
+              <a:spAutoFit/>
+            </a:bodyPr>
+            <a:lstStyle/>
+            <a:p>
+              <a:r>
+                <a:rPr lang="zh-TW" altLang="en-US" sz="1050" b="1" dirty="0"/>
+                <a:t>能源</a:t>
+              </a:r>
+            </a:p>
+          </p:txBody>
+        </p:sp>
+        <p:sp>
+          <p:nvSpPr>
+            <p:cNvPr id="14" name="文字方塊 13"/>
+            <p:cNvSpPr txBox="1"/>
+            <p:nvPr/>
+          </p:nvSpPr>
+          <p:spPr>
+            <a:xfrm>
+              <a:off x="3203848" y="3346819"/>
+              <a:ext cx="723275" cy="253916"/>
+            </a:xfrm>
+            <a:prstGeom prst="rect">
+              <a:avLst/>
+            </a:prstGeom>
+            <a:noFill/>
+          </p:spPr>
+          <p:txBody>
+            <a:bodyPr wrap="none" rtlCol="0">
+              <a:spAutoFit/>
+            </a:bodyPr>
+            <a:lstStyle/>
+            <a:p>
+              <a:r>
+                <a:rPr lang="zh-TW" altLang="en-US" sz="1050" b="1" dirty="0" smtClean="0"/>
+                <a:t>農林漁牧</a:t>
+              </a:r>
+              <a:endParaRPr lang="zh-TW" altLang="en-US" sz="1050" b="1" dirty="0"/>
+            </a:p>
+          </p:txBody>
+        </p:sp>
+        <p:sp>
+          <p:nvSpPr>
+            <p:cNvPr id="15" name="文字方塊 14"/>
+            <p:cNvSpPr txBox="1"/>
+            <p:nvPr/>
+          </p:nvSpPr>
+          <p:spPr>
+            <a:xfrm>
+              <a:off x="4067944" y="3346819"/>
+              <a:ext cx="453970" cy="253916"/>
+            </a:xfrm>
+            <a:prstGeom prst="rect">
+              <a:avLst/>
+            </a:prstGeom>
+            <a:noFill/>
+          </p:spPr>
+          <p:txBody>
+            <a:bodyPr wrap="none" rtlCol="0">
+              <a:spAutoFit/>
+            </a:bodyPr>
+            <a:lstStyle/>
+            <a:p>
+              <a:r>
+                <a:rPr lang="zh-TW" altLang="en-US" sz="1050" b="1" dirty="0"/>
+                <a:t>綜合</a:t>
+              </a:r>
+            </a:p>
+          </p:txBody>
+        </p:sp>
+        <p:sp>
+          <p:nvSpPr>
+            <p:cNvPr id="16" name="文字方塊 15"/>
+            <p:cNvSpPr txBox="1"/>
+            <p:nvPr/>
+          </p:nvSpPr>
+          <p:spPr>
+            <a:xfrm>
+              <a:off x="4788024" y="3346819"/>
+              <a:ext cx="453970" cy="253916"/>
+            </a:xfrm>
+            <a:prstGeom prst="rect">
+              <a:avLst/>
+            </a:prstGeom>
+            <a:noFill/>
+          </p:spPr>
+          <p:txBody>
+            <a:bodyPr wrap="none" rtlCol="0">
+              <a:spAutoFit/>
+            </a:bodyPr>
+            <a:lstStyle/>
+            <a:p>
+              <a:r>
+                <a:rPr lang="zh-TW" altLang="en-US" sz="1050" b="1" dirty="0"/>
+                <a:t>石化</a:t>
+              </a:r>
+            </a:p>
+          </p:txBody>
+        </p:sp>
+        <p:sp>
+          <p:nvSpPr>
+            <p:cNvPr id="17" name="文字方塊 16"/>
+            <p:cNvSpPr txBox="1"/>
+            <p:nvPr/>
+          </p:nvSpPr>
+          <p:spPr>
+            <a:xfrm>
+              <a:off x="5432901" y="3346819"/>
+              <a:ext cx="723275" cy="253916"/>
+            </a:xfrm>
+            <a:prstGeom prst="rect">
+              <a:avLst/>
+            </a:prstGeom>
+            <a:noFill/>
+          </p:spPr>
+          <p:txBody>
+            <a:bodyPr wrap="none" rtlCol="0">
+              <a:spAutoFit/>
+            </a:bodyPr>
+            <a:lstStyle/>
+            <a:p>
+              <a:r>
+                <a:rPr lang="zh-TW" altLang="en-US" sz="1050" b="1" dirty="0"/>
+                <a:t>百貨通路</a:t>
+              </a:r>
+            </a:p>
+          </p:txBody>
+        </p:sp>
+        <p:sp>
+          <p:nvSpPr>
+            <p:cNvPr id="18" name="文字方塊 17"/>
+            <p:cNvSpPr txBox="1"/>
+            <p:nvPr/>
+          </p:nvSpPr>
+          <p:spPr>
+            <a:xfrm>
+              <a:off x="6278270" y="3346819"/>
+              <a:ext cx="453970" cy="253916"/>
+            </a:xfrm>
+            <a:prstGeom prst="rect">
+              <a:avLst/>
+            </a:prstGeom>
+            <a:noFill/>
+          </p:spPr>
+          <p:txBody>
+            <a:bodyPr wrap="none" rtlCol="0">
+              <a:spAutoFit/>
+            </a:bodyPr>
+            <a:lstStyle/>
+            <a:p>
+              <a:r>
+                <a:rPr lang="zh-TW" altLang="en-US" sz="1050" b="1" dirty="0" smtClean="0"/>
+                <a:t>觀光</a:t>
+              </a:r>
+              <a:endParaRPr lang="zh-TW" altLang="en-US" sz="1050" b="1" dirty="0"/>
+            </a:p>
+          </p:txBody>
+        </p:sp>
+        <p:sp>
+          <p:nvSpPr>
+            <p:cNvPr id="19" name="文字方塊 18"/>
+            <p:cNvSpPr txBox="1"/>
+            <p:nvPr/>
+          </p:nvSpPr>
+          <p:spPr>
+            <a:xfrm>
+              <a:off x="6998350" y="3346819"/>
+              <a:ext cx="453970" cy="253916"/>
+            </a:xfrm>
+            <a:prstGeom prst="rect">
+              <a:avLst/>
+            </a:prstGeom>
+            <a:noFill/>
+          </p:spPr>
+          <p:txBody>
+            <a:bodyPr wrap="none" rtlCol="0">
+              <a:spAutoFit/>
+            </a:bodyPr>
+            <a:lstStyle/>
+            <a:p>
+              <a:r>
+                <a:rPr lang="zh-TW" altLang="en-US" sz="1050" b="1" dirty="0"/>
+                <a:t>生醫</a:t>
+              </a:r>
+            </a:p>
+          </p:txBody>
+        </p:sp>
+        <p:sp>
+          <p:nvSpPr>
+            <p:cNvPr id="20" name="文字方塊 19"/>
+            <p:cNvSpPr txBox="1"/>
+            <p:nvPr/>
+          </p:nvSpPr>
+          <p:spPr>
+            <a:xfrm>
+              <a:off x="7718430" y="3346819"/>
+              <a:ext cx="453970" cy="253916"/>
+            </a:xfrm>
+            <a:prstGeom prst="rect">
+              <a:avLst/>
+            </a:prstGeom>
+            <a:noFill/>
+          </p:spPr>
+          <p:txBody>
+            <a:bodyPr wrap="none" rtlCol="0">
+              <a:spAutoFit/>
+            </a:bodyPr>
+            <a:lstStyle/>
+            <a:p>
+              <a:r>
+                <a:rPr lang="zh-TW" altLang="en-US" sz="1050" b="1" dirty="0" smtClean="0"/>
+                <a:t>金屬</a:t>
+              </a:r>
+              <a:endParaRPr lang="zh-TW" altLang="en-US" sz="1050" b="1" dirty="0"/>
+            </a:p>
+          </p:txBody>
+        </p:sp>
+        <p:sp>
+          <p:nvSpPr>
+            <p:cNvPr id="21" name="文字方塊 20"/>
+            <p:cNvSpPr txBox="1"/>
+            <p:nvPr/>
+          </p:nvSpPr>
+          <p:spPr>
+            <a:xfrm>
+              <a:off x="8510518" y="3346819"/>
+              <a:ext cx="453970" cy="253916"/>
+            </a:xfrm>
+            <a:prstGeom prst="rect">
+              <a:avLst/>
+            </a:prstGeom>
+            <a:noFill/>
+          </p:spPr>
+          <p:txBody>
+            <a:bodyPr wrap="none" rtlCol="0">
+              <a:spAutoFit/>
+            </a:bodyPr>
+            <a:lstStyle/>
+            <a:p>
+              <a:r>
+                <a:rPr lang="zh-TW" altLang="en-US" sz="1050" b="1" dirty="0"/>
+                <a:t>建材</a:t>
+              </a:r>
+            </a:p>
+          </p:txBody>
+        </p:sp>
+      </p:grpSp>
+      <p:sp>
+        <p:nvSpPr>
+          <p:cNvPr id="22" name="文字方塊 21"/>
+          <p:cNvSpPr txBox="1"/>
+          <p:nvPr/>
+        </p:nvSpPr>
+        <p:spPr>
+          <a:xfrm>
+            <a:off x="248325" y="6515171"/>
+            <a:ext cx="723275" cy="253916"/>
+          </a:xfrm>
+          <a:prstGeom prst="rect">
+            <a:avLst/>
+          </a:prstGeom>
+          <a:noFill/>
+        </p:spPr>
+        <p:txBody>
+          <a:bodyPr wrap="none" rtlCol="0">
+            <a:spAutoFit/>
+          </a:bodyPr>
+          <a:lstStyle/>
+          <a:p>
+            <a:r>
+              <a:rPr lang="zh-TW" altLang="en-US" sz="1050" b="1" dirty="0"/>
+              <a:t>金融相關</a:t>
+            </a:r>
+          </a:p>
+        </p:txBody>
+      </p:sp>
+      <p:sp>
+        <p:nvSpPr>
+          <p:cNvPr id="23" name="文字方塊 22"/>
+          <p:cNvSpPr txBox="1"/>
+          <p:nvPr/>
+        </p:nvSpPr>
+        <p:spPr>
+          <a:xfrm>
+            <a:off x="1021686" y="6515171"/>
+            <a:ext cx="453970" cy="253916"/>
+          </a:xfrm>
+          <a:prstGeom prst="rect">
+            <a:avLst/>
+          </a:prstGeom>
+          <a:noFill/>
+        </p:spPr>
+        <p:txBody>
+          <a:bodyPr wrap="none" rtlCol="0">
+            <a:spAutoFit/>
+          </a:bodyPr>
+          <a:lstStyle/>
+          <a:p>
+            <a:r>
+              <a:rPr lang="zh-TW" altLang="en-US" sz="1050" b="1" dirty="0"/>
+              <a:t>運輸</a:t>
+            </a:r>
+          </a:p>
+        </p:txBody>
+      </p:sp>
+      <p:sp>
+        <p:nvSpPr>
+          <p:cNvPr id="24" name="文字方塊 23"/>
+          <p:cNvSpPr txBox="1"/>
+          <p:nvPr/>
+        </p:nvSpPr>
+        <p:spPr>
+          <a:xfrm>
+            <a:off x="1481893" y="6515171"/>
+            <a:ext cx="723275" cy="253916"/>
+          </a:xfrm>
+          <a:prstGeom prst="rect">
+            <a:avLst/>
+          </a:prstGeom>
+          <a:noFill/>
+        </p:spPr>
+        <p:txBody>
+          <a:bodyPr wrap="none" rtlCol="0">
+            <a:spAutoFit/>
+          </a:bodyPr>
+          <a:lstStyle/>
+          <a:p>
+            <a:r>
+              <a:rPr lang="zh-TW" altLang="en-US" sz="1050" b="1" dirty="0"/>
+              <a:t>電機機械</a:t>
+            </a:r>
+          </a:p>
+        </p:txBody>
+      </p:sp>
+      <p:sp>
+        <p:nvSpPr>
+          <p:cNvPr id="25" name="文字方塊 24"/>
+          <p:cNvSpPr txBox="1"/>
+          <p:nvPr/>
+        </p:nvSpPr>
+        <p:spPr>
+          <a:xfrm>
+            <a:off x="2192541" y="6515171"/>
+            <a:ext cx="723275" cy="253916"/>
+          </a:xfrm>
+          <a:prstGeom prst="rect">
+            <a:avLst/>
+          </a:prstGeom>
+          <a:noFill/>
+        </p:spPr>
+        <p:txBody>
+          <a:bodyPr wrap="none" rtlCol="0">
+            <a:spAutoFit/>
+          </a:bodyPr>
+          <a:lstStyle/>
+          <a:p>
+            <a:r>
+              <a:rPr lang="zh-TW" altLang="en-US" sz="1050" b="1" dirty="0"/>
+              <a:t>傳產其他</a:t>
+            </a:r>
+          </a:p>
+        </p:txBody>
+      </p:sp>
+      <p:sp>
+        <p:nvSpPr>
+          <p:cNvPr id="26" name="文字方塊 25"/>
+          <p:cNvSpPr txBox="1"/>
+          <p:nvPr/>
+        </p:nvSpPr>
+        <p:spPr>
+          <a:xfrm>
+            <a:off x="3419872" y="6512923"/>
+            <a:ext cx="723275" cy="253916"/>
+          </a:xfrm>
+          <a:prstGeom prst="rect">
+            <a:avLst/>
+          </a:prstGeom>
+          <a:noFill/>
+        </p:spPr>
+        <p:txBody>
+          <a:bodyPr wrap="none" rtlCol="0">
+            <a:spAutoFit/>
+          </a:bodyPr>
+          <a:lstStyle/>
+          <a:p>
+            <a:r>
+              <a:rPr lang="zh-TW" altLang="en-US" sz="1050" b="1" dirty="0"/>
+              <a:t>公用事業</a:t>
+            </a:r>
+          </a:p>
+        </p:txBody>
+      </p:sp>
+      <p:sp>
+        <p:nvSpPr>
+          <p:cNvPr id="27" name="文字方塊 26"/>
+          <p:cNvSpPr txBox="1"/>
+          <p:nvPr/>
+        </p:nvSpPr>
+        <p:spPr>
+          <a:xfrm>
+            <a:off x="4064749" y="6512923"/>
+            <a:ext cx="723275" cy="253916"/>
+          </a:xfrm>
+          <a:prstGeom prst="rect">
+            <a:avLst/>
+          </a:prstGeom>
+          <a:noFill/>
+        </p:spPr>
+        <p:txBody>
+          <a:bodyPr wrap="none" rtlCol="0">
+            <a:spAutoFit/>
+          </a:bodyPr>
+          <a:lstStyle/>
+          <a:p>
+            <a:r>
+              <a:rPr lang="zh-TW" altLang="en-US" sz="1050" b="1" dirty="0"/>
+              <a:t>電器電纜</a:t>
+            </a:r>
+          </a:p>
+        </p:txBody>
+      </p:sp>
+      <p:sp>
+        <p:nvSpPr>
+          <p:cNvPr id="28" name="文字方塊 27"/>
+          <p:cNvSpPr txBox="1"/>
+          <p:nvPr/>
+        </p:nvSpPr>
+        <p:spPr>
+          <a:xfrm>
+            <a:off x="4712821" y="6515171"/>
+            <a:ext cx="723275" cy="253916"/>
+          </a:xfrm>
+          <a:prstGeom prst="rect">
+            <a:avLst/>
+          </a:prstGeom>
+          <a:noFill/>
+        </p:spPr>
+        <p:txBody>
+          <a:bodyPr wrap="none" rtlCol="0">
+            <a:spAutoFit/>
+          </a:bodyPr>
+          <a:lstStyle/>
+          <a:p>
+            <a:r>
+              <a:rPr lang="zh-TW" altLang="en-US" sz="1050" b="1" dirty="0"/>
+              <a:t>營建地產</a:t>
+            </a:r>
+          </a:p>
+        </p:txBody>
+      </p:sp>
+      <p:sp>
+        <p:nvSpPr>
+          <p:cNvPr id="29" name="文字方塊 28"/>
+          <p:cNvSpPr txBox="1"/>
+          <p:nvPr/>
+        </p:nvSpPr>
+        <p:spPr>
+          <a:xfrm>
+            <a:off x="5360893" y="6515171"/>
+            <a:ext cx="723275" cy="253916"/>
+          </a:xfrm>
+          <a:prstGeom prst="rect">
+            <a:avLst/>
+          </a:prstGeom>
+          <a:noFill/>
+        </p:spPr>
+        <p:txBody>
+          <a:bodyPr wrap="none" rtlCol="0">
+            <a:spAutoFit/>
+          </a:bodyPr>
+          <a:lstStyle/>
+          <a:p>
+            <a:r>
+              <a:rPr lang="zh-TW" altLang="en-US" sz="1050" b="1" dirty="0"/>
+              <a:t>科技相關</a:t>
+            </a:r>
+          </a:p>
+        </p:txBody>
+      </p:sp>
+      <p:sp>
+        <p:nvSpPr>
+          <p:cNvPr id="30" name="文字方塊 29"/>
+          <p:cNvSpPr txBox="1"/>
+          <p:nvPr/>
+        </p:nvSpPr>
+        <p:spPr>
+          <a:xfrm>
+            <a:off x="6084168" y="6515171"/>
+            <a:ext cx="453970" cy="253916"/>
+          </a:xfrm>
+          <a:prstGeom prst="rect">
+            <a:avLst/>
+          </a:prstGeom>
+          <a:noFill/>
+        </p:spPr>
+        <p:txBody>
+          <a:bodyPr wrap="none" rtlCol="0">
+            <a:spAutoFit/>
+          </a:bodyPr>
+          <a:lstStyle/>
+          <a:p>
+            <a:r>
+              <a:rPr lang="zh-TW" altLang="en-US" sz="1050" b="1" dirty="0"/>
+              <a:t>紡織</a:t>
+            </a:r>
+          </a:p>
+        </p:txBody>
+      </p:sp>
+      <p:sp>
+        <p:nvSpPr>
+          <p:cNvPr id="31" name="文字方塊 30"/>
+          <p:cNvSpPr txBox="1"/>
+          <p:nvPr/>
+        </p:nvSpPr>
+        <p:spPr>
+          <a:xfrm>
+            <a:off x="6585029" y="6515171"/>
+            <a:ext cx="723275" cy="253916"/>
+          </a:xfrm>
+          <a:prstGeom prst="rect">
+            <a:avLst/>
+          </a:prstGeom>
+          <a:noFill/>
+        </p:spPr>
+        <p:txBody>
+          <a:bodyPr wrap="none" rtlCol="0">
+            <a:spAutoFit/>
+          </a:bodyPr>
+          <a:lstStyle/>
+          <a:p>
+            <a:r>
+              <a:rPr lang="zh-TW" altLang="en-US" sz="1050" b="1" dirty="0"/>
+              <a:t>傳播出版</a:t>
+            </a:r>
+          </a:p>
+        </p:txBody>
+      </p:sp>
+      <p:sp>
+        <p:nvSpPr>
+          <p:cNvPr id="32" name="文字方塊 31"/>
+          <p:cNvSpPr txBox="1"/>
+          <p:nvPr/>
+        </p:nvSpPr>
+        <p:spPr>
+          <a:xfrm>
+            <a:off x="7233101" y="6515171"/>
+            <a:ext cx="723275" cy="253916"/>
+          </a:xfrm>
+          <a:prstGeom prst="rect">
+            <a:avLst/>
+          </a:prstGeom>
+          <a:noFill/>
+        </p:spPr>
+        <p:txBody>
+          <a:bodyPr wrap="none" rtlCol="0">
+            <a:spAutoFit/>
+          </a:bodyPr>
+          <a:lstStyle/>
+          <a:p>
+            <a:r>
+              <a:rPr lang="zh-TW" altLang="en-US" sz="1050" b="1" dirty="0"/>
+              <a:t>化學工業</a:t>
+            </a:r>
+          </a:p>
+        </p:txBody>
+      </p:sp>
+      <p:sp>
+        <p:nvSpPr>
+          <p:cNvPr id="33" name="文字方塊 32"/>
+          <p:cNvSpPr txBox="1"/>
+          <p:nvPr/>
+        </p:nvSpPr>
+        <p:spPr>
+          <a:xfrm>
+            <a:off x="8006462" y="6515171"/>
+            <a:ext cx="453970" cy="253916"/>
+          </a:xfrm>
+          <a:prstGeom prst="rect">
+            <a:avLst/>
+          </a:prstGeom>
+          <a:noFill/>
+        </p:spPr>
+        <p:txBody>
+          <a:bodyPr wrap="none" rtlCol="0">
+            <a:spAutoFit/>
+          </a:bodyPr>
+          <a:lstStyle/>
+          <a:p>
+            <a:r>
+              <a:rPr lang="zh-TW" altLang="en-US" sz="1050" b="1" dirty="0"/>
+              <a:t>食品</a:t>
+            </a:r>
+          </a:p>
+        </p:txBody>
+      </p:sp>
+      <p:sp>
+        <p:nvSpPr>
+          <p:cNvPr id="34" name="文字方塊 33"/>
+          <p:cNvSpPr txBox="1"/>
+          <p:nvPr/>
+        </p:nvSpPr>
+        <p:spPr>
+          <a:xfrm>
+            <a:off x="8604448" y="6515171"/>
+            <a:ext cx="453970" cy="253916"/>
+          </a:xfrm>
+          <a:prstGeom prst="rect">
+            <a:avLst/>
+          </a:prstGeom>
+          <a:noFill/>
+        </p:spPr>
+        <p:txBody>
+          <a:bodyPr wrap="none" rtlCol="0">
+            <a:spAutoFit/>
+          </a:bodyPr>
+          <a:lstStyle/>
+          <a:p>
+            <a:r>
+              <a:rPr lang="zh-TW" altLang="en-US" sz="1050" b="1" dirty="0"/>
+              <a:t>造紙</a:t>
+            </a:r>
+          </a:p>
+        </p:txBody>
+      </p:sp>
+      <p:sp>
+        <p:nvSpPr>
+          <p:cNvPr id="35" name="文字方塊 34"/>
+          <p:cNvSpPr txBox="1"/>
+          <p:nvPr/>
+        </p:nvSpPr>
+        <p:spPr>
+          <a:xfrm>
+            <a:off x="2965902" y="6515171"/>
+            <a:ext cx="453970" cy="253916"/>
+          </a:xfrm>
+          <a:prstGeom prst="rect">
+            <a:avLst/>
+          </a:prstGeom>
+          <a:noFill/>
+        </p:spPr>
+        <p:txBody>
+          <a:bodyPr wrap="none" rtlCol="0">
+            <a:spAutoFit/>
+          </a:bodyPr>
+          <a:lstStyle/>
+          <a:p>
+            <a:r>
+              <a:rPr lang="zh-TW" altLang="en-US" sz="1050" b="1" dirty="0"/>
+              <a:t>控股</a:t>
+            </a:r>
+            <a:endParaRPr lang="zh-TW" altLang="en-US" sz="1050" b="1" dirty="0"/>
+          </a:p>
+        </p:txBody>
+      </p:sp>
+      <p:sp>
+        <p:nvSpPr>
+          <p:cNvPr id="2" name="標題 1"/>
+          <p:cNvSpPr>
+            <a:spLocks noGrp="1"/>
+          </p:cNvSpPr>
+          <p:nvPr>
+            <p:ph type="title"/>
+          </p:nvPr>
+        </p:nvSpPr>
+        <p:spPr>
+          <a:xfrm>
+            <a:off x="457200" y="-243408"/>
+            <a:ext cx="8229600" cy="1143000"/>
+          </a:xfrm>
+        </p:spPr>
+        <p:txBody>
+          <a:bodyPr/>
+          <a:lstStyle/>
+          <a:p>
+            <a:r>
+              <a:rPr lang="en-US" altLang="zh-TW" dirty="0"/>
+              <a:t>D</a:t>
+            </a:r>
+            <a:r>
+              <a:rPr lang="en-US" altLang="zh-TW" dirty="0" smtClean="0"/>
+              <a:t>issimilarity</a:t>
+            </a:r>
+            <a:r>
+              <a:rPr lang="en-US" altLang="zh-TW" dirty="0" smtClean="0"/>
+              <a:t> </a:t>
+            </a:r>
+            <a:r>
+              <a:rPr lang="en-US" altLang="zh-TW" dirty="0" err="1" smtClean="0"/>
+              <a:t>Distrbution</a:t>
+            </a:r>
+            <a:endParaRPr lang="zh-TW" altLang="en-US" dirty="0"/>
+          </a:p>
+        </p:txBody>
+      </p:sp>
+    </p:spTree>
+    <p:extLst>
+      <p:ext uri="{BB962C8B-B14F-4D97-AF65-F5344CB8AC3E}">
+        <p14:creationId xmlns:p14="http://schemas.microsoft.com/office/powerpoint/2010/main" val="2386722458"/>
+      </p:ext>
+    </p:extLst>
+  </p:cSld>
+  <p:clrMapOvr>
+    <a:masterClrMapping/>
+  </p:clrMapOvr>
+  <p:timing>
+    <p:tnLst>
+      <p:par>
+        <p:cTn id="1" dur="indefinite" restart="never" nodeType="tmRoot"/>
+      </p:par>
+    </p:tnLst>
+  </p:timing>
+</p:sld>
+</file>
+
+<file path=ppt/slides/slide42.xml><?xml version="1.0" encoding="utf-8"?>
+<p:sld xmlns:a="http://schemas.openxmlformats.org/drawingml/2006/main" xmlns:r="http://schemas.openxmlformats.org/officeDocument/2006/relationships" xmlns:p="http://schemas.openxmlformats.org/presentationml/2006/main">
+  <p:cSld>
+    <p:spTree>
+      <p:nvGrpSpPr>
+        <p:cNvPr id="1" name=""/>
+        <p:cNvGrpSpPr/>
+        <p:nvPr/>
+      </p:nvGrpSpPr>
+      <p:grpSpPr>
+        <a:xfrm>
+          <a:off x="0" y="0"/>
+          <a:ext cx="0" cy="0"/>
+          <a:chOff x="0" y="0"/>
+          <a:chExt cx="0" cy="0"/>
+        </a:xfrm>
+      </p:grpSpPr>
+      <p:sp>
+        <p:nvSpPr>
+          <p:cNvPr id="2" name="標題 1"/>
+          <p:cNvSpPr>
+            <a:spLocks noGrp="1"/>
+          </p:cNvSpPr>
+          <p:nvPr>
+            <p:ph type="title"/>
+          </p:nvPr>
+        </p:nvSpPr>
+        <p:spPr/>
+        <p:txBody>
+          <a:bodyPr/>
+          <a:lstStyle/>
+          <a:p>
+            <a:r>
+              <a:rPr lang="en-US" altLang="zh-TW" dirty="0" smtClean="0"/>
+              <a:t>Metrics</a:t>
+            </a:r>
+            <a:endParaRPr lang="zh-TW" altLang="en-US" dirty="0"/>
+          </a:p>
+        </p:txBody>
+      </p:sp>
+      <p:pic>
+        <p:nvPicPr>
+          <p:cNvPr id="4" name="內容版面配置區 3" descr="畫面剪輯"/>
+          <p:cNvPicPr>
+            <a:picLocks noGrp="1" noChangeAspect="1"/>
+          </p:cNvPicPr>
+          <p:nvPr>
+            <p:ph idx="1"/>
+          </p:nvPr>
+        </p:nvPicPr>
+        <p:blipFill>
+          <a:blip r:embed="rId2">
+            <a:extLst>
+              <a:ext uri="{28A0092B-C50C-407E-A947-70E740481C1C}">
+                <a14:useLocalDpi xmlns:a14="http://schemas.microsoft.com/office/drawing/2010/main" val="0"/>
+              </a:ext>
+            </a:extLst>
+          </a:blip>
+          <a:stretch>
+            <a:fillRect/>
+          </a:stretch>
+        </p:blipFill>
+        <p:spPr>
+          <a:xfrm>
+            <a:off x="1547664" y="1196752"/>
+            <a:ext cx="6140833" cy="5112568"/>
+          </a:xfrm>
+        </p:spPr>
+      </p:pic>
+    </p:spTree>
+    <p:extLst>
+      <p:ext uri="{BB962C8B-B14F-4D97-AF65-F5344CB8AC3E}">
+        <p14:creationId xmlns:p14="http://schemas.microsoft.com/office/powerpoint/2010/main" val="862630634"/>
+      </p:ext>
+    </p:extLst>
+  </p:cSld>
+  <p:clrMapOvr>
+    <a:masterClrMapping/>
+  </p:clrMapOvr>
+  <p:timing>
+    <p:tnLst>
+      <p:par>
+        <p:cTn id="1" dur="indefinite" restart="never" nodeType="tmRoot"/>
+      </p:par>
+    </p:tnLst>
+  </p:timing>
 </p:sld>
 </file>
 
@@ -9967,4 +13394,289 @@
   <a:objectDefaults/>
   <a:extraClrSchemeLst/>
 </a:theme>
+</file>
+
+<file path=ppt/theme/theme2.xml><?xml version="1.0" encoding="utf-8"?>
+<a:theme xmlns:a="http://schemas.openxmlformats.org/drawingml/2006/main" name="Office 佈景主題">
+  <a:themeElements>
+    <a:clrScheme name="Office">
+      <a:dk1>
+        <a:sysClr val="windowText" lastClr="000000"/>
+      </a:dk1>
+      <a:lt1>
+        <a:sysClr val="window" lastClr="FFFFFF"/>
+      </a:lt1>
+      <a:dk2>
+        <a:srgbClr val="1F497D"/>
+      </a:dk2>
+      <a:lt2>
+        <a:srgbClr val="EEECE1"/>
+      </a:lt2>
+      <a:accent1>
+        <a:srgbClr val="4F81BD"/>
+      </a:accent1>
+      <a:accent2>
+        <a:srgbClr val="C0504D"/>
+      </a:accent2>
+      <a:accent3>
+        <a:srgbClr val="9BBB59"/>
+      </a:accent3>
+      <a:accent4>
+        <a:srgbClr val="8064A2"/>
+      </a:accent4>
+      <a:accent5>
+        <a:srgbClr val="4BACC6"/>
+      </a:accent5>
+      <a:accent6>
+        <a:srgbClr val="F79646"/>
+      </a:accent6>
+      <a:hlink>
+        <a:srgbClr val="0000FF"/>
+      </a:hlink>
+      <a:folHlink>
+        <a:srgbClr val="800080"/>
+      </a:folHlink>
+    </a:clrScheme>
+    <a:fontScheme name="Office">
+      <a:majorFont>
+        <a:latin typeface="Calibri"/>
+        <a:ea typeface=""/>
+        <a:cs typeface=""/>
+        <a:font script="Jpan" typeface="ＭＳ Ｐゴシック"/>
+        <a:font script="Hang" typeface="맑은 고딕"/>
+        <a:font script="Hans" typeface="宋体"/>
+        <a:font script="Hant" typeface="新細明體"/>
+        <a:font script="Arab" typeface="Times New Roman"/>
+        <a:font script="Hebr" typeface="Times New Roman"/>
+        <a:font script="Thai" typeface="Angsana New"/>
+        <a:font script="Ethi" typeface="Nyala"/>
+        <a:font script="Beng" typeface="Vrinda"/>
+        <a:font script="Gujr" typeface="Shruti"/>
+        <a:font script="Khmr" typeface="MoolBoran"/>
+        <a:font script="Knda" typeface="Tunga"/>
+        <a:font script="Guru" typeface="Raavi"/>
+        <a:font script="Cans" typeface="Euphemia"/>
+        <a:font script="Cher" typeface="Plantagenet Cherokee"/>
+        <a:font script="Yiii" typeface="Microsoft Yi Baiti"/>
+        <a:font script="Tibt" typeface="Microsoft Himalaya"/>
+        <a:font script="Thaa" typeface="MV Boli"/>
+        <a:font script="Deva" typeface="Mangal"/>
+        <a:font script="Telu" typeface="Gautami"/>
+        <a:font script="Taml" typeface="Latha"/>
+        <a:font script="Syrc" typeface="Estrangelo Edessa"/>
+        <a:font script="Orya" typeface="Kalinga"/>
+        <a:font script="Mlym" typeface="Kartika"/>
+        <a:font script="Laoo" typeface="DokChampa"/>
+        <a:font script="Sinh" typeface="Iskoola Pota"/>
+        <a:font script="Mong" typeface="Mongolian Baiti"/>
+        <a:font script="Viet" typeface="Times New Roman"/>
+        <a:font script="Uigh" typeface="Microsoft Uighur"/>
+        <a:font script="Geor" typeface="Sylfaen"/>
+      </a:majorFont>
+      <a:minorFont>
+        <a:latin typeface="Calibri"/>
+        <a:ea typeface=""/>
+        <a:cs typeface=""/>
+        <a:font script="Jpan" typeface="ＭＳ Ｐゴシック"/>
+        <a:font script="Hang" typeface="맑은 고딕"/>
+        <a:font script="Hans" typeface="宋体"/>
+        <a:font script="Hant" typeface="新細明體"/>
+        <a:font script="Arab" typeface="Arial"/>
+        <a:font script="Hebr" typeface="Arial"/>
+        <a:font script="Thai" typeface="Cordia New"/>
+        <a:font script="Ethi" typeface="Nyala"/>
+        <a:font script="Beng" typeface="Vrinda"/>
+        <a:font script="Gujr" typeface="Shruti"/>
+        <a:font script="Khmr" typeface="DaunPenh"/>
+        <a:font script="Knda" typeface="Tunga"/>
+        <a:font script="Guru" typeface="Raavi"/>
+        <a:font script="Cans" typeface="Euphemia"/>
+        <a:font script="Cher" typeface="Plantagenet Cherokee"/>
+        <a:font script="Yiii" typeface="Microsoft Yi Baiti"/>
+        <a:font script="Tibt" typeface="Microsoft Himalaya"/>
+        <a:font script="Thaa" typeface="MV Boli"/>
+        <a:font script="Deva" typeface="Mangal"/>
+        <a:font script="Telu" typeface="Gautami"/>
+        <a:font script="Taml" typeface="Latha"/>
+        <a:font script="Syrc" typeface="Estrangelo Edessa"/>
+        <a:font script="Orya" typeface="Kalinga"/>
+        <a:font script="Mlym" typeface="Kartika"/>
+        <a:font script="Laoo" typeface="DokChampa"/>
+        <a:font script="Sinh" typeface="Iskoola Pota"/>
+        <a:font script="Mong" typeface="Mongolian Baiti"/>
+        <a:font script="Viet" typeface="Arial"/>
+        <a:font script="Uigh" typeface="Microsoft Uighur"/>
+        <a:font script="Geor" typeface="Sylfaen"/>
+      </a:minorFont>
+    </a:fontScheme>
+    <a:fmtScheme name="Office">
+      <a:fillStyleLst>
+        <a:solidFill>
+          <a:schemeClr val="phClr"/>
+        </a:solidFill>
+        <a:gradFill rotWithShape="1">
+          <a:gsLst>
+            <a:gs pos="0">
+              <a:schemeClr val="phClr">
+                <a:tint val="50000"/>
+                <a:satMod val="300000"/>
+              </a:schemeClr>
+            </a:gs>
+            <a:gs pos="35000">
+              <a:schemeClr val="phClr">
+                <a:tint val="37000"/>
+                <a:satMod val="300000"/>
+              </a:schemeClr>
+            </a:gs>
+            <a:gs pos="100000">
+              <a:schemeClr val="phClr">
+                <a:tint val="15000"/>
+                <a:satMod val="350000"/>
+              </a:schemeClr>
+            </a:gs>
+          </a:gsLst>
+          <a:lin ang="16200000" scaled="1"/>
+        </a:gradFill>
+        <a:gradFill rotWithShape="1">
+          <a:gsLst>
+            <a:gs pos="0">
+              <a:schemeClr val="phClr">
+                <a:shade val="51000"/>
+                <a:satMod val="130000"/>
+              </a:schemeClr>
+            </a:gs>
+            <a:gs pos="80000">
+              <a:schemeClr val="phClr">
+                <a:shade val="93000"/>
+                <a:satMod val="130000"/>
+              </a:schemeClr>
+            </a:gs>
+            <a:gs pos="100000">
+              <a:schemeClr val="phClr">
+                <a:shade val="94000"/>
+                <a:satMod val="135000"/>
+              </a:schemeClr>
+            </a:gs>
+          </a:gsLst>
+          <a:lin ang="16200000" scaled="0"/>
+        </a:gradFill>
+      </a:fillStyleLst>
+      <a:lnStyleLst>
+        <a:ln w="9525" cap="flat" cmpd="sng" algn="ctr">
+          <a:solidFill>
+            <a:schemeClr val="phClr">
+              <a:shade val="95000"/>
+              <a:satMod val="105000"/>
+            </a:schemeClr>
+          </a:solidFill>
+          <a:prstDash val="solid"/>
+        </a:ln>
+        <a:ln w="25400" cap="flat" cmpd="sng" algn="ctr">
+          <a:solidFill>
+            <a:schemeClr val="phClr"/>
+          </a:solidFill>
+          <a:prstDash val="solid"/>
+        </a:ln>
+        <a:ln w="38100" cap="flat" cmpd="sng" algn="ctr">
+          <a:solidFill>
+            <a:schemeClr val="phClr"/>
+          </a:solidFill>
+          <a:prstDash val="solid"/>
+        </a:ln>
+      </a:lnStyleLst>
+      <a:effectStyleLst>
+        <a:effectStyle>
+          <a:effectLst>
+            <a:outerShdw blurRad="40000" dist="20000" dir="5400000" rotWithShape="0">
+              <a:srgbClr val="000000">
+                <a:alpha val="38000"/>
+              </a:srgbClr>
+            </a:outerShdw>
+          </a:effectLst>
+        </a:effectStyle>
+        <a:effectStyle>
+          <a:effectLst>
+            <a:outerShdw blurRad="40000" dist="23000" dir="5400000" rotWithShape="0">
+              <a:srgbClr val="000000">
+                <a:alpha val="35000"/>
+              </a:srgbClr>
+            </a:outerShdw>
+          </a:effectLst>
+        </a:effectStyle>
+        <a:effectStyle>
+          <a:effectLst>
+            <a:outerShdw blurRad="40000" dist="23000" dir="5400000" rotWithShape="0">
+              <a:srgbClr val="000000">
+                <a:alpha val="35000"/>
+              </a:srgbClr>
+            </a:outerShdw>
+          </a:effectLst>
+          <a:scene3d>
+            <a:camera prst="orthographicFront">
+              <a:rot lat="0" lon="0" rev="0"/>
+            </a:camera>
+            <a:lightRig rig="threePt" dir="t">
+              <a:rot lat="0" lon="0" rev="1200000"/>
+            </a:lightRig>
+          </a:scene3d>
+          <a:sp3d>
+            <a:bevelT w="63500" h="25400"/>
+          </a:sp3d>
+        </a:effectStyle>
+      </a:effectStyleLst>
+      <a:bgFillStyleLst>
+        <a:solidFill>
+          <a:schemeClr val="phClr"/>
+        </a:solidFill>
+        <a:gradFill rotWithShape="1">
+          <a:gsLst>
+            <a:gs pos="0">
+              <a:schemeClr val="phClr">
+                <a:tint val="40000"/>
+                <a:satMod val="350000"/>
+              </a:schemeClr>
+            </a:gs>
+            <a:gs pos="40000">
+              <a:schemeClr val="phClr">
+                <a:tint val="45000"/>
+                <a:shade val="99000"/>
+                <a:satMod val="350000"/>
+              </a:schemeClr>
+            </a:gs>
+            <a:gs pos="100000">
+              <a:schemeClr val="phClr">
+                <a:shade val="20000"/>
+                <a:satMod val="255000"/>
+              </a:schemeClr>
+            </a:gs>
+          </a:gsLst>
+          <a:path path="circle">
+            <a:fillToRect l="50000" t="-80000" r="50000" b="180000"/>
+          </a:path>
+        </a:gradFill>
+        <a:gradFill rotWithShape="1">
+          <a:gsLst>
+            <a:gs pos="0">
+              <a:schemeClr val="phClr">
+                <a:tint val="80000"/>
+                <a:satMod val="300000"/>
+              </a:schemeClr>
+            </a:gs>
+            <a:gs pos="100000">
+              <a:schemeClr val="phClr">
+                <a:shade val="30000"/>
+                <a:satMod val="200000"/>
+              </a:schemeClr>
+            </a:gs>
+          </a:gsLst>
+          <a:path path="circle">
+            <a:fillToRect l="50000" t="50000" r="50000" b="50000"/>
+          </a:path>
+        </a:gradFill>
+      </a:bgFillStyleLst>
+    </a:fmtScheme>
+  </a:themeElements>
+  <a:objectDefaults/>
+  <a:extraClrSchemeLst/>
+</a:theme>
 </file>